--- a/help/data-sheets/assets/DMeBusinessSupportDatasheet_2022.pptx
+++ b/help/data-sheets/assets/DMeBusinessSupportDatasheet_2022.pptx
@@ -270,6 +270,30 @@
     </pc:docChg>
   </pc:docChgLst>
   <pc:docChgLst>
+    <pc:chgData name="Jaclyn Zalesky" userId="S::zalesky@adobe.com::9c0b24b4-6ad7-45a7-a9a0-5ba404afed22" providerId="AD" clId="Web-{230F0D56-C414-F2B7-15F9-451AF6576368}"/>
+    <pc:docChg chg="mod modSld">
+      <pc:chgData name="Jaclyn Zalesky" userId="S::zalesky@adobe.com::9c0b24b4-6ad7-45a7-a9a0-5ba404afed22" providerId="AD" clId="Web-{230F0D56-C414-F2B7-15F9-451AF6576368}" dt="2022-02-10T15:57:01.008" v="107"/>
+      <pc:docMkLst>
+        <pc:docMk/>
+      </pc:docMkLst>
+      <pc:sldChg chg="modSp modCm">
+        <pc:chgData name="Jaclyn Zalesky" userId="S::zalesky@adobe.com::9c0b24b4-6ad7-45a7-a9a0-5ba404afed22" providerId="AD" clId="Web-{230F0D56-C414-F2B7-15F9-451AF6576368}" dt="2022-02-10T15:57:01.008" v="107"/>
+        <pc:sldMkLst>
+          <pc:docMk/>
+          <pc:sldMk cId="1050037809" sldId="261"/>
+        </pc:sldMkLst>
+        <pc:graphicFrameChg chg="mod modGraphic">
+          <ac:chgData name="Jaclyn Zalesky" userId="S::zalesky@adobe.com::9c0b24b4-6ad7-45a7-a9a0-5ba404afed22" providerId="AD" clId="Web-{230F0D56-C414-F2B7-15F9-451AF6576368}" dt="2022-02-10T15:56:55.836" v="105"/>
+          <ac:graphicFrameMkLst>
+            <pc:docMk/>
+            <pc:sldMk cId="1050037809" sldId="261"/>
+            <ac:graphicFrameMk id="21" creationId="{776EB197-58B6-794D-94F8-90888006EC22}"/>
+          </ac:graphicFrameMkLst>
+        </pc:graphicFrameChg>
+      </pc:sldChg>
+    </pc:docChg>
+  </pc:docChgLst>
+  <pc:docChgLst>
     <pc:chgData name="Jaclyn Zalesky" userId="S::zalesky@adobe.com::9c0b24b4-6ad7-45a7-a9a0-5ba404afed22" providerId="AD" clId="Web-{C9A7A18E-2CD6-D60F-0EAE-ADB272FCFFDF}"/>
     <pc:docChg chg="modSld">
       <pc:chgData name="Jaclyn Zalesky" userId="S::zalesky@adobe.com::9c0b24b4-6ad7-45a7-a9a0-5ba404afed22" providerId="AD" clId="Web-{C9A7A18E-2CD6-D60F-0EAE-ADB272FCFFDF}" dt="2022-03-04T01:00:42.113" v="1"/>
@@ -288,30 +312,6 @@
             <pc:docMk/>
             <pc:sldMk cId="0" sldId="256"/>
             <ac:graphicFrameMk id="11" creationId="{3AC7AEA2-E7A4-BD48-80EA-856168E207F6}"/>
-          </ac:graphicFrameMkLst>
-        </pc:graphicFrameChg>
-      </pc:sldChg>
-    </pc:docChg>
-  </pc:docChgLst>
-  <pc:docChgLst>
-    <pc:chgData name="Jaclyn Zalesky" userId="S::zalesky@adobe.com::9c0b24b4-6ad7-45a7-a9a0-5ba404afed22" providerId="AD" clId="Web-{230F0D56-C414-F2B7-15F9-451AF6576368}"/>
-    <pc:docChg chg="mod modSld">
-      <pc:chgData name="Jaclyn Zalesky" userId="S::zalesky@adobe.com::9c0b24b4-6ad7-45a7-a9a0-5ba404afed22" providerId="AD" clId="Web-{230F0D56-C414-F2B7-15F9-451AF6576368}" dt="2022-02-10T15:57:01.008" v="107"/>
-      <pc:docMkLst>
-        <pc:docMk/>
-      </pc:docMkLst>
-      <pc:sldChg chg="modSp modCm">
-        <pc:chgData name="Jaclyn Zalesky" userId="S::zalesky@adobe.com::9c0b24b4-6ad7-45a7-a9a0-5ba404afed22" providerId="AD" clId="Web-{230F0D56-C414-F2B7-15F9-451AF6576368}" dt="2022-02-10T15:57:01.008" v="107"/>
-        <pc:sldMkLst>
-          <pc:docMk/>
-          <pc:sldMk cId="1050037809" sldId="261"/>
-        </pc:sldMkLst>
-        <pc:graphicFrameChg chg="mod modGraphic">
-          <ac:chgData name="Jaclyn Zalesky" userId="S::zalesky@adobe.com::9c0b24b4-6ad7-45a7-a9a0-5ba404afed22" providerId="AD" clId="Web-{230F0D56-C414-F2B7-15F9-451AF6576368}" dt="2022-02-10T15:56:55.836" v="105"/>
-          <ac:graphicFrameMkLst>
-            <pc:docMk/>
-            <pc:sldMk cId="1050037809" sldId="261"/>
-            <ac:graphicFrameMk id="21" creationId="{776EB197-58B6-794D-94F8-90888006EC22}"/>
           </ac:graphicFrameMkLst>
         </pc:graphicFrameChg>
       </pc:sldChg>
@@ -432,41 +432,6 @@
 </pc:chgInfo>
 </file>
 
-<file path=ppt/comments/modernComment_105_3E964E31.xml><?xml version="1.0" encoding="utf-8"?>
-<p188:cmLst xmlns:a="http://schemas.openxmlformats.org/drawingml/2006/main" xmlns:r="http://schemas.openxmlformats.org/officeDocument/2006/relationships" xmlns:p188="http://schemas.microsoft.com/office/powerpoint/2018/8/main">
-  <p188:cm id="{71667EB1-1D95-4194-9107-42D8CF943CA0}" authorId="{DB1A11B9-3973-06DC-DBC2-EFEFEF087FED}" created="2022-02-09T19:19:31.362">
-    <pc:sldMkLst xmlns:pc="http://schemas.microsoft.com/office/powerpoint/2013/main/command">
-      <pc:docMk/>
-      <pc:sldMk cId="1050037809" sldId="261"/>
-    </pc:sldMkLst>
-    <p188:replyLst>
-      <p188:reply id="{A4AD3427-FF77-4841-BB89-DE3448FC5319}" authorId="{D376325D-2BBD-24A3-9FEE-692465B927D5}" created="2022-02-10T15:57:01.008">
-        <p188:txBody>
-          <a:bodyPr/>
-          <a:lstStyle/>
-          <a:p>
-            <a:r>
-              <a:rPr lang="en-US"/>
-              <a:t>Updated. </a:t>
-            </a:r>
-          </a:p>
-        </p188:txBody>
-      </p188:reply>
-    </p188:replyLst>
-    <p188:txBody>
-      <a:bodyPr/>
-      <a:lstStyle/>
-      <a:p>
-        <a:r>
-          <a:rPr lang="en-US"/>
-          <a:t>[@Jaclyn Zalesky]  change from Experience League to Enterprise Learn &amp; Support https://helpx.adobe.com/enterprise.html</a:t>
-        </a:r>
-      </a:p>
-    </p188:txBody>
-  </p188:cm>
-</p188:cmLst>
-</file>
-
 <file path=ppt/notesMasters/notesMaster1.xml><?xml version="1.0" encoding="utf-8"?>
 <p:notesMaster xmlns:a="http://schemas.openxmlformats.org/drawingml/2006/main" xmlns:r="http://schemas.openxmlformats.org/officeDocument/2006/relationships" xmlns:p="http://schemas.openxmlformats.org/presentationml/2006/main">
   <p:cSld>
@@ -549,7 +514,7 @@
           <a:p>
             <a:fld id="{FB81873C-0B24-F04A-98A1-90E0A78F7E8A}" type="datetimeFigureOut">
               <a:rPr lang="en-US" smtClean="0"/>
-              <a:t>3/3/2022</a:t>
+              <a:t>3/24/2022</a:t>
             </a:fld>
             <a:endParaRPr lang="en-US"/>
           </a:p>
@@ -1172,7 +1137,7 @@
           <a:p>
             <a:fld id="{1D8BD707-D9CF-40AE-B4C6-C98DA3205C09}" type="datetimeFigureOut">
               <a:rPr lang="en-US"/>
-              <a:t>3/3/2022</a:t>
+              <a:t>3/24/2022</a:t>
             </a:fld>
             <a:endParaRPr lang="en-US"/>
           </a:p>
@@ -1334,7 +1299,7 @@
           <a:p>
             <a:fld id="{1D8BD707-D9CF-40AE-B4C6-C98DA3205C09}" type="datetimeFigureOut">
               <a:rPr lang="en-US"/>
-              <a:t>3/3/2022</a:t>
+              <a:t>3/24/2022</a:t>
             </a:fld>
             <a:endParaRPr lang="en-US"/>
           </a:p>
@@ -1652,7 +1617,7 @@
           <a:p>
             <a:fld id="{1D8BD707-D9CF-40AE-B4C6-C98DA3205C09}" type="datetimeFigureOut">
               <a:rPr lang="en-US"/>
-              <a:t>3/3/2022</a:t>
+              <a:t>3/24/2022</a:t>
             </a:fld>
             <a:endParaRPr lang="en-US"/>
           </a:p>
@@ -1876,8 +1841,8 @@
         </p:nvSpPr>
         <p:spPr>
           <a:xfrm>
-            <a:off x="168565" y="7162363"/>
-            <a:ext cx="2800350" cy="238760"/>
+            <a:off x="168564" y="7162363"/>
+            <a:ext cx="4936835" cy="227626"/>
           </a:xfrm>
           <a:prstGeom prst="rect">
             <a:avLst/>
@@ -1898,7 +1863,7 @@
               </a:spcBef>
             </a:pPr>
             <a:r>
-              <a:rPr sz="1400" b="1" u="heavy" spc="10" dirty="0">
+              <a:rPr lang="es-ES" sz="1400" b="1" u="heavy" dirty="0">
                 <a:solidFill>
                   <a:srgbClr val="020302"/>
                 </a:solidFill>
@@ -1910,87 +1875,8 @@
                 <a:latin typeface="Adobe Clean"/>
                 <a:cs typeface="Adobe Clean"/>
               </a:rPr>
-              <a:t>Service </a:t>
+              <a:t>Destinatarios de nivel de servicio: Respuesta inicial</a:t>
             </a:r>
-            <a:r>
-              <a:rPr sz="1400" b="1" u="heavy" spc="-10" dirty="0">
-                <a:solidFill>
-                  <a:srgbClr val="020302"/>
-                </a:solidFill>
-                <a:uFill>
-                  <a:solidFill>
-                    <a:srgbClr val="020302"/>
-                  </a:solidFill>
-                </a:uFill>
-                <a:latin typeface="Adobe Clean"/>
-                <a:cs typeface="Adobe Clean"/>
-              </a:rPr>
-              <a:t>Level </a:t>
-            </a:r>
-            <a:r>
-              <a:rPr sz="1400" b="1" u="heavy" spc="-45" dirty="0">
-                <a:solidFill>
-                  <a:srgbClr val="020302"/>
-                </a:solidFill>
-                <a:uFill>
-                  <a:solidFill>
-                    <a:srgbClr val="020302"/>
-                  </a:solidFill>
-                </a:uFill>
-                <a:latin typeface="Adobe Clean"/>
-                <a:cs typeface="Adobe Clean"/>
-              </a:rPr>
-              <a:t>Targets: </a:t>
-            </a:r>
-            <a:r>
-              <a:rPr sz="1400" b="1" u="heavy" spc="-10" dirty="0">
-                <a:solidFill>
-                  <a:srgbClr val="020302"/>
-                </a:solidFill>
-                <a:uFill>
-                  <a:solidFill>
-                    <a:srgbClr val="020302"/>
-                  </a:solidFill>
-                </a:uFill>
-                <a:latin typeface="Adobe Clean"/>
-                <a:cs typeface="Adobe Clean"/>
-              </a:rPr>
-              <a:t>Initial</a:t>
-            </a:r>
-            <a:r>
-              <a:rPr sz="1400" b="1" u="heavy" spc="-140" dirty="0">
-                <a:solidFill>
-                  <a:srgbClr val="020302"/>
-                </a:solidFill>
-                <a:uFill>
-                  <a:solidFill>
-                    <a:srgbClr val="020302"/>
-                  </a:solidFill>
-                </a:uFill>
-                <a:latin typeface="Adobe Clean"/>
-                <a:cs typeface="Adobe Clean"/>
-              </a:rPr>
-              <a:t> </a:t>
-            </a:r>
-            <a:r>
-              <a:rPr sz="1400" b="1" u="heavy" spc="-15" dirty="0">
-                <a:solidFill>
-                  <a:srgbClr val="020302"/>
-                </a:solidFill>
-                <a:uFill>
-                  <a:solidFill>
-                    <a:srgbClr val="020302"/>
-                  </a:solidFill>
-                </a:uFill>
-                <a:latin typeface="Adobe Clean"/>
-                <a:cs typeface="Adobe Clean"/>
-              </a:rPr>
-              <a:t>Response</a:t>
-            </a:r>
-            <a:endParaRPr sz="1400" dirty="0">
-              <a:latin typeface="Adobe Clean"/>
-              <a:cs typeface="Adobe Clean"/>
-            </a:endParaRPr>
           </a:p>
         </p:txBody>
       </p:sp>
@@ -2057,20 +1943,11 @@
               </a:spcBef>
             </a:pPr>
             <a:r>
-              <a:rPr sz="2300" dirty="0">
+              <a:rPr lang="es-ES" sz="2300">
                 <a:latin typeface="Adobe Clean" panose="020B0503020404020204" pitchFamily="34" charset="0"/>
               </a:rPr>
-              <a:t>ADOBE </a:t>
+              <a:t>PLANES DE SOPORTE DE ADOBE</a:t>
             </a:r>
-            <a:r>
-              <a:rPr lang="en-US" sz="2300" dirty="0">
-                <a:latin typeface="Adobe Clean" panose="020B0503020404020204" pitchFamily="34" charset="0"/>
-              </a:rPr>
-              <a:t>SUPPORT PLANS</a:t>
-            </a:r>
-            <a:endParaRPr sz="2300" dirty="0">
-              <a:latin typeface="Adobe Clean" panose="020B0503020404020204" pitchFamily="34" charset="0"/>
-            </a:endParaRPr>
           </a:p>
         </p:txBody>
       </p:sp>
@@ -2082,8 +1959,8 @@
         </p:nvSpPr>
         <p:spPr>
           <a:xfrm>
-            <a:off x="121147" y="635935"/>
-            <a:ext cx="5865216" cy="1281120"/>
+            <a:off x="121147" y="581382"/>
+            <a:ext cx="5865216" cy="1425647"/>
           </a:xfrm>
           <a:prstGeom prst="rect">
             <a:avLst/>
@@ -2104,7 +1981,7 @@
               </a:spcBef>
             </a:pPr>
             <a:r>
-              <a:rPr lang="en-US" sz="1200" dirty="0">
+              <a:rPr lang="es-ES" sz="1100" dirty="0">
                 <a:solidFill>
                   <a:schemeClr val="bg1"/>
                 </a:solidFill>
@@ -2113,7 +1990,7 @@
               <a:t>Standard | </a:t>
             </a:r>
             <a:r>
-              <a:rPr lang="en-US" sz="1200" b="1" dirty="0">
+              <a:rPr lang="es-ES" sz="1100" b="1" dirty="0">
                 <a:solidFill>
                   <a:schemeClr val="bg1"/>
                 </a:solidFill>
@@ -2122,7 +1999,7 @@
               <a:t>Business</a:t>
             </a:r>
             <a:r>
-              <a:rPr lang="en-US" sz="1200" dirty="0">
+              <a:rPr lang="es-ES" sz="1100" dirty="0">
                 <a:solidFill>
                   <a:schemeClr val="bg1"/>
                 </a:solidFill>
@@ -2141,21 +2018,14 @@
               </a:spcBef>
             </a:pPr>
             <a:r>
-              <a:rPr lang="en-US" sz="1000" dirty="0">
+              <a:rPr lang="es-ES" sz="900" spc="-10" dirty="0">
                 <a:solidFill>
                   <a:schemeClr val="bg1"/>
                 </a:solidFill>
                 <a:latin typeface="Adobe Clean SemiLight"/>
               </a:rPr>
-              <a:t>Adobe provides a comprehensive range of technical resources to help support your business included as part of your Adobe enterprise subscription. This is enhanced with the BUSINESS support plan. BUSINESS support includes priority routing  for support cases to ensure faster connection to more senior support resources on submitted cases. BUSINESS customers also benefit from access to our technical support teams for any product query via either the telephone or the support web portal, to help protect your business at the most critical times. BUSINESS customers will be able to leverage their Account Support Lead for support case escalation management to receive regular communications and updates for your most critical of support requests.</a:t>
+              <a:t>Adobe ofrece una amplia variedad de recursos técnicos para ayudar a su negocio, incluidos como parte de su suscripción empresarial de Adobe. Puede mejorarla con el plan de soporte BUSINESS. El soporte BUSINESS incluye enrutamiento prioritario para casos de soporte con el fin de garantizar una conexión más rápida con recursos de soporte con más experiencia en relación con los casos enviados. Los clientes del paquete BUSINESS también pueden acceder a nuestros equipos de soporte técnico si tienen alguna duda con su producto, ya sea a través del teléfono o mediante el portal de asistencia en línea, para proteger su negocio en los momentos más importantes. Los clientes del paquete BUSINESS podrán beneficiarse de la ayuda del Responsable de la asistencia técnica de la cuenta en lo relacionado con la administración de la escalabilidad de los casos de soporte para recibir noticias y actualizaciones con frecuencia en cuanto a las solicitudes de soporte más críticas.</a:t>
             </a:r>
-            <a:endParaRPr lang="en-US" sz="1000" dirty="0">
-              <a:solidFill>
-                <a:schemeClr val="bg1"/>
-              </a:solidFill>
-              <a:latin typeface="Adobe Clean SemiLight"/>
-              <a:cs typeface="AdobeClean-Light"/>
-            </a:endParaRPr>
           </a:p>
         </p:txBody>
       </p:sp>
@@ -2203,14 +2073,14 @@
           <p:nvPr>
             <p:extLst>
               <p:ext uri="{D42A27DB-BD31-4B8C-83A1-F6EECF244321}">
-                <p14:modId xmlns:p14="http://schemas.microsoft.com/office/powerpoint/2010/main" val="1922779486"/>
+                <p14:modId xmlns:p14="http://schemas.microsoft.com/office/powerpoint/2010/main" val="801426922"/>
               </p:ext>
             </p:extLst>
           </p:nvPr>
         </p:nvGraphicFramePr>
         <p:xfrm>
           <a:off x="127543" y="2074351"/>
-          <a:ext cx="7500377" cy="5042528"/>
+          <a:ext cx="7500377" cy="4977593"/>
         </p:xfrm>
         <a:graphic>
           <a:graphicData uri="http://schemas.openxmlformats.org/drawingml/2006/table">
@@ -2226,14 +2096,14 @@
                     </a:ext>
                   </a:extLst>
                 </a:gridCol>
-                <a:gridCol w="2251454">
+                <a:gridCol w="2549858">
                   <a:extLst>
                     <a:ext uri="{9D8B030D-6E8A-4147-A177-3AD203B41FA5}">
                       <a16:colId xmlns:a16="http://schemas.microsoft.com/office/drawing/2014/main" val="20001"/>
                     </a:ext>
                   </a:extLst>
                 </a:gridCol>
-                <a:gridCol w="1867662">
+                <a:gridCol w="1569258">
                   <a:extLst>
                     <a:ext uri="{9D8B030D-6E8A-4147-A177-3AD203B41FA5}">
                       <a16:colId xmlns:a16="http://schemas.microsoft.com/office/drawing/2014/main" val="2563521174"/>
@@ -2292,39 +2162,15 @@
                         <a:defRPr/>
                       </a:pPr>
                       <a:r>
-                        <a:rPr lang="en-US" sz="1200" spc="-20" dirty="0">
+                        <a:rPr lang="es-ES" sz="1100" dirty="0">
                           <a:solidFill>
                             <a:srgbClr val="404040"/>
                           </a:solidFill>
                           <a:latin typeface="Adobe Clean"/>
                           <a:cs typeface="Adobe Clean"/>
                         </a:rPr>
-                        <a:t>Standard </a:t>
+                        <a:t>Soporte Standard</a:t>
                       </a:r>
-                      <a:r>
-                        <a:rPr lang="en-US" sz="1200" spc="-135" dirty="0">
-                          <a:solidFill>
-                            <a:srgbClr val="404040"/>
-                          </a:solidFill>
-                          <a:latin typeface="Adobe Clean"/>
-                          <a:cs typeface="Adobe Clean"/>
-                        </a:rPr>
-                        <a:t> </a:t>
-                      </a:r>
-                      <a:r>
-                        <a:rPr lang="en-US" sz="1200" spc="-20" dirty="0">
-                          <a:solidFill>
-                            <a:srgbClr val="404040"/>
-                          </a:solidFill>
-                          <a:latin typeface="Adobe Clean"/>
-                          <a:cs typeface="Adobe Clean"/>
-                        </a:rPr>
-                        <a:t>Support</a:t>
-                      </a:r>
-                      <a:endParaRPr lang="en-US" sz="1200" dirty="0">
-                        <a:latin typeface="Adobe Clean"/>
-                        <a:cs typeface="Adobe Clean"/>
-                      </a:endParaRPr>
                     </a:p>
                   </a:txBody>
                   <a:tcPr marL="0" marR="0" marT="7620" marB="0" anchor="ctr">
@@ -2365,39 +2211,15 @@
                         </a:spcBef>
                       </a:pPr>
                       <a:r>
-                        <a:rPr sz="1200" spc="-20" dirty="0">
+                        <a:rPr lang="es-ES" sz="1100" dirty="0">
                           <a:solidFill>
                             <a:srgbClr val="FFFFFF"/>
                           </a:solidFill>
                           <a:latin typeface="Adobe Clean"/>
                           <a:cs typeface="Adobe Clean"/>
                         </a:rPr>
-                        <a:t>Business</a:t>
+                        <a:t>Soporte Business</a:t>
                       </a:r>
-                      <a:r>
-                        <a:rPr lang="en-US" sz="1200" spc="-20" dirty="0">
-                          <a:solidFill>
-                            <a:srgbClr val="FFFFFF"/>
-                          </a:solidFill>
-                          <a:latin typeface="Adobe Clean"/>
-                          <a:cs typeface="Adobe Clean"/>
-                        </a:rPr>
-                        <a:t> </a:t>
-                      </a:r>
-                      <a:r>
-                        <a:rPr sz="1200" spc="-20" dirty="0">
-                          <a:solidFill>
-                            <a:srgbClr val="FFFFFF"/>
-                          </a:solidFill>
-                          <a:latin typeface="Adobe Clean"/>
-                          <a:cs typeface="Adobe Clean"/>
-                        </a:rPr>
-                        <a:t>Support</a:t>
-                      </a:r>
-                      <a:endParaRPr sz="1200" dirty="0">
-                        <a:latin typeface="Adobe Clean"/>
-                        <a:cs typeface="Adobe Clean"/>
-                      </a:endParaRPr>
                     </a:p>
                   </a:txBody>
                   <a:tcPr marL="0" marR="0" marT="7620" marB="0" anchor="ctr">
@@ -2462,7 +2284,7 @@
                     <a:bodyPr/>
                     <a:lstStyle/>
                     <a:p>
-                      <a:pPr marL="0" marR="0" lvl="0" indent="0" algn="ctr" defTabSz="914400" eaLnBrk="1" fontAlgn="auto" latinLnBrk="0" hangingPunct="1">
+                      <a:pPr marL="0" marR="0" lvl="0" indent="0" algn="l" defTabSz="914400" rtl="0" eaLnBrk="1" fontAlgn="auto" latinLnBrk="0" hangingPunct="1">
                         <a:lnSpc>
                           <a:spcPct val="100000"/>
                         </a:lnSpc>
@@ -2479,7 +2301,7 @@
                         <a:tabLst/>
                         <a:defRPr/>
                       </a:pPr>
-                      <a:endParaRPr lang="en-US" sz="1200" i="1">
+                      <a:endParaRPr lang="en-US" sz="1100" i="1">
                         <a:solidFill>
                           <a:sysClr val="windowText" lastClr="000000"/>
                         </a:solidFill>
@@ -2543,13 +2365,13 @@
                         <a:defRPr/>
                       </a:pPr>
                       <a:r>
-                        <a:rPr lang="en-US" sz="1200" b="1" i="1" dirty="0">
+                        <a:rPr lang="es-ES" sz="1100" b="1" i="1" dirty="0">
                           <a:solidFill>
                             <a:schemeClr val="bg1"/>
                           </a:solidFill>
                           <a:latin typeface="Adobe Clean" panose="020B0503020404020204" pitchFamily="34" charset="0"/>
                         </a:rPr>
-                        <a:t>Paid Support ($)</a:t>
+                        <a:t>Soporte de pago ($)</a:t>
                       </a:r>
                     </a:p>
                   </a:txBody>
@@ -2613,22 +2435,15 @@
                         </a:spcBef>
                       </a:pPr>
                       <a:r>
-                        <a:rPr lang="en-US" sz="1200" b="1" i="0" spc="0" dirty="0">
+                        <a:rPr lang="es-ES" sz="1100" b="1" i="0" dirty="0">
                           <a:solidFill>
                             <a:schemeClr val="bg1"/>
                           </a:solidFill>
                           <a:latin typeface="Adobe Clean"/>
                           <a:cs typeface="AdobeClean-Light"/>
                         </a:rPr>
-                        <a:t>Assigned Experts</a:t>
+                        <a:t>Expertos asignados</a:t>
                       </a:r>
-                      <a:endParaRPr sz="1200" b="1" i="0" spc="0" dirty="0">
-                        <a:solidFill>
-                          <a:schemeClr val="bg1"/>
-                        </a:solidFill>
-                        <a:latin typeface="Adobe Clean"/>
-                        <a:cs typeface="AdobeClean-Light"/>
-                      </a:endParaRPr>
                     </a:p>
                   </a:txBody>
                   <a:tcPr marL="0" marR="0" marT="58419" marB="0" anchor="ctr">
@@ -2675,19 +2490,15 @@
                         </a:spcBef>
                       </a:pPr>
                       <a:r>
-                        <a:rPr sz="1100" b="0" i="0" spc="0" dirty="0">
+                        <a:rPr lang="es-ES" sz="1000" b="0" i="0" dirty="0">
                           <a:solidFill>
                             <a:srgbClr val="020302"/>
                           </a:solidFill>
                           <a:latin typeface="Adobe Clean Light" panose="020B0303020404020204" pitchFamily="34" charset="0"/>
                           <a:cs typeface="AdobeClean-Light"/>
                         </a:rPr>
-                        <a:t>Account Support Lead</a:t>
+                        <a:t>Responsable de la asistencia técnica de la cuenta</a:t>
                       </a:r>
-                      <a:endParaRPr sz="1100" b="0" i="0" spc="0" dirty="0">
-                        <a:latin typeface="Adobe Clean Light" panose="020B0303020404020204" pitchFamily="34" charset="0"/>
-                        <a:cs typeface="AdobeClean-Light"/>
-                      </a:endParaRPr>
                     </a:p>
                   </a:txBody>
                   <a:tcPr marL="0" marR="0" marT="58419" marB="0">
@@ -2722,7 +2533,7 @@
                     <a:bodyPr/>
                     <a:lstStyle/>
                     <a:p>
-                      <a:pPr algn="ctr">
+                      <a:pPr algn="l" rtl="0">
                         <a:lnSpc>
                           <a:spcPct val="100000"/>
                         </a:lnSpc>
@@ -2772,7 +2583,7 @@
                         </a:spcBef>
                       </a:pPr>
                       <a:r>
-                        <a:rPr sz="1200" dirty="0">
+                        <a:rPr lang="es-ES" sz="1200">
                           <a:solidFill>
                             <a:srgbClr val="020302"/>
                           </a:solidFill>
@@ -2781,10 +2592,6 @@
                         </a:rPr>
                         <a:t></a:t>
                       </a:r>
-                      <a:endParaRPr sz="1200" dirty="0">
-                        <a:latin typeface="Wingdings"/>
-                        <a:cs typeface="Wingdings"/>
-                      </a:endParaRPr>
                     </a:p>
                   </a:txBody>
                   <a:tcPr marL="0" marR="0" marT="59690" marB="0" anchor="ctr">
@@ -2816,7 +2623,7 @@
                     <a:bodyPr/>
                     <a:lstStyle/>
                     <a:p>
-                      <a:pPr marL="50800">
+                      <a:pPr marL="50800" algn="l" rtl="0">
                         <a:lnSpc>
                           <a:spcPct val="100000"/>
                         </a:lnSpc>
@@ -2846,19 +2653,15 @@
                         </a:spcBef>
                       </a:pPr>
                       <a:r>
-                        <a:rPr sz="1100" b="0" i="0" spc="0" dirty="0">
+                        <a:rPr lang="es-ES" sz="1000" b="0" i="0" dirty="0">
                           <a:solidFill>
                             <a:srgbClr val="020302"/>
                           </a:solidFill>
                           <a:latin typeface="Adobe Clean Light" panose="020B0303020404020204" pitchFamily="34" charset="0"/>
                           <a:cs typeface="AdobeClean-Light"/>
                         </a:rPr>
-                        <a:t>Named Support Engineer</a:t>
+                        <a:t>Ingeniero de asistencia técnica especializado</a:t>
                       </a:r>
-                      <a:endParaRPr sz="1100" b="0" i="0" spc="0" dirty="0">
-                        <a:latin typeface="Adobe Clean Light" panose="020B0303020404020204" pitchFamily="34" charset="0"/>
-                        <a:cs typeface="AdobeClean-Light"/>
-                      </a:endParaRPr>
                     </a:p>
                   </a:txBody>
                   <a:tcPr marL="0" marR="0" marT="58419" marB="0">
@@ -2887,7 +2690,7 @@
                     <a:bodyPr/>
                     <a:lstStyle/>
                     <a:p>
-                      <a:pPr algn="ctr">
+                      <a:pPr algn="l" rtl="0">
                         <a:lnSpc>
                           <a:spcPct val="100000"/>
                         </a:lnSpc>
@@ -2919,7 +2722,7 @@
                     <a:bodyPr/>
                     <a:lstStyle/>
                     <a:p>
-                      <a:pPr algn="ctr">
+                      <a:pPr algn="l" rtl="0">
                         <a:lnSpc>
                           <a:spcPct val="100000"/>
                         </a:lnSpc>
@@ -2953,7 +2756,7 @@
                     <a:bodyPr/>
                     <a:lstStyle/>
                     <a:p>
-                      <a:pPr marL="50800">
+                      <a:pPr marL="50800" algn="l" rtl="0">
                         <a:lnSpc>
                           <a:spcPct val="100000"/>
                         </a:lnSpc>
@@ -2983,19 +2786,15 @@
                         </a:spcBef>
                       </a:pPr>
                       <a:r>
-                        <a:rPr sz="1100" b="0" i="0" spc="0" dirty="0">
+                        <a:rPr lang="es-ES" sz="1000" b="0" i="0" dirty="0">
                           <a:solidFill>
                             <a:srgbClr val="020302"/>
                           </a:solidFill>
                           <a:latin typeface="Adobe Clean Light" panose="020B0303020404020204" pitchFamily="34" charset="0"/>
                           <a:cs typeface="AdobeClean-Light"/>
                         </a:rPr>
-                        <a:t>Technical Account Manager</a:t>
+                        <a:t>Gestor técnico de cuentas</a:t>
                       </a:r>
-                      <a:endParaRPr sz="1100" b="0" i="0" spc="0" dirty="0">
-                        <a:latin typeface="Adobe Clean Light" panose="020B0303020404020204" pitchFamily="34" charset="0"/>
-                        <a:cs typeface="AdobeClean-Light"/>
-                      </a:endParaRPr>
                     </a:p>
                   </a:txBody>
                   <a:tcPr marL="0" marR="0" marT="63500" marB="0">
@@ -3033,7 +2832,7 @@
                     <a:bodyPr/>
                     <a:lstStyle/>
                     <a:p>
-                      <a:pPr algn="ctr">
+                      <a:pPr algn="l" rtl="0">
                         <a:lnSpc>
                           <a:spcPct val="100000"/>
                         </a:lnSpc>
@@ -3074,7 +2873,7 @@
                     <a:bodyPr/>
                     <a:lstStyle/>
                     <a:p>
-                      <a:pPr algn="ctr">
+                      <a:pPr algn="l" rtl="0">
                         <a:lnSpc>
                           <a:spcPct val="100000"/>
                         </a:lnSpc>
@@ -3126,22 +2925,15 @@
                         </a:spcBef>
                       </a:pPr>
                       <a:r>
-                        <a:rPr lang="en-US" sz="1200" b="1" i="0" spc="0" dirty="0">
+                        <a:rPr lang="es-ES" sz="1100" b="1" i="0" dirty="0">
                           <a:solidFill>
                             <a:schemeClr val="bg1"/>
                           </a:solidFill>
                           <a:latin typeface="Adobe Clean" panose="020B0503020404020204" pitchFamily="34" charset="0"/>
                           <a:cs typeface="AdobeClean-Light"/>
                         </a:rPr>
-                        <a:t>Support Services</a:t>
+                        <a:t>Servicios de soporte</a:t>
                       </a:r>
-                      <a:endParaRPr sz="1200" b="1" i="0" spc="0" dirty="0">
-                        <a:solidFill>
-                          <a:schemeClr val="bg1"/>
-                        </a:solidFill>
-                        <a:latin typeface="Adobe Clean" panose="020B0503020404020204" pitchFamily="34" charset="0"/>
-                        <a:cs typeface="AdobeClean-Light"/>
-                      </a:endParaRPr>
                     </a:p>
                   </a:txBody>
                   <a:tcPr marL="0" marR="0" marT="57150" marB="0" anchor="ctr">
@@ -3191,19 +2983,15 @@
                         </a:spcBef>
                       </a:pPr>
                       <a:r>
-                        <a:rPr lang="en-US" sz="1100" b="0" i="0" spc="0" dirty="0">
+                        <a:rPr lang="es-ES" sz="1000" b="0" i="0" dirty="0">
                           <a:solidFill>
                             <a:srgbClr val="020302"/>
                           </a:solidFill>
                           <a:latin typeface="Adobe Clean Light" panose="020B0303020404020204" pitchFamily="34" charset="0"/>
                           <a:cs typeface="AdobeClean-Light"/>
                         </a:rPr>
-                        <a:t>24x7 Self-Help Support </a:t>
+                        <a:t>Soporte de autoayuda 24 x 7 </a:t>
                       </a:r>
-                      <a:endParaRPr lang="en-US" sz="1100" b="0" i="0" spc="0" dirty="0">
-                        <a:latin typeface="Adobe Clean Light" panose="020B0303020404020204" pitchFamily="34" charset="0"/>
-                        <a:cs typeface="AdobeClean-Light"/>
-                      </a:endParaRPr>
                     </a:p>
                   </a:txBody>
                   <a:tcPr marL="0" marR="0" marT="57150" marB="0">
@@ -3247,7 +3035,7 @@
                         </a:spcBef>
                       </a:pPr>
                       <a:r>
-                        <a:rPr sz="1200" dirty="0">
+                        <a:rPr lang="es-ES" sz="1200">
                           <a:solidFill>
                             <a:srgbClr val="020302"/>
                           </a:solidFill>
@@ -3256,10 +3044,6 @@
                         </a:rPr>
                         <a:t></a:t>
                       </a:r>
-                      <a:endParaRPr sz="1200" dirty="0">
-                        <a:latin typeface="Wingdings"/>
-                        <a:cs typeface="Wingdings"/>
-                      </a:endParaRPr>
                     </a:p>
                   </a:txBody>
                   <a:tcPr marL="0" marR="0" marT="58419" marB="0">
@@ -3298,7 +3082,7 @@
                         </a:spcBef>
                       </a:pPr>
                       <a:r>
-                        <a:rPr sz="1200" dirty="0">
+                        <a:rPr lang="es-ES" sz="1200">
                           <a:solidFill>
                             <a:srgbClr val="020302"/>
                           </a:solidFill>
@@ -3307,10 +3091,6 @@
                         </a:rPr>
                         <a:t></a:t>
                       </a:r>
-                      <a:endParaRPr sz="1200" dirty="0">
-                        <a:latin typeface="Wingdings"/>
-                        <a:cs typeface="Wingdings"/>
-                      </a:endParaRPr>
                     </a:p>
                   </a:txBody>
                   <a:tcPr marL="0" marR="0" marT="58419" marB="0">
@@ -3342,7 +3122,7 @@
                     <a:bodyPr/>
                     <a:lstStyle/>
                     <a:p>
-                      <a:pPr marL="50800">
+                      <a:pPr marL="50800" algn="l" rtl="0">
                         <a:lnSpc>
                           <a:spcPct val="100000"/>
                         </a:lnSpc>
@@ -3400,19 +3180,15 @@
                         </a:spcBef>
                       </a:pPr>
                       <a:r>
-                        <a:rPr lang="en-US" sz="1100" b="0" i="0" spc="0" dirty="0">
+                        <a:rPr lang="es-ES" sz="1000" b="0" i="0">
                           <a:solidFill>
                             <a:srgbClr val="020302"/>
                           </a:solidFill>
                           <a:latin typeface="Adobe Clean Light" panose="020B0303020404020204" pitchFamily="34" charset="0"/>
                           <a:cs typeface="AdobeClean-Light"/>
                         </a:rPr>
-                        <a:t>24x7 Support via Chat / Phone</a:t>
+                        <a:t>Soporte 24 x 7 por chat/teléfono</a:t>
                       </a:r>
-                      <a:endParaRPr sz="1100" b="0" i="0" spc="0" dirty="0">
-                        <a:latin typeface="Adobe Clean Light" panose="020B0303020404020204" pitchFamily="34" charset="0"/>
-                        <a:cs typeface="AdobeClean-Light"/>
-                      </a:endParaRPr>
                     </a:p>
                   </a:txBody>
                   <a:tcPr marL="0" marR="0" marT="57785" marB="0">
@@ -3454,7 +3230,7 @@
                         </a:spcBef>
                       </a:pPr>
                       <a:r>
-                        <a:rPr lang="en-US" sz="1200" dirty="0">
+                        <a:rPr lang="es-ES" sz="1200">
                           <a:solidFill>
                             <a:srgbClr val="020302"/>
                           </a:solidFill>
@@ -3463,10 +3239,6 @@
                         </a:rPr>
                         <a:t></a:t>
                       </a:r>
-                      <a:endParaRPr lang="en-US" sz="1200" dirty="0">
-                        <a:latin typeface="Wingdings"/>
-                        <a:cs typeface="Wingdings"/>
-                      </a:endParaRPr>
                     </a:p>
                   </a:txBody>
                   <a:tcPr marL="0" marR="0" marT="58419" marB="0">
@@ -3503,7 +3275,7 @@
                         </a:spcBef>
                       </a:pPr>
                       <a:r>
-                        <a:rPr sz="1200" dirty="0">
+                        <a:rPr lang="es-ES" sz="1200">
                           <a:solidFill>
                             <a:srgbClr val="020302"/>
                           </a:solidFill>
@@ -3512,10 +3284,6 @@
                         </a:rPr>
                         <a:t></a:t>
                       </a:r>
-                      <a:endParaRPr sz="1200" dirty="0">
-                        <a:latin typeface="Wingdings"/>
-                        <a:cs typeface="Wingdings"/>
-                      </a:endParaRPr>
                     </a:p>
                   </a:txBody>
                   <a:tcPr marL="0" marR="0" marT="58419" marB="0">
@@ -3547,7 +3315,7 @@
                     <a:bodyPr/>
                     <a:lstStyle/>
                     <a:p>
-                      <a:pPr marL="50800">
+                      <a:pPr marL="50800" algn="l" rtl="0">
                         <a:lnSpc>
                           <a:spcPct val="100000"/>
                         </a:lnSpc>
@@ -3614,16 +3382,12 @@
                         </a:spcBef>
                       </a:pPr>
                       <a:r>
-                        <a:rPr lang="en-US" sz="1100" b="0" i="0" spc="0" dirty="0">
+                        <a:rPr lang="es-ES" sz="1000" b="0" i="0" dirty="0">
                           <a:latin typeface="Adobe Clean Light" panose="020B0303020404020204" pitchFamily="34" charset="0"/>
                           <a:cs typeface="AdobeClean-Light"/>
                         </a:rPr>
-                        <a:t>Web Case Submissions </a:t>
+                        <a:t>Envíos de casos a través de la web </a:t>
                       </a:r>
-                      <a:endParaRPr sz="1100" b="0" i="0" spc="0" dirty="0">
-                        <a:latin typeface="Adobe Clean Light" panose="020B0303020404020204" pitchFamily="34" charset="0"/>
-                        <a:cs typeface="AdobeClean-Light"/>
-                      </a:endParaRPr>
                     </a:p>
                   </a:txBody>
                   <a:tcPr marL="0" marR="0" marT="57785" marB="0">
@@ -3665,7 +3429,7 @@
                         </a:spcBef>
                       </a:pPr>
                       <a:r>
-                        <a:rPr sz="1200" dirty="0">
+                        <a:rPr lang="es-ES" sz="1200">
                           <a:solidFill>
                             <a:srgbClr val="020302"/>
                           </a:solidFill>
@@ -3674,10 +3438,6 @@
                         </a:rPr>
                         <a:t></a:t>
                       </a:r>
-                      <a:endParaRPr sz="1200" dirty="0">
-                        <a:latin typeface="Wingdings"/>
-                        <a:cs typeface="Wingdings"/>
-                      </a:endParaRPr>
                     </a:p>
                   </a:txBody>
                   <a:tcPr marL="0" marR="0" marT="58419" marB="0">
@@ -3714,7 +3474,7 @@
                         </a:spcBef>
                       </a:pPr>
                       <a:r>
-                        <a:rPr lang="en-US" sz="1200" dirty="0">
+                        <a:rPr lang="es-ES" sz="1200">
                           <a:solidFill>
                             <a:srgbClr val="020302"/>
                           </a:solidFill>
@@ -3723,10 +3483,6 @@
                         </a:rPr>
                         <a:t></a:t>
                       </a:r>
-                      <a:endParaRPr lang="en-US" sz="1200" dirty="0">
-                        <a:latin typeface="Wingdings"/>
-                        <a:cs typeface="Wingdings"/>
-                      </a:endParaRPr>
                     </a:p>
                   </a:txBody>
                   <a:tcPr marL="0" marR="0" marT="58419" marB="0">
@@ -3758,7 +3514,7 @@
                     <a:bodyPr/>
                     <a:lstStyle/>
                     <a:p>
-                      <a:pPr marL="50800">
+                      <a:pPr marL="50800" algn="l" rtl="0">
                         <a:lnSpc>
                           <a:spcPct val="100000"/>
                         </a:lnSpc>
@@ -3807,19 +3563,15 @@
                         </a:spcBef>
                       </a:pPr>
                       <a:r>
-                        <a:rPr lang="en-US" sz="1100" b="0" i="0" spc="0" dirty="0">
+                        <a:rPr lang="es-ES" sz="1000" b="0" i="0">
                           <a:solidFill>
                             <a:srgbClr val="020302"/>
                           </a:solidFill>
                           <a:latin typeface="Adobe Clean Light" panose="020B0303020404020204" pitchFamily="34" charset="0"/>
                           <a:cs typeface="AdobeClean-Light"/>
                         </a:rPr>
-                        <a:t>Priority Case Routing</a:t>
+                        <a:t>Enrutamiento de casos según prioridad</a:t>
                       </a:r>
-                      <a:endParaRPr sz="1100" b="0" i="0" spc="0" dirty="0">
-                        <a:latin typeface="Adobe Clean Light" panose="020B0303020404020204" pitchFamily="34" charset="0"/>
-                        <a:cs typeface="AdobeClean-Light"/>
-                      </a:endParaRPr>
                     </a:p>
                   </a:txBody>
                   <a:tcPr marL="0" marR="0" marT="58419" marB="0">
@@ -3842,7 +3594,7 @@
                     <a:bodyPr/>
                     <a:lstStyle/>
                     <a:p>
-                      <a:pPr algn="ctr">
+                      <a:pPr algn="l" rtl="0">
                         <a:lnSpc>
                           <a:spcPct val="100000"/>
                         </a:lnSpc>
@@ -3892,7 +3644,7 @@
                         <a:defRPr/>
                       </a:pPr>
                       <a:r>
-                        <a:rPr lang="en-US" sz="1200" dirty="0">
+                        <a:rPr lang="es-ES" sz="1200">
                           <a:solidFill>
                             <a:srgbClr val="020302"/>
                           </a:solidFill>
@@ -3901,10 +3653,6 @@
                         </a:rPr>
                         <a:t></a:t>
                       </a:r>
-                      <a:endParaRPr lang="en-US" sz="1200" dirty="0">
-                        <a:latin typeface="Wingdings"/>
-                        <a:cs typeface="Wingdings"/>
-                      </a:endParaRPr>
                     </a:p>
                   </a:txBody>
                   <a:tcPr marL="0" marR="0" marT="59054" marB="0">
@@ -3927,7 +3675,7 @@
                     <a:bodyPr/>
                     <a:lstStyle/>
                     <a:p>
-                      <a:pPr marL="50800">
+                      <a:pPr marL="50800" algn="l" rtl="0">
                         <a:lnSpc>
                           <a:spcPct val="100000"/>
                         </a:lnSpc>
@@ -3994,11 +3742,11 @@
                         <a:defRPr/>
                       </a:pPr>
                       <a:r>
-                        <a:rPr lang="en-US" sz="1100" b="0" i="0" spc="0" dirty="0">
+                        <a:rPr lang="es-ES" sz="1000" b="0" i="0">
                           <a:latin typeface="Adobe Clean Light" panose="020B0303020404020204" pitchFamily="34" charset="0"/>
                           <a:cs typeface="AdobeClean-Light"/>
                         </a:rPr>
-                        <a:t>Accelerated Issue Prioritization</a:t>
+                        <a:t>Priorización acelerada de problemas</a:t>
                       </a:r>
                     </a:p>
                   </a:txBody>
@@ -4028,7 +3776,7 @@
                     <a:bodyPr/>
                     <a:lstStyle/>
                     <a:p>
-                      <a:pPr algn="ctr">
+                      <a:pPr algn="l" rtl="0">
                         <a:lnSpc>
                           <a:spcPct val="100000"/>
                         </a:lnSpc>
@@ -4069,7 +3817,7 @@
                         </a:spcBef>
                       </a:pPr>
                       <a:r>
-                        <a:rPr lang="en-US" sz="1200" dirty="0">
+                        <a:rPr lang="es-ES" sz="1200">
                           <a:solidFill>
                             <a:srgbClr val="020302"/>
                           </a:solidFill>
@@ -4078,10 +3826,6 @@
                         </a:rPr>
                         <a:t></a:t>
                       </a:r>
-                      <a:endParaRPr lang="en-US" sz="1200" dirty="0">
-                        <a:latin typeface="Wingdings"/>
-                        <a:cs typeface="Wingdings"/>
-                      </a:endParaRPr>
                     </a:p>
                   </a:txBody>
                   <a:tcPr marL="0" marR="0" marT="58419" marB="0">
@@ -4142,16 +3886,12 @@
                         </a:spcBef>
                       </a:pPr>
                       <a:r>
-                        <a:rPr lang="en-US" sz="1100" b="0" i="0" spc="0" dirty="0">
+                        <a:rPr lang="es-ES" sz="1000" b="0" i="0" dirty="0">
                           <a:latin typeface="Adobe Clean Light" panose="020B0303020404020204" pitchFamily="34" charset="0"/>
                           <a:cs typeface="AdobeClean-Light"/>
                         </a:rPr>
-                        <a:t>Escalation Management</a:t>
+                        <a:t>Administración de la escalabilidad</a:t>
                       </a:r>
-                      <a:endParaRPr sz="1100" b="0" i="0" spc="0" dirty="0">
-                        <a:latin typeface="Adobe Clean Light" panose="020B0303020404020204" pitchFamily="34" charset="0"/>
-                        <a:cs typeface="AdobeClean-Light"/>
-                      </a:endParaRPr>
                     </a:p>
                   </a:txBody>
                   <a:tcPr marL="0" marR="0" marT="57150" marB="0">
@@ -4174,7 +3914,7 @@
                     <a:bodyPr/>
                     <a:lstStyle/>
                     <a:p>
-                      <a:pPr algn="ctr">
+                      <a:pPr algn="l" rtl="0">
                         <a:lnSpc>
                           <a:spcPct val="100000"/>
                         </a:lnSpc>
@@ -4224,7 +3964,7 @@
                         <a:defRPr/>
                       </a:pPr>
                       <a:r>
-                        <a:rPr lang="en-US" sz="1200" dirty="0">
+                        <a:rPr lang="es-ES" sz="1200">
                           <a:solidFill>
                             <a:srgbClr val="020302"/>
                           </a:solidFill>
@@ -4233,10 +3973,6 @@
                         </a:rPr>
                         <a:t></a:t>
                       </a:r>
-                      <a:endParaRPr lang="en-US" sz="1200" dirty="0">
-                        <a:latin typeface="Wingdings"/>
-                        <a:cs typeface="Wingdings"/>
-                      </a:endParaRPr>
                     </a:p>
                   </a:txBody>
                   <a:tcPr marL="0" marR="0" marT="59054" marB="0">
@@ -4297,16 +4033,12 @@
                         </a:spcBef>
                       </a:pPr>
                       <a:r>
-                        <a:rPr lang="en-US" sz="1100" b="0" i="0" spc="0" dirty="0">
+                        <a:rPr lang="es-ES" sz="1000" b="0" i="0" dirty="0">
                           <a:latin typeface="Adobe Clean Light" panose="020B0303020404020204" pitchFamily="34" charset="0"/>
                           <a:cs typeface="AdobeClean-Light"/>
                         </a:rPr>
-                        <a:t>Proactive Case Monitoring</a:t>
+                        <a:t>Monitorización proactiva de casos</a:t>
                       </a:r>
-                      <a:endParaRPr sz="1100" b="0" i="0" spc="0" dirty="0">
-                        <a:latin typeface="Adobe Clean Light" panose="020B0303020404020204" pitchFamily="34" charset="0"/>
-                        <a:cs typeface="AdobeClean-Light"/>
-                      </a:endParaRPr>
                     </a:p>
                   </a:txBody>
                   <a:tcPr marL="0" marR="0" marT="57150" marB="0">
@@ -4329,7 +4061,7 @@
                     <a:bodyPr/>
                     <a:lstStyle/>
                     <a:p>
-                      <a:pPr algn="ctr">
+                      <a:pPr algn="l" rtl="0">
                         <a:lnSpc>
                           <a:spcPct val="100000"/>
                         </a:lnSpc>
@@ -4361,7 +4093,7 @@
                     <a:bodyPr/>
                     <a:lstStyle/>
                     <a:p>
-                      <a:pPr algn="ctr">
+                      <a:pPr algn="l" rtl="0">
                         <a:lnSpc>
                           <a:spcPct val="100000"/>
                         </a:lnSpc>
@@ -4395,7 +4127,7 @@
                     <a:bodyPr/>
                     <a:lstStyle/>
                     <a:p>
-                      <a:pPr marL="48895">
+                      <a:pPr marL="48895" algn="l" rtl="0">
                         <a:lnSpc>
                           <a:spcPct val="100000"/>
                         </a:lnSpc>
@@ -4445,15 +4177,14 @@
                         <a:buNone/>
                       </a:pPr>
                       <a:r>
-                        <a:rPr lang="en-US" sz="1100" b="0" i="0" u="none" strike="noStrike" spc="0" noProof="0" dirty="0">
+                        <a:rPr lang="es-ES" sz="1000" b="0" i="0" u="none" strike="noStrike" noProof="0">
                           <a:solidFill>
                             <a:srgbClr val="020302"/>
                           </a:solidFill>
                           <a:latin typeface="Adobe Clean Light"/>
                         </a:rPr>
-                        <a:t>In-Region Support Option</a:t>
+                        <a:t>Opción de soporte en la misma región</a:t>
                       </a:r>
-                      <a:endParaRPr dirty="0"/>
                     </a:p>
                   </a:txBody>
                   <a:tcPr marL="0" marR="0" marT="58419" marB="0">
@@ -4476,7 +4207,7 @@
                     <a:bodyPr/>
                     <a:lstStyle/>
                     <a:p>
-                      <a:pPr>
+                      <a:pPr algn="l" rtl="0">
                         <a:lnSpc>
                           <a:spcPct val="100000"/>
                         </a:lnSpc>
@@ -4505,7 +4236,7 @@
                     <a:bodyPr/>
                     <a:lstStyle/>
                     <a:p>
-                      <a:pPr marL="0" marR="0" lvl="0" indent="0" algn="ctr" defTabSz="914400" eaLnBrk="1" fontAlgn="auto" latinLnBrk="0" hangingPunct="1">
+                      <a:pPr marL="0" marR="0" lvl="0" indent="0" algn="l" defTabSz="914400" rtl="0" eaLnBrk="1" fontAlgn="auto" latinLnBrk="0" hangingPunct="1">
                         <a:lnSpc>
                           <a:spcPct val="100000"/>
                         </a:lnSpc>
@@ -4548,7 +4279,7 @@
                     <a:bodyPr/>
                     <a:lstStyle/>
                     <a:p>
-                      <a:pPr marL="48895">
+                      <a:pPr marL="48895" algn="l" rtl="0">
                         <a:lnSpc>
                           <a:spcPct val="100000"/>
                         </a:lnSpc>
@@ -4578,19 +4309,15 @@
                         </a:spcBef>
                       </a:pPr>
                       <a:r>
-                        <a:rPr lang="en-US" sz="1100" b="0" i="0" spc="0" dirty="0">
+                        <a:rPr lang="es-ES" sz="1000" b="0" i="0" dirty="0">
                           <a:solidFill>
                             <a:srgbClr val="020302"/>
                           </a:solidFill>
                           <a:latin typeface="Adobe Clean Light" panose="020B0303020404020204" pitchFamily="34" charset="0"/>
                           <a:cs typeface="AdobeClean-Light"/>
                         </a:rPr>
-                        <a:t>Service Reviews</a:t>
+                        <a:t>Revisiones del servicio</a:t>
                       </a:r>
-                      <a:endParaRPr sz="1100" b="0" i="0" spc="0" dirty="0">
-                        <a:latin typeface="Adobe Clean Light" panose="020B0303020404020204" pitchFamily="34" charset="0"/>
-                        <a:cs typeface="AdobeClean-Light"/>
-                      </a:endParaRPr>
                     </a:p>
                   </a:txBody>
                   <a:tcPr marL="0" marR="0" marT="59055" marB="0">
@@ -4619,7 +4346,7 @@
                     <a:bodyPr/>
                     <a:lstStyle/>
                     <a:p>
-                      <a:pPr>
+                      <a:pPr algn="l" rtl="0">
                         <a:lnSpc>
                           <a:spcPct val="100000"/>
                         </a:lnSpc>
@@ -4648,7 +4375,7 @@
                     <a:bodyPr/>
                     <a:lstStyle/>
                     <a:p>
-                      <a:pPr>
+                      <a:pPr algn="l" rtl="0">
                         <a:lnSpc>
                           <a:spcPct val="100000"/>
                         </a:lnSpc>
@@ -4679,7 +4406,7 @@
                     <a:bodyPr/>
                     <a:lstStyle/>
                     <a:p>
-                      <a:pPr marL="49530">
+                      <a:pPr marL="49530" algn="l" rtl="0">
                         <a:lnSpc>
                           <a:spcPct val="100000"/>
                         </a:lnSpc>
@@ -4709,16 +4436,12 @@
                         </a:spcBef>
                       </a:pPr>
                       <a:r>
-                        <a:rPr lang="en-US" sz="1100" b="0" i="0" spc="0" dirty="0">
+                        <a:rPr lang="es-ES" sz="1000" b="0" i="0" dirty="0">
                           <a:latin typeface="Adobe Clean Light" panose="020B0303020404020204" pitchFamily="34" charset="0"/>
                           <a:cs typeface="AdobeClean-Light"/>
                         </a:rPr>
-                        <a:t>Case Reviews</a:t>
+                        <a:t>Reseñas de casos</a:t>
                       </a:r>
-                      <a:endParaRPr sz="1100" b="0" i="0" spc="0" dirty="0">
-                        <a:latin typeface="Adobe Clean Light" panose="020B0303020404020204" pitchFamily="34" charset="0"/>
-                        <a:cs typeface="AdobeClean-Light"/>
-                      </a:endParaRPr>
                     </a:p>
                   </a:txBody>
                   <a:tcPr marL="0" marR="0" marT="63500" marB="0">
@@ -4747,7 +4470,7 @@
                     <a:bodyPr/>
                     <a:lstStyle/>
                     <a:p>
-                      <a:pPr>
+                      <a:pPr algn="l" rtl="0">
                         <a:lnSpc>
                           <a:spcPct val="100000"/>
                         </a:lnSpc>
@@ -4776,7 +4499,7 @@
                     <a:bodyPr/>
                     <a:lstStyle/>
                     <a:p>
-                      <a:pPr>
+                      <a:pPr algn="l" rtl="0">
                         <a:lnSpc>
                           <a:spcPct val="100000"/>
                         </a:lnSpc>
@@ -4863,11 +4586,11 @@
                         <a:defRPr/>
                       </a:pPr>
                       <a:r>
-                        <a:rPr lang="en-US" sz="1100" b="0" i="0" spc="0" dirty="0">
+                        <a:rPr lang="es-ES" sz="1000" b="0" i="0">
                           <a:latin typeface="Adobe Clean Light" panose="020B0303020404020204" pitchFamily="34" charset="0"/>
                           <a:cs typeface="AdobeClean-Light"/>
                         </a:rPr>
-                        <a:t>Solution Review</a:t>
+                        <a:t>Revisión de soluciones</a:t>
                       </a:r>
                     </a:p>
                   </a:txBody>
@@ -4897,7 +4620,7 @@
                     <a:bodyPr/>
                     <a:lstStyle/>
                     <a:p>
-                      <a:pPr>
+                      <a:pPr algn="l" rtl="0">
                         <a:lnSpc>
                           <a:spcPct val="100000"/>
                         </a:lnSpc>
@@ -4926,7 +4649,7 @@
                     <a:bodyPr/>
                     <a:lstStyle/>
                     <a:p>
-                      <a:pPr>
+                      <a:pPr algn="l" rtl="0">
                         <a:lnSpc>
                           <a:spcPct val="100000"/>
                         </a:lnSpc>
@@ -5004,11 +4727,11 @@
                         <a:defRPr/>
                       </a:pPr>
                       <a:r>
-                        <a:rPr lang="en-US" sz="1100" b="0" i="0" spc="0" dirty="0">
+                        <a:rPr lang="es-ES" sz="1000" b="0" i="0" dirty="0">
                           <a:latin typeface="Adobe Clean Light" panose="020B0303020404020204" pitchFamily="34" charset="0"/>
                           <a:cs typeface="AdobeClean-Light"/>
                         </a:rPr>
-                        <a:t>Roadmap Review </a:t>
+                        <a:t>Revisión de planes </a:t>
                       </a:r>
                     </a:p>
                   </a:txBody>
@@ -5032,7 +4755,7 @@
                     <a:bodyPr/>
                     <a:lstStyle/>
                     <a:p>
-                      <a:pPr>
+                      <a:pPr algn="l" rtl="0">
                         <a:lnSpc>
                           <a:spcPct val="100000"/>
                         </a:lnSpc>
@@ -5061,7 +4784,7 @@
                     <a:bodyPr/>
                     <a:lstStyle/>
                     <a:p>
-                      <a:pPr>
+                      <a:pPr algn="l" rtl="0">
                         <a:lnSpc>
                           <a:spcPct val="100000"/>
                         </a:lnSpc>
@@ -5139,19 +4862,15 @@
                         <a:defRPr/>
                       </a:pPr>
                       <a:r>
-                        <a:rPr lang="en-US" sz="1100" b="0" i="0" spc="0" dirty="0">
+                        <a:rPr lang="es-ES" sz="1000" b="0" i="0" dirty="0">
                           <a:solidFill>
                             <a:srgbClr val="020302"/>
                           </a:solidFill>
                           <a:latin typeface="Adobe Clean Light" panose="020B0303020404020204" pitchFamily="34" charset="0"/>
                           <a:cs typeface="AdobeClean-Light"/>
                         </a:rPr>
-                        <a:t>Additional Named Support Contacts </a:t>
+                        <a:t>Personas de contacto de soporte adicionales </a:t>
                       </a:r>
-                      <a:endParaRPr lang="en-US" sz="1100" b="0" i="0" spc="0" dirty="0">
-                        <a:latin typeface="Adobe Clean Light" panose="020B0303020404020204" pitchFamily="34" charset="0"/>
-                        <a:cs typeface="AdobeClean-Light"/>
-                      </a:endParaRPr>
                     </a:p>
                   </a:txBody>
                   <a:tcPr marL="0" marR="0" marT="63500" marB="0">
@@ -5174,7 +4893,7 @@
                     <a:bodyPr/>
                     <a:lstStyle/>
                     <a:p>
-                      <a:pPr>
+                      <a:pPr algn="l" rtl="0">
                         <a:lnSpc>
                           <a:spcPct val="100000"/>
                         </a:lnSpc>
@@ -5203,7 +4922,7 @@
                     <a:bodyPr/>
                     <a:lstStyle/>
                     <a:p>
-                      <a:pPr>
+                      <a:pPr algn="l" rtl="0">
                         <a:lnSpc>
                           <a:spcPct val="100000"/>
                         </a:lnSpc>
@@ -5281,16 +5000,12 @@
                         </a:spcBef>
                       </a:pPr>
                       <a:r>
-                        <a:rPr lang="en-US" sz="1100" b="0" i="0" spc="0" dirty="0">
+                        <a:rPr lang="es-ES" sz="1000" b="0" i="0" dirty="0">
                           <a:latin typeface="Adobe Clean Light" panose="020B0303020404020204" pitchFamily="34" charset="0"/>
                           <a:cs typeface="AdobeClean-Light"/>
                         </a:rPr>
-                        <a:t>Upgrade/Migration Planning</a:t>
+                        <a:t>Planificación de migraciones/actualización</a:t>
                       </a:r>
-                      <a:endParaRPr sz="1100" b="0" i="0" spc="0" dirty="0">
-                        <a:latin typeface="Adobe Clean Light" panose="020B0303020404020204" pitchFamily="34" charset="0"/>
-                        <a:cs typeface="AdobeClean-Light"/>
-                      </a:endParaRPr>
                     </a:p>
                   </a:txBody>
                   <a:tcPr marL="0" marR="0" marT="63500" marB="0">
@@ -5322,7 +5037,7 @@
                     <a:bodyPr/>
                     <a:lstStyle/>
                     <a:p>
-                      <a:pPr>
+                      <a:pPr algn="l" rtl="0">
                         <a:lnSpc>
                           <a:spcPct val="100000"/>
                         </a:lnSpc>
@@ -5360,7 +5075,7 @@
                     <a:bodyPr/>
                     <a:lstStyle/>
                     <a:p>
-                      <a:pPr>
+                      <a:pPr algn="l" rtl="0">
                         <a:lnSpc>
                           <a:spcPct val="100000"/>
                         </a:lnSpc>
@@ -5419,16 +5134,12 @@
                         </a:spcBef>
                       </a:pPr>
                       <a:r>
-                        <a:rPr lang="en-US" sz="1100" b="0" i="0" spc="0" dirty="0">
+                        <a:rPr lang="es-ES" sz="1000" b="0" i="0" dirty="0">
                           <a:latin typeface="Adobe Clean Light" panose="020B0303020404020204" pitchFamily="34" charset="0"/>
                           <a:cs typeface="AdobeClean-Light"/>
                         </a:rPr>
-                        <a:t>Release Preparation and Planning</a:t>
+                        <a:t>Preparación y planificación de lanzamientos</a:t>
                       </a:r>
-                      <a:endParaRPr sz="1100" b="0" i="0" spc="0" dirty="0">
-                        <a:latin typeface="Adobe Clean Light" panose="020B0303020404020204" pitchFamily="34" charset="0"/>
-                        <a:cs typeface="AdobeClean-Light"/>
-                      </a:endParaRPr>
                     </a:p>
                   </a:txBody>
                   <a:tcPr marL="0" marR="0" marT="63500" marB="0">
@@ -5475,7 +5186,7 @@
                     <a:bodyPr/>
                     <a:lstStyle/>
                     <a:p>
-                      <a:pPr>
+                      <a:pPr algn="l" rtl="0">
                         <a:lnSpc>
                           <a:spcPct val="100000"/>
                         </a:lnSpc>
@@ -5522,7 +5233,7 @@
                     <a:bodyPr/>
                     <a:lstStyle/>
                     <a:p>
-                      <a:pPr>
+                      <a:pPr algn="l" rtl="0">
                         <a:lnSpc>
                           <a:spcPct val="100000"/>
                         </a:lnSpc>
@@ -5571,7 +5282,7 @@
                     <a:bodyPr/>
                     <a:lstStyle/>
                     <a:p>
-                      <a:pPr marL="49530">
+                      <a:pPr marL="49530" algn="l" rtl="0">
                         <a:lnSpc>
                           <a:spcPct val="100000"/>
                         </a:lnSpc>
@@ -5638,16 +5349,12 @@
                         </a:spcBef>
                       </a:pPr>
                       <a:r>
-                        <a:rPr lang="en-US" sz="1100" b="0" i="0" spc="0" dirty="0">
+                        <a:rPr lang="es-ES" sz="1100" b="0" i="0">
                           <a:latin typeface="Adobe Clean Light" panose="020B0303020404020204" pitchFamily="34" charset="0"/>
                           <a:cs typeface="AdobeClean-Light"/>
                         </a:rPr>
-                        <a:t>Executive Sponsor</a:t>
+                        <a:t>Sponsor ejecutivo</a:t>
                       </a:r>
-                      <a:endParaRPr sz="1100" b="0" i="0" spc="0" dirty="0">
-                        <a:latin typeface="Adobe Clean Light" panose="020B0303020404020204" pitchFamily="34" charset="0"/>
-                        <a:cs typeface="AdobeClean-Light"/>
-                      </a:endParaRPr>
                     </a:p>
                   </a:txBody>
                   <a:tcPr marL="0" marR="0" marT="67310" marB="0">
@@ -5691,7 +5398,7 @@
                     <a:bodyPr/>
                     <a:lstStyle/>
                     <a:p>
-                      <a:pPr>
+                      <a:pPr algn="l" rtl="0">
                         <a:lnSpc>
                           <a:spcPct val="100000"/>
                         </a:lnSpc>
@@ -5738,7 +5445,7 @@
                     <a:bodyPr/>
                     <a:lstStyle/>
                     <a:p>
-                      <a:pPr>
+                      <a:pPr algn="l" rtl="0">
                         <a:lnSpc>
                           <a:spcPct val="100000"/>
                         </a:lnSpc>
@@ -5814,13 +5521,13 @@
           <a:lstStyle/>
           <a:p>
             <a:r>
-              <a:rPr lang="en-US" sz="700" i="1" dirty="0">
+              <a:rPr lang="es-ES" sz="700" i="1">
                 <a:solidFill>
                   <a:schemeClr val="bg1"/>
                 </a:solidFill>
                 <a:latin typeface="Adobe Clean" panose="020B0503020404020204" pitchFamily="34" charset="0"/>
               </a:rPr>
-              <a:t>Adobe Creative Cloud / Adobe Document Cloud (including Adobe Sign)</a:t>
+              <a:t>Adobe Creative Cloud/Adobe Document Cloud (incluido Adobe Sign)</a:t>
             </a:r>
           </a:p>
         </p:txBody>
@@ -5840,14 +5547,14 @@
           <p:nvPr>
             <p:extLst>
               <p:ext uri="{D42A27DB-BD31-4B8C-83A1-F6EECF244321}">
-                <p14:modId xmlns:p14="http://schemas.microsoft.com/office/powerpoint/2010/main" val="2288175540"/>
+                <p14:modId xmlns:p14="http://schemas.microsoft.com/office/powerpoint/2010/main" val="3004939722"/>
               </p:ext>
             </p:extLst>
           </p:nvPr>
         </p:nvGraphicFramePr>
         <p:xfrm>
           <a:off x="121146" y="7483227"/>
-          <a:ext cx="7498851" cy="2361428"/>
+          <a:ext cx="7498851" cy="2333191"/>
         </p:xfrm>
         <a:graphic>
           <a:graphicData uri="http://schemas.openxmlformats.org/drawingml/2006/table">
@@ -5856,35 +5563,35 @@
                 <a:tableStyleId>{2D5ABB26-0587-4C30-8999-92F81FD0307C}</a:tableStyleId>
               </a:tblPr>
               <a:tblGrid>
-                <a:gridCol w="3749427">
+                <a:gridCol w="3917454">
                   <a:extLst>
                     <a:ext uri="{9D8B030D-6E8A-4147-A177-3AD203B41FA5}">
                       <a16:colId xmlns:a16="http://schemas.microsoft.com/office/drawing/2014/main" val="20000"/>
                     </a:ext>
                   </a:extLst>
                 </a:gridCol>
-                <a:gridCol w="1006227">
+                <a:gridCol w="990600">
                   <a:extLst>
                     <a:ext uri="{9D8B030D-6E8A-4147-A177-3AD203B41FA5}">
                       <a16:colId xmlns:a16="http://schemas.microsoft.com/office/drawing/2014/main" val="20001"/>
                     </a:ext>
                   </a:extLst>
                 </a:gridCol>
-                <a:gridCol w="914399">
+                <a:gridCol w="914400">
                   <a:extLst>
                     <a:ext uri="{9D8B030D-6E8A-4147-A177-3AD203B41FA5}">
                       <a16:colId xmlns:a16="http://schemas.microsoft.com/office/drawing/2014/main" val="20002"/>
                     </a:ext>
                   </a:extLst>
                 </a:gridCol>
-                <a:gridCol w="914399">
+                <a:gridCol w="914400">
                   <a:extLst>
                     <a:ext uri="{9D8B030D-6E8A-4147-A177-3AD203B41FA5}">
                       <a16:colId xmlns:a16="http://schemas.microsoft.com/office/drawing/2014/main" val="20003"/>
                     </a:ext>
                   </a:extLst>
                 </a:gridCol>
-                <a:gridCol w="914399">
+                <a:gridCol w="761997">
                   <a:extLst>
                     <a:ext uri="{9D8B030D-6E8A-4147-A177-3AD203B41FA5}">
                       <a16:colId xmlns:a16="http://schemas.microsoft.com/office/drawing/2014/main" val="20004"/>
@@ -5907,19 +5614,15 @@
                         </a:spcBef>
                       </a:pPr>
                       <a:r>
-                        <a:rPr sz="1000" spc="0">
+                        <a:rPr lang="es-ES" sz="1000" dirty="0">
                           <a:solidFill>
                             <a:srgbClr val="020302"/>
                           </a:solidFill>
                           <a:latin typeface="Adobe Clean"/>
                           <a:cs typeface="Adobe Clean"/>
                         </a:rPr>
-                        <a:t>Priority</a:t>
+                        <a:t>Prioridad</a:t>
                       </a:r>
-                      <a:endParaRPr sz="1000" spc="0">
-                        <a:latin typeface="Adobe Clean"/>
-                        <a:cs typeface="Adobe Clean"/>
-                      </a:endParaRPr>
                     </a:p>
                   </a:txBody>
                   <a:tcPr marL="0" marR="0" marT="7620" marB="0" anchor="ctr">
@@ -5966,49 +5669,15 @@
                         </a:spcBef>
                       </a:pPr>
                       <a:r>
-                        <a:rPr lang="en-US" sz="900" spc="0">
+                        <a:rPr lang="es-ES" sz="900" dirty="0">
                           <a:solidFill>
                             <a:srgbClr val="020302"/>
                           </a:solidFill>
                           <a:latin typeface="Adobe Clean"/>
                           <a:cs typeface="Adobe Clean"/>
                         </a:rPr>
-                        <a:t>Standard</a:t>
+                        <a:t>Soporte Standard</a:t>
                       </a:r>
-                      <a:r>
-                        <a:rPr sz="900" spc="0">
-                          <a:solidFill>
-                            <a:srgbClr val="020302"/>
-                          </a:solidFill>
-                          <a:latin typeface="Adobe Clean"/>
-                          <a:cs typeface="Adobe Clean"/>
-                        </a:rPr>
-                        <a:t> </a:t>
-                      </a:r>
-                      <a:r>
-                        <a:rPr lang="en-US" sz="900" spc="0">
-                          <a:solidFill>
-                            <a:srgbClr val="020302"/>
-                          </a:solidFill>
-                          <a:latin typeface="Adobe Clean"/>
-                          <a:cs typeface="Adobe Clean"/>
-                        </a:rPr>
-                        <a:t> </a:t>
-                      </a:r>
-                      <a:r>
-                        <a:rPr sz="900" spc="0">
-                          <a:solidFill>
-                            <a:srgbClr val="020302"/>
-                          </a:solidFill>
-                          <a:latin typeface="Adobe Clean"/>
-                          <a:cs typeface="Adobe Clean"/>
-                        </a:rPr>
-                        <a:t>Support</a:t>
-                      </a:r>
-                      <a:endParaRPr sz="900" spc="0">
-                        <a:latin typeface="Adobe Clean"/>
-                        <a:cs typeface="Adobe Clean"/>
-                      </a:endParaRPr>
                     </a:p>
                   </a:txBody>
                   <a:tcPr marL="0" marR="0" marT="0" marB="0" anchor="ctr">
@@ -6058,39 +5727,15 @@
                         </a:spcBef>
                       </a:pPr>
                       <a:r>
-                        <a:rPr sz="900" spc="0">
+                        <a:rPr lang="es-ES" sz="900" dirty="0">
                           <a:solidFill>
                             <a:srgbClr val="FFFFFF"/>
                           </a:solidFill>
                           <a:latin typeface="Adobe Clean"/>
                           <a:cs typeface="Adobe Clean"/>
                         </a:rPr>
-                        <a:t>Business</a:t>
+                        <a:t>Soporte Business</a:t>
                       </a:r>
-                      <a:r>
-                        <a:rPr lang="en-US" sz="900" spc="0">
-                          <a:solidFill>
-                            <a:srgbClr val="FFFFFF"/>
-                          </a:solidFill>
-                          <a:latin typeface="Adobe Clean"/>
-                          <a:cs typeface="Adobe Clean"/>
-                        </a:rPr>
-                        <a:t> </a:t>
-                      </a:r>
-                      <a:r>
-                        <a:rPr sz="900" spc="0">
-                          <a:solidFill>
-                            <a:srgbClr val="FFFFFF"/>
-                          </a:solidFill>
-                          <a:latin typeface="Adobe Clean"/>
-                          <a:cs typeface="Adobe Clean"/>
-                        </a:rPr>
-                        <a:t>Support</a:t>
-                      </a:r>
-                      <a:endParaRPr sz="900" spc="0">
-                        <a:latin typeface="Adobe Clean"/>
-                        <a:cs typeface="Adobe Clean"/>
-                      </a:endParaRPr>
                     </a:p>
                   </a:txBody>
                   <a:tcPr marL="0" marR="0" marT="0" marB="0" anchor="ctr">
@@ -6137,39 +5782,15 @@
                         </a:spcBef>
                       </a:pPr>
                       <a:r>
-                        <a:rPr sz="900" spc="0">
+                        <a:rPr lang="es-ES" sz="900" dirty="0">
                           <a:solidFill>
                             <a:srgbClr val="FFFFFF"/>
                           </a:solidFill>
                           <a:latin typeface="Adobe Clean"/>
                           <a:cs typeface="Adobe Clean"/>
                         </a:rPr>
-                        <a:t>Enterprise </a:t>
+                        <a:t>Soporte Enterprise</a:t>
                       </a:r>
-                      <a:r>
-                        <a:rPr lang="en-US" sz="900" spc="0">
-                          <a:solidFill>
-                            <a:srgbClr val="FFFFFF"/>
-                          </a:solidFill>
-                          <a:latin typeface="Adobe Clean"/>
-                          <a:cs typeface="Adobe Clean"/>
-                        </a:rPr>
-                        <a:t> </a:t>
-                      </a:r>
-                      <a:r>
-                        <a:rPr sz="900" spc="0">
-                          <a:solidFill>
-                            <a:srgbClr val="FFFFFF"/>
-                          </a:solidFill>
-                          <a:latin typeface="Adobe Clean"/>
-                          <a:cs typeface="Adobe Clean"/>
-                        </a:rPr>
-                        <a:t>Support</a:t>
-                      </a:r>
-                      <a:endParaRPr sz="900" spc="0">
-                        <a:latin typeface="Adobe Clean"/>
-                        <a:cs typeface="Adobe Clean"/>
-                      </a:endParaRPr>
                     </a:p>
                   </a:txBody>
                   <a:tcPr marL="0" marR="0" marT="0" marB="0" anchor="ctr">
@@ -6216,39 +5837,15 @@
                         </a:spcBef>
                       </a:pPr>
                       <a:r>
-                        <a:rPr sz="900" spc="0">
+                        <a:rPr lang="es-ES" sz="900">
                           <a:solidFill>
                             <a:srgbClr val="FFFFFF"/>
                           </a:solidFill>
                           <a:latin typeface="Adobe Clean"/>
                           <a:cs typeface="Adobe Clean"/>
                         </a:rPr>
-                        <a:t>Elite</a:t>
+                        <a:t>Soporte Elite</a:t>
                       </a:r>
-                      <a:r>
-                        <a:rPr lang="en-US" sz="900" spc="0">
-                          <a:solidFill>
-                            <a:srgbClr val="FFFFFF"/>
-                          </a:solidFill>
-                          <a:latin typeface="Adobe Clean"/>
-                          <a:cs typeface="Adobe Clean"/>
-                        </a:rPr>
-                        <a:t> </a:t>
-                      </a:r>
-                      <a:r>
-                        <a:rPr sz="900" spc="0">
-                          <a:solidFill>
-                            <a:srgbClr val="FFFFFF"/>
-                          </a:solidFill>
-                          <a:latin typeface="Adobe Clean"/>
-                          <a:cs typeface="Adobe Clean"/>
-                        </a:rPr>
-                        <a:t>Support</a:t>
-                      </a:r>
-                      <a:endParaRPr sz="900" spc="0">
-                        <a:latin typeface="Adobe Clean"/>
-                        <a:cs typeface="Adobe Clean"/>
-                      </a:endParaRPr>
                     </a:p>
                   </a:txBody>
                   <a:tcPr marL="0" marR="0" marT="0" marB="0" anchor="ctr">
@@ -6302,19 +5899,15 @@
                         </a:spcBef>
                       </a:pPr>
                       <a:r>
-                        <a:rPr sz="900" b="1" spc="0" dirty="0">
+                        <a:rPr lang="es-ES" sz="850" b="1" dirty="0">
                           <a:solidFill>
                             <a:srgbClr val="020302"/>
                           </a:solidFill>
                           <a:latin typeface="Adobe Clean"/>
                           <a:cs typeface="Adobe Clean"/>
                         </a:rPr>
-                        <a:t>PRIORITY 1</a:t>
+                        <a:t>PRIORIDAD 1</a:t>
                       </a:r>
-                      <a:endParaRPr sz="900" spc="0" dirty="0">
-                        <a:latin typeface="Adobe Clean"/>
-                        <a:cs typeface="Adobe Clean"/>
-                      </a:endParaRPr>
                     </a:p>
                     <a:p>
                       <a:pPr marL="50800" marR="387985">
@@ -6326,19 +5919,14 @@
                         </a:spcBef>
                       </a:pPr>
                       <a:r>
-                        <a:rPr lang="en-US" sz="900" b="0" i="0" spc="0" dirty="0">
+                        <a:rPr lang="es-ES" sz="850" b="0" i="0" dirty="0">
                           <a:solidFill>
                             <a:srgbClr val="000000"/>
                           </a:solidFill>
-                          <a:effectLst/>
                           <a:latin typeface="Adobe Clean Light" panose="020B0303020404020204" pitchFamily="34" charset="0"/>
                         </a:rPr>
-                        <a:t>Customer's production business functions are down or have significant data loss or service degradation and immediate attention is required to restore functionality and usability. </a:t>
+                        <a:t>Las funciones empresariales de producción del cliente no están activadas o pierden datos o presentan una degradación del servicio significativa, por lo que se requiere atención inmediata para restaurar la funcionalidad y facilidad de uso. </a:t>
                       </a:r>
-                      <a:endParaRPr sz="900" spc="0" dirty="0">
-                        <a:latin typeface="AdobeClean-Light"/>
-                        <a:cs typeface="AdobeClean-Light"/>
-                      </a:endParaRPr>
                     </a:p>
                   </a:txBody>
                   <a:tcPr marL="0" marR="0" marT="0" marB="0" anchor="ctr">
@@ -6385,7 +5973,7 @@
                         </a:spcBef>
                       </a:pPr>
                       <a:r>
-                        <a:rPr lang="en-US" sz="900" spc="0">
+                        <a:rPr lang="es-ES" sz="850" dirty="0">
                           <a:solidFill>
                             <a:srgbClr val="020302"/>
                           </a:solidFill>
@@ -6405,19 +5993,15 @@
                         </a:spcBef>
                       </a:pPr>
                       <a:r>
-                        <a:rPr lang="en-US" sz="900" spc="0">
+                        <a:rPr lang="es-ES" sz="850" dirty="0">
                           <a:solidFill>
                             <a:srgbClr val="020302"/>
                           </a:solidFill>
                           <a:latin typeface="AdobeClean-Light"/>
                           <a:cs typeface="AdobeClean-Light"/>
                         </a:rPr>
-                        <a:t> 30 minutes</a:t>
+                        <a:t> 30 minutos</a:t>
                       </a:r>
-                      <a:endParaRPr lang="en-US" sz="900" spc="0">
-                        <a:latin typeface="AdobeClean-Light"/>
-                        <a:cs typeface="AdobeClean-Light"/>
-                      </a:endParaRPr>
                     </a:p>
                   </a:txBody>
                   <a:tcPr marL="0" marR="0" marT="0" marB="0" anchor="ctr">
@@ -6462,10 +6046,10 @@
                         <a:tabLst/>
                       </a:pPr>
                       <a:r>
-                        <a:rPr lang="en-US" sz="1000" i="0" spc="0" dirty="0">
+                        <a:rPr lang="es-ES" sz="950" i="0" dirty="0">
                           <a:latin typeface="AdobeClean-Light"/>
                         </a:rPr>
-                        <a:t>Customers who purchase a Support Plan for applicable Adobe Products and Services receive priority case routing that fast-tracks cases to Adobe’s Support Engineers. </a:t>
+                        <a:t>Los clientes que adquieran un plan de soporte para servicios y productos de Adobe aplicables reciben enrutamiento de casos según prioridad que acelera la derivación de casos a los ingenieros de soporte de Adobe. </a:t>
                       </a:r>
                     </a:p>
                   </a:txBody>
@@ -6513,7 +6097,7 @@
                         </a:spcBef>
                       </a:pPr>
                       <a:r>
-                        <a:rPr sz="900" spc="0">
+                        <a:rPr lang="es-ES" sz="900">
                           <a:solidFill>
                             <a:srgbClr val="020302"/>
                           </a:solidFill>
@@ -6523,10 +6107,52 @@
                           <a:latin typeface="AdobeClean-Light"/>
                           <a:cs typeface="AdobeClean-Light"/>
                         </a:rPr>
-                        <a:t>24x7 /  </a:t>
+                        <a:t>24x7 /           30 minutos</a:t>
                       </a:r>
+                    </a:p>
+                  </a:txBody>
+                  <a:tcPr marL="0" marR="0" marT="0" marB="0" anchor="ctr">
+                    <a:lnL w="3175">
+                      <a:solidFill>
+                        <a:srgbClr val="B7B8B8"/>
+                      </a:solidFill>
+                      <a:prstDash val="solid"/>
+                    </a:lnL>
+                    <a:lnR w="3175">
+                      <a:solidFill>
+                        <a:srgbClr val="B7B8B8"/>
+                      </a:solidFill>
+                      <a:prstDash val="solid"/>
+                    </a:lnR>
+                    <a:lnT w="76200">
+                      <a:solidFill>
+                        <a:srgbClr val="2E8FFF"/>
+                      </a:solidFill>
+                      <a:prstDash val="solid"/>
+                    </a:lnT>
+                    <a:lnB w="3175">
+                      <a:solidFill>
+                        <a:srgbClr val="B7B8B8"/>
+                      </a:solidFill>
+                      <a:prstDash val="solid"/>
+                    </a:lnB>
+                  </a:tcPr>
+                </a:tc>
+                <a:tc rowSpan="4" hMerge="1">
+                  <a:txBody>
+                    <a:bodyPr/>
+                    <a:lstStyle/>
+                    <a:p>
+                      <a:pPr marL="0" marR="271780" indent="103505" algn="ctr">
+                        <a:lnSpc>
+                          <a:spcPct val="100000"/>
+                        </a:lnSpc>
+                        <a:spcBef>
+                          <a:spcPts val="670"/>
+                        </a:spcBef>
+                      </a:pPr>
                       <a:r>
-                        <a:rPr lang="en-US" sz="900" spc="0">
+                        <a:rPr lang="es-ES" sz="900">
                           <a:solidFill>
                             <a:srgbClr val="020302"/>
                           </a:solidFill>
@@ -6536,168 +6162,8 @@
                           <a:latin typeface="AdobeClean-Light"/>
                           <a:cs typeface="AdobeClean-Light"/>
                         </a:rPr>
-                        <a:t>         </a:t>
+                        <a:t>24x7 /         15 minutos</a:t>
                       </a:r>
-                      <a:r>
-                        <a:rPr sz="900" spc="0">
-                          <a:solidFill>
-                            <a:srgbClr val="020302"/>
-                          </a:solidFill>
-                          <a:highlight>
-                            <a:srgbClr val="FFFF00"/>
-                          </a:highlight>
-                          <a:latin typeface="AdobeClean-Light"/>
-                          <a:cs typeface="AdobeClean-Light"/>
-                        </a:rPr>
-                        <a:t>30</a:t>
-                      </a:r>
-                      <a:r>
-                        <a:rPr lang="en-US" sz="900" spc="0">
-                          <a:solidFill>
-                            <a:srgbClr val="020302"/>
-                          </a:solidFill>
-                          <a:highlight>
-                            <a:srgbClr val="FFFF00"/>
-                          </a:highlight>
-                          <a:latin typeface="AdobeClean-Light"/>
-                          <a:cs typeface="AdobeClean-Light"/>
-                        </a:rPr>
-                        <a:t> </a:t>
-                      </a:r>
-                      <a:r>
-                        <a:rPr sz="900" spc="0">
-                          <a:solidFill>
-                            <a:srgbClr val="020302"/>
-                          </a:solidFill>
-                          <a:highlight>
-                            <a:srgbClr val="FFFF00"/>
-                          </a:highlight>
-                          <a:latin typeface="AdobeClean-Light"/>
-                          <a:cs typeface="AdobeClean-Light"/>
-                        </a:rPr>
-                        <a:t>minutes</a:t>
-                      </a:r>
-                      <a:endParaRPr sz="900" spc="0">
-                        <a:highlight>
-                          <a:srgbClr val="FFFF00"/>
-                        </a:highlight>
-                        <a:latin typeface="AdobeClean-Light"/>
-                        <a:cs typeface="AdobeClean-Light"/>
-                      </a:endParaRPr>
-                    </a:p>
-                  </a:txBody>
-                  <a:tcPr marL="0" marR="0" marT="0" marB="0" anchor="ctr">
-                    <a:lnL w="3175">
-                      <a:solidFill>
-                        <a:srgbClr val="B7B8B8"/>
-                      </a:solidFill>
-                      <a:prstDash val="solid"/>
-                    </a:lnL>
-                    <a:lnR w="3175">
-                      <a:solidFill>
-                        <a:srgbClr val="B7B8B8"/>
-                      </a:solidFill>
-                      <a:prstDash val="solid"/>
-                    </a:lnR>
-                    <a:lnT w="76200">
-                      <a:solidFill>
-                        <a:srgbClr val="2E8FFF"/>
-                      </a:solidFill>
-                      <a:prstDash val="solid"/>
-                    </a:lnT>
-                    <a:lnB w="3175">
-                      <a:solidFill>
-                        <a:srgbClr val="B7B8B8"/>
-                      </a:solidFill>
-                      <a:prstDash val="solid"/>
-                    </a:lnB>
-                  </a:tcPr>
-                </a:tc>
-                <a:tc rowSpan="4" hMerge="1">
-                  <a:txBody>
-                    <a:bodyPr/>
-                    <a:lstStyle/>
-                    <a:p>
-                      <a:pPr marL="0" marR="271780" indent="103505" algn="ctr">
-                        <a:lnSpc>
-                          <a:spcPct val="100000"/>
-                        </a:lnSpc>
-                        <a:spcBef>
-                          <a:spcPts val="670"/>
-                        </a:spcBef>
-                      </a:pPr>
-                      <a:r>
-                        <a:rPr sz="900" spc="0">
-                          <a:solidFill>
-                            <a:srgbClr val="020302"/>
-                          </a:solidFill>
-                          <a:highlight>
-                            <a:srgbClr val="FFFF00"/>
-                          </a:highlight>
-                          <a:latin typeface="AdobeClean-Light"/>
-                          <a:cs typeface="AdobeClean-Light"/>
-                        </a:rPr>
-                        <a:t>24x7 / </a:t>
-                      </a:r>
-                      <a:r>
-                        <a:rPr lang="en-US" sz="900" spc="0">
-                          <a:solidFill>
-                            <a:srgbClr val="020302"/>
-                          </a:solidFill>
-                          <a:highlight>
-                            <a:srgbClr val="FFFF00"/>
-                          </a:highlight>
-                          <a:latin typeface="AdobeClean-Light"/>
-                          <a:cs typeface="AdobeClean-Light"/>
-                        </a:rPr>
-                        <a:t>       </a:t>
-                      </a:r>
-                      <a:r>
-                        <a:rPr sz="900" spc="0">
-                          <a:solidFill>
-                            <a:srgbClr val="020302"/>
-                          </a:solidFill>
-                          <a:highlight>
-                            <a:srgbClr val="FFFF00"/>
-                          </a:highlight>
-                          <a:latin typeface="AdobeClean-Light"/>
-                          <a:cs typeface="AdobeClean-Light"/>
-                        </a:rPr>
-                        <a:t> 15</a:t>
-                      </a:r>
-                      <a:r>
-                        <a:rPr lang="en-US" sz="900" spc="0">
-                          <a:solidFill>
-                            <a:srgbClr val="020302"/>
-                          </a:solidFill>
-                          <a:highlight>
-                            <a:srgbClr val="FFFF00"/>
-                          </a:highlight>
-                          <a:latin typeface="AdobeClean-Light"/>
-                          <a:cs typeface="AdobeClean-Light"/>
-                        </a:rPr>
-                        <a:t> </a:t>
-                      </a:r>
-                      <a:r>
-                        <a:rPr sz="900" spc="0">
-                          <a:solidFill>
-                            <a:srgbClr val="020302"/>
-                          </a:solidFill>
-                          <a:highlight>
-                            <a:srgbClr val="FFFF00"/>
-                          </a:highlight>
-                          <a:latin typeface="AdobeClean-Light"/>
-                          <a:cs typeface="AdobeClean-Light"/>
-                        </a:rPr>
-                        <a:t>minutes</a:t>
-                      </a:r>
-                      <a:endParaRPr sz="900" spc="0">
-                        <a:highlight>
-                          <a:srgbClr val="FFFF00"/>
-                        </a:highlight>
-                        <a:latin typeface="AdobeClean-Light"/>
-                        <a:cs typeface="AdobeClean-Light"/>
-                      </a:endParaRPr>
                     </a:p>
                   </a:txBody>
                   <a:tcPr marL="0" marR="0" marT="0" marB="0" anchor="ctr">
@@ -6748,19 +6214,15 @@
                         </a:spcBef>
                       </a:pPr>
                       <a:r>
-                        <a:rPr sz="900" b="1" spc="0">
+                        <a:rPr lang="es-ES" sz="850" b="1" dirty="0">
                           <a:solidFill>
                             <a:srgbClr val="020302"/>
                           </a:solidFill>
                           <a:latin typeface="Adobe Clean"/>
                           <a:cs typeface="Adobe Clean"/>
                         </a:rPr>
-                        <a:t>PRIORITY 2</a:t>
+                        <a:t>PRIORIDAD 2</a:t>
                       </a:r>
-                      <a:endParaRPr sz="900" spc="0">
-                        <a:latin typeface="Adobe Clean"/>
-                        <a:cs typeface="Adobe Clean"/>
-                      </a:endParaRPr>
                     </a:p>
                     <a:p>
                       <a:pPr marL="50165" marR="203200" indent="0" defTabSz="914400" eaLnBrk="1" fontAlgn="auto" latinLnBrk="0" hangingPunct="1">
@@ -6781,19 +6243,14 @@
                         <a:defRPr/>
                       </a:pPr>
                       <a:r>
-                        <a:rPr lang="en-US" sz="900" b="0" i="0" spc="0">
+                        <a:rPr lang="es-ES" sz="850" b="0" i="0" dirty="0">
                           <a:solidFill>
                             <a:srgbClr val="000000"/>
                           </a:solidFill>
-                          <a:effectLst/>
                           <a:latin typeface="Adobe Clean Light" panose="020B0303020404020204" pitchFamily="34" charset="0"/>
                         </a:rPr>
-                        <a:t>Customer's business functions have major service degradation or potential data loss, or a major feature is impacted. </a:t>
+                        <a:t>Las funciones empresariales del cliente presentan degradaciones importantes del servicio o hay una posible pérdida de datos, o una función clave se está viendo afectada. </a:t>
                       </a:r>
-                      <a:endParaRPr sz="900" b="0" i="0" spc="0">
-                        <a:latin typeface="Adobe Clean Light" panose="020B0303020404020204" pitchFamily="34" charset="0"/>
-                        <a:cs typeface="AdobeClean-Light"/>
-                      </a:endParaRPr>
                     </a:p>
                   </a:txBody>
                   <a:tcPr marL="0" marR="0" marT="0" marB="0" anchor="ctr">
@@ -6840,7 +6297,7 @@
                         </a:spcBef>
                       </a:pPr>
                       <a:r>
-                        <a:rPr lang="en-US" sz="900" spc="0">
+                        <a:rPr lang="es-ES" sz="850" dirty="0">
                           <a:solidFill>
                             <a:srgbClr val="020302"/>
                           </a:solidFill>
@@ -6860,19 +6317,15 @@
                         </a:spcBef>
                       </a:pPr>
                       <a:r>
-                        <a:rPr lang="en-US" sz="900" spc="0">
+                        <a:rPr lang="es-ES" sz="850" dirty="0">
                           <a:solidFill>
                             <a:srgbClr val="020302"/>
                           </a:solidFill>
                           <a:latin typeface="AdobeClean-Light"/>
                           <a:cs typeface="AdobeClean-Light"/>
                         </a:rPr>
-                        <a:t>     1 hour</a:t>
+                        <a:t>     1 hora</a:t>
                       </a:r>
-                      <a:endParaRPr lang="en-US" sz="900" spc="0">
-                        <a:latin typeface="AdobeClean-Light"/>
-                        <a:cs typeface="AdobeClean-Light"/>
-                      </a:endParaRPr>
                     </a:p>
                   </a:txBody>
                   <a:tcPr marL="0" marR="0" marT="0" marB="0" anchor="ctr">
@@ -6907,7 +6360,7 @@
                     <a:bodyPr/>
                     <a:lstStyle/>
                     <a:p>
-                      <a:pPr marL="0" marR="184785" indent="-194310" algn="ctr">
+                      <a:pPr marL="0" marR="184785" indent="-194310" algn="l" rtl="0">
                         <a:lnSpc>
                           <a:spcPct val="100000"/>
                         </a:lnSpc>
@@ -6959,7 +6412,7 @@
                     <a:bodyPr/>
                     <a:lstStyle/>
                     <a:p>
-                      <a:pPr marL="0" marR="325755" indent="-5715" algn="ctr">
+                      <a:pPr marL="0" marR="325755" indent="-5715" algn="l" rtl="0">
                         <a:lnSpc>
                           <a:spcPct val="100000"/>
                         </a:lnSpc>
@@ -7008,7 +6461,7 @@
                     <a:bodyPr/>
                     <a:lstStyle/>
                     <a:p>
-                      <a:pPr marL="0" marR="259079" indent="111760" algn="ctr">
+                      <a:pPr marL="0" marR="259079" indent="111760" algn="l" rtl="0">
                         <a:lnSpc>
                           <a:spcPct val="100000"/>
                         </a:lnSpc>
@@ -7073,29 +6526,15 @@
                         </a:spcBef>
                       </a:pPr>
                       <a:r>
-                        <a:rPr sz="900" b="1" spc="0">
+                        <a:rPr lang="es-ES" sz="850" b="1" dirty="0">
                           <a:solidFill>
                             <a:srgbClr val="020302"/>
                           </a:solidFill>
                           <a:latin typeface="Adobe Clean"/>
                           <a:cs typeface="Adobe Clean"/>
                         </a:rPr>
-                        <a:t>PRIORITY</a:t>
+                        <a:t>PRIORIDAD 3</a:t>
                       </a:r>
-                      <a:r>
-                        <a:rPr lang="en-US" sz="900" b="1" spc="0">
-                          <a:solidFill>
-                            <a:srgbClr val="020302"/>
-                          </a:solidFill>
-                          <a:latin typeface="Adobe Clean"/>
-                          <a:cs typeface="Adobe Clean"/>
-                        </a:rPr>
-                        <a:t> 3</a:t>
-                      </a:r>
-                      <a:endParaRPr lang="en-US" sz="900" spc="0">
-                        <a:latin typeface="Adobe Clean"/>
-                        <a:cs typeface="Adobe Clean"/>
-                      </a:endParaRPr>
                     </a:p>
                     <a:p>
                       <a:pPr marL="49530" marR="212090" indent="-2540" defTabSz="914400" eaLnBrk="1" fontAlgn="auto" latinLnBrk="0" hangingPunct="1">
@@ -7116,26 +6555,21 @@
                         <a:defRPr/>
                       </a:pPr>
                       <a:r>
-                        <a:rPr kumimoji="0" lang="en-US" sz="900" b="0" i="0" u="none" strike="noStrike" kern="1200" cap="none" spc="0" normalizeH="0" baseline="0" noProof="0">
+                        <a:rPr kumimoji="0" lang="es-ES" sz="850" b="0" i="0" u="none" strike="noStrike" cap="none" normalizeH="0" baseline="0" noProof="0" dirty="0">
                           <a:ln>
                             <a:noFill/>
                           </a:ln>
                           <a:solidFill>
                             <a:srgbClr val="000000"/>
                           </a:solidFill>
-                          <a:effectLst/>
                           <a:uLnTx/>
                           <a:uFillTx/>
                           <a:latin typeface="Adobe Clean Light" panose="020B0303020404020204" pitchFamily="34" charset="0"/>
                           <a:ea typeface="+mn-ea"/>
                           <a:cs typeface="+mn-cs"/>
                         </a:rPr>
-                        <a:t>Customer's business functions have minor service degradation but there exists a solution/workaround allowing business functions to continue normally. </a:t>
+                        <a:t>Las funciones empresariales del cliente presentan una menor degradación del servicio, pero existe una solución que permite que las funciones empresariales sigan funcionando con normalidad. </a:t>
                       </a:r>
-                      <a:endParaRPr lang="en-US" sz="900" b="0" i="0" spc="0">
-                        <a:latin typeface="Adobe Clean Light" panose="020B0303020404020204" pitchFamily="34" charset="0"/>
-                        <a:cs typeface="AdobeClean-Light"/>
-                      </a:endParaRPr>
                     </a:p>
                   </a:txBody>
                   <a:tcPr marL="0" marR="0" marT="0" marB="0" anchor="ctr">
@@ -7185,14 +6619,14 @@
                         </a:tabLst>
                       </a:pPr>
                       <a:r>
-                        <a:rPr lang="en-US" sz="900" spc="0">
+                        <a:rPr lang="es-ES" sz="850" dirty="0">
                           <a:solidFill>
                             <a:srgbClr val="020302"/>
                           </a:solidFill>
                           <a:latin typeface="AdobeClean-Light"/>
                           <a:cs typeface="AdobeClean-Light"/>
                         </a:rPr>
-                        <a:t>Business day /   </a:t>
+                        <a:t>Día laborable /   </a:t>
                       </a:r>
                     </a:p>
                     <a:p>
@@ -7205,19 +6639,15 @@
                         </a:spcBef>
                       </a:pPr>
                       <a:r>
-                        <a:rPr lang="en-US" sz="900" spc="0">
+                        <a:rPr lang="es-ES" sz="850" dirty="0">
                           <a:solidFill>
                             <a:srgbClr val="020302"/>
                           </a:solidFill>
                           <a:latin typeface="AdobeClean-Light"/>
                           <a:cs typeface="AdobeClean-Light"/>
                         </a:rPr>
-                        <a:t>4 hours</a:t>
+                        <a:t>4 horas</a:t>
                       </a:r>
-                      <a:endParaRPr lang="en-US" sz="900" spc="0">
-                        <a:latin typeface="AdobeClean-Light"/>
-                        <a:cs typeface="AdobeClean-Light"/>
-                      </a:endParaRPr>
                     </a:p>
                   </a:txBody>
                   <a:tcPr marL="0" marR="0" marT="0" marB="0" anchor="ctr">
@@ -7252,7 +6682,7 @@
                     <a:bodyPr/>
                     <a:lstStyle/>
                     <a:p>
-                      <a:pPr marL="0" marR="185420" indent="-193675" algn="ctr">
+                      <a:pPr marL="0" marR="185420" indent="-193675" algn="l" rtl="0">
                         <a:lnSpc>
                           <a:spcPct val="100000"/>
                         </a:lnSpc>
@@ -7304,7 +6734,7 @@
                     <a:bodyPr/>
                     <a:lstStyle/>
                     <a:p>
-                      <a:pPr marL="0" marR="184785" indent="-194310" algn="ctr">
+                      <a:pPr marL="0" marR="184785" indent="-194310" algn="l" rtl="0">
                         <a:lnSpc>
                           <a:spcPct val="100000"/>
                         </a:lnSpc>
@@ -7353,7 +6783,7 @@
                     <a:bodyPr/>
                     <a:lstStyle/>
                     <a:p>
-                      <a:pPr marL="0" marR="326390" indent="-5715" algn="ctr">
+                      <a:pPr marL="0" marR="326390" indent="-5715" algn="l" rtl="0">
                         <a:lnSpc>
                           <a:spcPct val="100000"/>
                         </a:lnSpc>
@@ -7418,19 +6848,15 @@
                         </a:spcBef>
                       </a:pPr>
                       <a:r>
-                        <a:rPr sz="900" b="1" spc="0">
+                        <a:rPr lang="es-ES" sz="850" b="1" dirty="0">
                           <a:solidFill>
                             <a:srgbClr val="020302"/>
                           </a:solidFill>
                           <a:latin typeface="Adobe Clean"/>
                           <a:cs typeface="Adobe Clean"/>
                         </a:rPr>
-                        <a:t>PRIORITY 4</a:t>
+                        <a:t>PRIORIDAD 4</a:t>
                       </a:r>
-                      <a:endParaRPr sz="900" spc="0">
-                        <a:latin typeface="Adobe Clean"/>
-                        <a:cs typeface="Adobe Clean"/>
-                      </a:endParaRPr>
                     </a:p>
                     <a:p>
                       <a:pPr marL="48895" marR="0" indent="0" defTabSz="914400" eaLnBrk="1" fontAlgn="auto" latinLnBrk="0" hangingPunct="1">
@@ -7451,19 +6877,14 @@
                         <a:defRPr/>
                       </a:pPr>
                       <a:r>
-                        <a:rPr lang="en-US" sz="900" b="0" i="0" spc="0">
+                        <a:rPr lang="es-ES" sz="850" b="0" i="0" dirty="0">
                           <a:solidFill>
                             <a:srgbClr val="000000"/>
                           </a:solidFill>
-                          <a:effectLst/>
                           <a:latin typeface="Adobe Clean Light" panose="020B0303020404020204" pitchFamily="34" charset="0"/>
                         </a:rPr>
-                        <a:t>General question regarding current product functionality or an enhancement request.</a:t>
+                        <a:t>Pregunta general sobre la funcionalidad actual del producto o una solicitud de mejora.</a:t>
                       </a:r>
-                      <a:endParaRPr sz="900" b="0" i="0" spc="0">
-                        <a:latin typeface="Adobe Clean Light" panose="020B0303020404020204" pitchFamily="34" charset="0"/>
-                        <a:cs typeface="AdobeClean-Light"/>
-                      </a:endParaRPr>
                     </a:p>
                   </a:txBody>
                   <a:tcPr marL="0" marR="0" marT="0" marB="0" anchor="ctr">
@@ -7513,14 +6934,14 @@
                         </a:tabLst>
                       </a:pPr>
                       <a:r>
-                        <a:rPr lang="en-US" sz="900" spc="0" dirty="0">
+                        <a:rPr lang="es-ES" sz="850" dirty="0">
                           <a:solidFill>
                             <a:srgbClr val="020302"/>
                           </a:solidFill>
                           <a:latin typeface="AdobeClean-Light"/>
                           <a:cs typeface="AdobeClean-Light"/>
                         </a:rPr>
-                        <a:t>  Business day /   </a:t>
+                        <a:t>  Día laborable /   </a:t>
                       </a:r>
                     </a:p>
                     <a:p>
@@ -7533,19 +6954,15 @@
                         </a:spcBef>
                       </a:pPr>
                       <a:r>
-                        <a:rPr lang="en-US" sz="900" spc="0" dirty="0">
+                        <a:rPr lang="es-ES" sz="850" dirty="0">
                           <a:solidFill>
                             <a:srgbClr val="020302"/>
                           </a:solidFill>
                           <a:latin typeface="AdobeClean-Light"/>
                           <a:cs typeface="AdobeClean-Light"/>
                         </a:rPr>
-                        <a:t>1 day </a:t>
+                        <a:t>1 día </a:t>
                       </a:r>
-                      <a:endParaRPr lang="en-US" sz="900" spc="0" dirty="0">
-                        <a:latin typeface="AdobeClean-Light"/>
-                        <a:cs typeface="AdobeClean-Light"/>
-                      </a:endParaRPr>
                     </a:p>
                   </a:txBody>
                   <a:tcPr marL="0" marR="0" marT="0" marB="0" anchor="ctr">
@@ -7580,7 +6997,7 @@
                     <a:bodyPr/>
                     <a:lstStyle/>
                     <a:p>
-                      <a:pPr marL="0" marR="223520" indent="-202565" algn="ctr">
+                      <a:pPr marL="0" marR="223520" indent="-202565" algn="l" rtl="0">
                         <a:lnSpc>
                           <a:spcPct val="100000"/>
                         </a:lnSpc>
@@ -7632,7 +7049,7 @@
                     <a:bodyPr/>
                     <a:lstStyle/>
                     <a:p>
-                      <a:pPr marL="0" marR="223520" indent="-202565" algn="ctr">
+                      <a:pPr marL="0" marR="223520" indent="-202565" algn="l" rtl="0">
                         <a:lnSpc>
                           <a:spcPct val="100000"/>
                         </a:lnSpc>
@@ -7681,7 +7098,7 @@
                     <a:bodyPr/>
                     <a:lstStyle/>
                     <a:p>
-                      <a:pPr marL="0" marR="223520" indent="-202565" algn="ctr">
+                      <a:pPr marL="0" marR="223520" indent="-202565" algn="l" rtl="0">
                         <a:lnSpc>
                           <a:spcPct val="100000"/>
                         </a:lnSpc>
@@ -7752,7 +7169,7 @@
         <p:spPr>
           <a:xfrm>
             <a:off x="97788" y="9888626"/>
-            <a:ext cx="2245360" cy="133370"/>
+            <a:ext cx="3026412" cy="133370"/>
           </a:xfrm>
           <a:prstGeom prst="rect">
             <a:avLst/>
@@ -7864,36 +7281,40 @@
               </a:spcBef>
             </a:pPr>
             <a:r>
-              <a:rPr lang="en-US" spc="-10" dirty="0"/>
-              <a:t>©202</a:t>
+              <a:rPr lang="es-ES" dirty="0"/>
+              <a:t>©2022 Adobe. </a:t>
             </a:r>
             <a:r>
-              <a:rPr lang="en-US" spc="-5" dirty="0"/>
-              <a:t>2 Adobe. All</a:t>
+              <a:rPr lang="es-ES" dirty="0" err="1"/>
+              <a:t>All</a:t>
             </a:r>
             <a:r>
-              <a:rPr lang="en-US" spc="-10" dirty="0"/>
-              <a:t> Rights</a:t>
-            </a:r>
-            <a:r>
-              <a:rPr lang="en-US" spc="-5" dirty="0"/>
+              <a:rPr lang="es-ES" dirty="0"/>
               <a:t> </a:t>
             </a:r>
             <a:r>
-              <a:rPr lang="en-US" spc="-10" dirty="0"/>
-              <a:t>Reserved.</a:t>
+              <a:rPr lang="es-ES" dirty="0" err="1"/>
+              <a:t>Rights</a:t>
             </a:r>
             <a:r>
-              <a:rPr lang="en-US" spc="-5" dirty="0"/>
-              <a:t> Adobe</a:t>
-            </a:r>
-            <a:r>
-              <a:rPr lang="en-US" spc="60" dirty="0"/>
+              <a:rPr lang="es-ES" dirty="0"/>
               <a:t> </a:t>
             </a:r>
             <a:r>
-              <a:rPr lang="en-US" spc="-10" dirty="0"/>
-              <a:t>Confidential.</a:t>
+              <a:rPr lang="es-ES" dirty="0" err="1"/>
+              <a:t>Reserved</a:t>
+            </a:r>
+            <a:r>
+              <a:rPr lang="es-ES" dirty="0"/>
+              <a:t>. Adobe </a:t>
+            </a:r>
+            <a:r>
+              <a:rPr lang="es-ES" dirty="0" err="1"/>
+              <a:t>Confidential</a:t>
+            </a:r>
+            <a:r>
+              <a:rPr lang="es-ES" dirty="0"/>
+              <a:t>.</a:t>
             </a:r>
           </a:p>
         </p:txBody>
@@ -8069,7 +7490,7 @@
         </p:nvSpPr>
         <p:spPr>
           <a:xfrm>
-            <a:off x="371909" y="1607065"/>
+            <a:off x="371909" y="1689509"/>
             <a:ext cx="2148840" cy="738536"/>
           </a:xfrm>
           <a:prstGeom prst="rect">
@@ -8091,15 +7512,11 @@
               </a:spcBef>
             </a:pPr>
             <a:r>
-              <a:rPr lang="en-US" sz="1000" dirty="0">
+              <a:rPr lang="es-ES" sz="1000" dirty="0">
                 <a:latin typeface="Adobe Clean Light" panose="020B0303020404020204" pitchFamily="34" charset="0"/>
               </a:rPr>
-              <a:t>An assigned Account Support Lead to monitor case progress and function as your escalation point and internal advocate within Adobe Support.</a:t>
+              <a:t>Un responsable de la asistencia técnica de la cuenta asignado para monitorizar la función y el progreso de los casos como defensor interno y punto de escalabilidad en Soporte de Adobe.</a:t>
             </a:r>
-            <a:endParaRPr lang="en-US" sz="1000" dirty="0">
-              <a:latin typeface="Adobe Clean Light" panose="020B0303020404020204" pitchFamily="34" charset="0"/>
-              <a:cs typeface="AdobeClean-Light"/>
-            </a:endParaRPr>
           </a:p>
         </p:txBody>
       </p:sp>
@@ -8148,8 +7565,8 @@
         </p:nvSpPr>
         <p:spPr>
           <a:xfrm>
-            <a:off x="792529" y="1318056"/>
-            <a:ext cx="1726164" cy="184666"/>
+            <a:off x="792528" y="1318056"/>
+            <a:ext cx="1936149" cy="369332"/>
           </a:xfrm>
           <a:prstGeom prst="rect">
             <a:avLst/>
@@ -8170,13 +7587,13 @@
               </a:spcAft>
             </a:pPr>
             <a:r>
-              <a:rPr lang="en-US" sz="1200" b="1" spc="-10" dirty="0">
+              <a:rPr lang="es-ES" sz="1200" b="1" dirty="0">
                 <a:solidFill>
                   <a:srgbClr val="020302"/>
                 </a:solidFill>
                 <a:latin typeface="Adobe Clean" panose="020B0503020404020204" pitchFamily="34" charset="0"/>
               </a:rPr>
-              <a:t>Account Support Lead</a:t>
+              <a:t>Responsable de la asistencia técnica de la cuenta</a:t>
             </a:r>
           </a:p>
         </p:txBody>
@@ -8196,7 +7613,7 @@
         <p:spPr>
           <a:xfrm>
             <a:off x="430064" y="5732304"/>
-            <a:ext cx="1983611" cy="45719"/>
+            <a:ext cx="2420447" cy="80141"/>
           </a:xfrm>
           <a:custGeom>
             <a:avLst/>
@@ -8265,19 +7682,15 @@
               </a:spcBef>
             </a:pPr>
             <a:r>
-              <a:rPr lang="en-US" sz="1400" b="1" spc="-10" dirty="0">
+              <a:rPr lang="es-ES" sz="1400" b="1">
                 <a:solidFill>
                   <a:srgbClr val="020302"/>
                 </a:solidFill>
                 <a:latin typeface="Adobe Clean"/>
                 <a:cs typeface="Adobe Clean"/>
               </a:rPr>
-              <a:t>Standard Support Features</a:t>
+              <a:t>Funciones de soporte Standard</a:t>
             </a:r>
-            <a:endParaRPr lang="en-US" sz="1400" dirty="0">
-              <a:latin typeface="Adobe Clean"/>
-              <a:cs typeface="Adobe Clean"/>
-            </a:endParaRPr>
           </a:p>
         </p:txBody>
       </p:sp>
@@ -8295,8 +7708,8 @@
         </p:nvSpPr>
         <p:spPr>
           <a:xfrm>
-            <a:off x="401995" y="736965"/>
-            <a:ext cx="2011680" cy="0"/>
+            <a:off x="401995" y="736964"/>
+            <a:ext cx="2388546" cy="45719"/>
           </a:xfrm>
           <a:custGeom>
             <a:avLst/>
@@ -8344,7 +7757,7 @@
         <p:spPr>
           <a:xfrm>
             <a:off x="318713" y="429188"/>
-            <a:ext cx="2251572" cy="307777"/>
+            <a:ext cx="2837588" cy="307777"/>
           </a:xfrm>
           <a:prstGeom prst="rect">
             <a:avLst/>
@@ -8365,19 +7778,15 @@
               </a:spcBef>
             </a:pPr>
             <a:r>
-              <a:rPr lang="en-US" sz="1400" b="1" spc="-10" dirty="0">
+              <a:rPr lang="es-ES" sz="1400" b="1" dirty="0">
                 <a:solidFill>
                   <a:srgbClr val="020302"/>
                 </a:solidFill>
                 <a:latin typeface="Adobe Clean"/>
                 <a:cs typeface="Adobe Clean"/>
               </a:rPr>
-              <a:t>Business Support Features</a:t>
+              <a:t>Funciones de soporte Business</a:t>
             </a:r>
-            <a:endParaRPr lang="en-US" sz="1400" dirty="0">
-              <a:latin typeface="Adobe Clean"/>
-              <a:cs typeface="Adobe Clean"/>
-            </a:endParaRPr>
           </a:p>
         </p:txBody>
       </p:sp>
@@ -8395,7 +7804,7 @@
         </p:nvSpPr>
         <p:spPr>
           <a:xfrm>
-            <a:off x="2793313" y="1593956"/>
+            <a:off x="2793313" y="1676400"/>
             <a:ext cx="2148840" cy="497572"/>
           </a:xfrm>
           <a:prstGeom prst="rect">
@@ -8414,11 +7823,11 @@
               </a:spcBef>
             </a:pPr>
             <a:r>
-              <a:rPr lang="en-US" sz="1000" dirty="0">
+              <a:rPr lang="es-ES" sz="1000">
                 <a:latin typeface="Adobe Clean Light" panose="020B0303020404020204" pitchFamily="34" charset="0"/>
                 <a:cs typeface="AdobeClean-Light"/>
               </a:rPr>
-              <a:t>Receive prioritized routing to ensure faster connection to more senior support resources on submitted cases. </a:t>
+              <a:t>Reciba enrutamiento prioritario para garantizar una conexión más rápida con recursos de soporte con más experiencia en relación con los casos enviados. </a:t>
             </a:r>
           </a:p>
         </p:txBody>
@@ -8440,7 +7849,7 @@
         <p:spPr>
           <a:xfrm>
             <a:off x="3218164" y="1320426"/>
-            <a:ext cx="1976242" cy="184666"/>
+            <a:ext cx="1861137" cy="369332"/>
           </a:xfrm>
           <a:prstGeom prst="rect">
             <a:avLst/>
@@ -8461,13 +7870,13 @@
               </a:spcAft>
             </a:pPr>
             <a:r>
-              <a:rPr lang="en-US" sz="1200" b="1" spc="-10" dirty="0">
+              <a:rPr lang="es-ES" sz="1200" b="1" dirty="0">
                 <a:solidFill>
                   <a:srgbClr val="020302"/>
                 </a:solidFill>
                 <a:latin typeface="Adobe Clean" panose="020B0503020404020204" pitchFamily="34" charset="0"/>
               </a:rPr>
-              <a:t>Priority Case Routing</a:t>
+              <a:t>Enrutamiento de casos según prioridad</a:t>
             </a:r>
           </a:p>
         </p:txBody>
@@ -8486,8 +7895,8 @@
         </p:nvSpPr>
         <p:spPr>
           <a:xfrm>
-            <a:off x="5346216" y="1596236"/>
-            <a:ext cx="2148840" cy="651460"/>
+            <a:off x="5346216" y="1678680"/>
+            <a:ext cx="2221828" cy="959237"/>
           </a:xfrm>
           <a:prstGeom prst="rect">
             <a:avLst/>
@@ -8508,15 +7917,22 @@
               </a:spcBef>
             </a:pPr>
             <a:r>
-              <a:rPr lang="en-US" sz="1000" dirty="0">
+              <a:rPr lang="es-ES" sz="1000" dirty="0">
                 <a:latin typeface="Adobe Clean Light" panose="020B0303020404020204" pitchFamily="34" charset="0"/>
               </a:rPr>
-              <a:t>A designated point of contact within Adobe who can provide escalation assistance, regular updates and ensure priority is given to your most critical open support requests.</a:t>
+              <a:t>Un punto de contacto designado de </a:t>
             </a:r>
-            <a:endParaRPr lang="en-US" sz="1000" dirty="0">
-              <a:latin typeface="Adobe Clean Light" panose="020B0303020404020204" pitchFamily="34" charset="0"/>
-              <a:cs typeface="AdobeClean-Light"/>
-            </a:endParaRPr>
+            <a:br>
+              <a:rPr lang="es-ES" sz="1000" dirty="0">
+                <a:latin typeface="Adobe Clean Light" panose="020B0303020404020204" pitchFamily="34" charset="0"/>
+              </a:rPr>
+            </a:br>
+            <a:r>
+              <a:rPr lang="es-ES" sz="1000" dirty="0">
+                <a:latin typeface="Adobe Clean Light" panose="020B0303020404020204" pitchFamily="34" charset="0"/>
+              </a:rPr>
+              <a:t>Adobe que puede proporcionar asistencia en cuanto a escalabilidad y actualizaciones frecuentes, así como garantizar que se dé prioridad a sus solicitudes de soporte abierto más críticas.</a:t>
+            </a:r>
           </a:p>
         </p:txBody>
       </p:sp>
@@ -8558,13 +7974,13 @@
               </a:spcAft>
             </a:pPr>
             <a:r>
-              <a:rPr lang="en-US" sz="1200" b="1" spc="-10" dirty="0">
+              <a:rPr lang="es-ES" sz="1200" b="1">
                 <a:solidFill>
                   <a:srgbClr val="020302"/>
                 </a:solidFill>
                 <a:latin typeface="Adobe Clean" panose="020B0503020404020204" pitchFamily="34" charset="0"/>
               </a:rPr>
-              <a:t>Escalation Management</a:t>
+              <a:t>Administración de la escalabilidad</a:t>
             </a:r>
           </a:p>
         </p:txBody>
@@ -8584,7 +8000,7 @@
         <p:spPr>
           <a:xfrm>
             <a:off x="3183539" y="3615388"/>
-            <a:ext cx="2250745" cy="276999"/>
+            <a:ext cx="2923243" cy="276999"/>
           </a:xfrm>
           <a:prstGeom prst="rect">
             <a:avLst/>
@@ -8598,10 +8014,10 @@
           <a:lstStyle/>
           <a:p>
             <a:r>
-              <a:rPr lang="en-US" sz="1200" b="1" dirty="0">
+              <a:rPr lang="es-ES" sz="1200" b="1" dirty="0">
                 <a:latin typeface="Adobe Clean" panose="020B0503020404020204" pitchFamily="34" charset="0"/>
               </a:rPr>
-              <a:t>Accelerated Issue Prioritization</a:t>
+              <a:t>Priorización acelerada de problemas</a:t>
             </a:r>
           </a:p>
         </p:txBody>
@@ -8621,7 +8037,7 @@
         <p:spPr>
           <a:xfrm>
             <a:off x="2850511" y="3943707"/>
-            <a:ext cx="2148840" cy="497572"/>
+            <a:ext cx="3089712" cy="343684"/>
           </a:xfrm>
           <a:prstGeom prst="rect">
             <a:avLst/>
@@ -8640,11 +8056,11 @@
               <a:defRPr/>
             </a:pPr>
             <a:r>
-              <a:rPr lang="en-US" sz="1000" dirty="0">
+              <a:rPr lang="es-ES" sz="1000" dirty="0">
                 <a:latin typeface="Adobe Clean Light" panose="020B0303020404020204" pitchFamily="34" charset="0"/>
                 <a:cs typeface="Adobe Clean Light"/>
               </a:rPr>
-              <a:t>Receive higher prioritization on support case work through facilitated engagement with Engineering.</a:t>
+              <a:t>Reciba más prioridad para los casos de soporte a través del compromiso facilitado con el departamento de ingeniería.</a:t>
             </a:r>
           </a:p>
         </p:txBody>
@@ -8775,8 +8191,8 @@
         </p:nvSpPr>
         <p:spPr>
           <a:xfrm>
-            <a:off x="869249" y="6535770"/>
-            <a:ext cx="1345945" cy="184666"/>
+            <a:off x="869249" y="6417106"/>
+            <a:ext cx="1629869" cy="184666"/>
           </a:xfrm>
           <a:prstGeom prst="rect">
             <a:avLst/>
@@ -8797,12 +8213,12 @@
               </a:spcAft>
             </a:pPr>
             <a:r>
-              <a:rPr lang="en-US" sz="1200" b="1" dirty="0">
+              <a:rPr lang="es-ES" sz="1200" b="1" dirty="0">
                 <a:latin typeface="Adobe Clean" panose="020B0503020404020204" pitchFamily="34" charset="0"/>
                 <a:ea typeface="Open Sans" pitchFamily="34" charset="0"/>
                 <a:cs typeface="Open Sans" pitchFamily="34" charset="0"/>
               </a:rPr>
-              <a:t>Community Forums</a:t>
+              <a:t>Foros de la comunidad</a:t>
             </a:r>
           </a:p>
         </p:txBody>
@@ -8821,8 +8237,8 @@
         </p:nvSpPr>
         <p:spPr>
           <a:xfrm>
-            <a:off x="441718" y="6777939"/>
-            <a:ext cx="2148840" cy="959237"/>
+            <a:off x="441718" y="6659275"/>
+            <a:ext cx="2400460" cy="1113125"/>
           </a:xfrm>
           <a:prstGeom prst="rect">
             <a:avLst/>
@@ -8835,13 +8251,13 @@
           <a:lstStyle/>
           <a:p>
             <a:r>
-              <a:rPr lang="en-US" sz="1000" dirty="0">
+              <a:rPr lang="es-ES" sz="1000" dirty="0">
                 <a:solidFill>
                   <a:srgbClr val="000000"/>
                 </a:solidFill>
                 <a:latin typeface="Adobe Clean Light" panose="020B0303020404020204" pitchFamily="34" charset="0"/>
               </a:rPr>
-              <a:t>Continuous online access to a growing database of technical solutions, product documentation, FAQs and more. Connect with other customers on Adobe Community to share best practices and lessons learned..</a:t>
+              <a:t>Acceso continuo en línea a una base de datos donde encontrará cada vez más soluciones técnicas, documentación de productos, preguntas frecuentes y mucho más. Hable con otros clientes en la Comunidad de Adobe para compartir prácticas recomendadas y lecciones aprendidas.</a:t>
             </a:r>
           </a:p>
         </p:txBody>
@@ -8862,7 +8278,7 @@
         </p:nvSpPr>
         <p:spPr>
           <a:xfrm>
-            <a:off x="3375964" y="6534116"/>
+            <a:off x="3375964" y="6415452"/>
             <a:ext cx="1013098" cy="184666"/>
           </a:xfrm>
           <a:prstGeom prst="rect">
@@ -8884,12 +8300,12 @@
               </a:spcAft>
             </a:pPr>
             <a:r>
-              <a:rPr lang="en-US" sz="1200" b="1" dirty="0">
+              <a:rPr lang="es-ES" sz="1200" b="1">
                 <a:latin typeface="Adobe Clean" panose="020B0503020404020204" pitchFamily="34" charset="0"/>
                 <a:ea typeface="Open Sans" pitchFamily="34" charset="0"/>
                 <a:cs typeface="Open Sans" pitchFamily="34" charset="0"/>
               </a:rPr>
-              <a:t>Self-Help Portal</a:t>
+              <a:t>Portal de autoayuda</a:t>
             </a:r>
           </a:p>
         </p:txBody>
@@ -8908,7 +8324,7 @@
         </p:nvSpPr>
         <p:spPr>
           <a:xfrm>
-            <a:off x="2930461" y="6767810"/>
+            <a:off x="2930461" y="6649146"/>
             <a:ext cx="2148840" cy="805349"/>
           </a:xfrm>
           <a:prstGeom prst="rect">
@@ -8922,13 +8338,13 @@
           <a:lstStyle/>
           <a:p>
             <a:r>
-              <a:rPr lang="en-US" sz="1000" dirty="0">
+              <a:rPr lang="es-ES" sz="1000" dirty="0">
                 <a:solidFill>
                   <a:srgbClr val="000000"/>
                 </a:solidFill>
                 <a:latin typeface="Adobe Clean Light" panose="020B0303020404020204" pitchFamily="34" charset="0"/>
               </a:rPr>
-              <a:t>On-demand access to the online Self-help Support Portal review case status, and browse other resources, like our  news and alerts, knowledge base, featured tips, and more.</a:t>
+              <a:t>Acceso al portal de asistencia de autoayuda en línea bajo demanda para revisar el estado de los casos y examinar otros recursos, como noticias, alertas, base de conocimiento, sugerencias destacadas, y mucho más.</a:t>
             </a:r>
           </a:p>
         </p:txBody>
@@ -8947,7 +8363,7 @@
         </p:nvSpPr>
         <p:spPr>
           <a:xfrm>
-            <a:off x="5419204" y="6743263"/>
+            <a:off x="5419204" y="6624599"/>
             <a:ext cx="2148840" cy="641201"/>
           </a:xfrm>
           <a:prstGeom prst="rect">
@@ -8972,104 +8388,14 @@
               </a:tabLst>
             </a:pPr>
             <a:r>
-              <a:rPr lang="en-US" sz="1000" spc="-20" dirty="0">
+              <a:rPr lang="es-ES" sz="1000">
                 <a:solidFill>
                   <a:srgbClr val="020302"/>
                 </a:solidFill>
                 <a:latin typeface="AdobeClean-Light"/>
                 <a:cs typeface="AdobeClean-Light"/>
               </a:rPr>
-              <a:t>Authorized Users (Admins) can start a chat session with Adobe Support </a:t>
-            </a:r>
-            <a:r>
-              <a:rPr lang="en-US" sz="1000" spc="-5" dirty="0">
-                <a:solidFill>
-                  <a:srgbClr val="020302"/>
-                </a:solidFill>
-                <a:latin typeface="AdobeClean-Light"/>
-                <a:cs typeface="AdobeClean-Light"/>
-              </a:rPr>
-              <a:t>to </a:t>
-            </a:r>
-            <a:r>
-              <a:rPr lang="en-US" sz="1000" spc="-10" dirty="0">
-                <a:solidFill>
-                  <a:srgbClr val="020302"/>
-                </a:solidFill>
-                <a:latin typeface="AdobeClean-Light"/>
-                <a:cs typeface="AdobeClean-Light"/>
-              </a:rPr>
-              <a:t>get </a:t>
-            </a:r>
-            <a:r>
-              <a:rPr lang="en-US" sz="1000" spc="-20" dirty="0">
-                <a:solidFill>
-                  <a:srgbClr val="020302"/>
-                </a:solidFill>
-                <a:latin typeface="AdobeClean-Light"/>
-                <a:cs typeface="AdobeClean-Light"/>
-              </a:rPr>
-              <a:t>answers</a:t>
-            </a:r>
-            <a:r>
-              <a:rPr lang="en-US" sz="1000" spc="-45" dirty="0">
-                <a:solidFill>
-                  <a:srgbClr val="020302"/>
-                </a:solidFill>
-                <a:latin typeface="AdobeClean-Light"/>
-                <a:cs typeface="AdobeClean-Light"/>
-              </a:rPr>
-              <a:t> and </a:t>
-            </a:r>
-            <a:r>
-              <a:rPr lang="en-US" sz="1000" spc="-15" dirty="0">
-                <a:solidFill>
-                  <a:srgbClr val="020302"/>
-                </a:solidFill>
-                <a:latin typeface="AdobeClean-Light"/>
-                <a:cs typeface="AdobeClean-Light"/>
-              </a:rPr>
-              <a:t>help </a:t>
-            </a:r>
-            <a:r>
-              <a:rPr lang="en-US" sz="1000" spc="-10" dirty="0">
-                <a:solidFill>
-                  <a:srgbClr val="020302"/>
-                </a:solidFill>
-                <a:latin typeface="AdobeClean-Light"/>
-                <a:cs typeface="AdobeClean-Light"/>
-              </a:rPr>
-              <a:t>with</a:t>
-            </a:r>
-            <a:r>
-              <a:rPr lang="en-US" sz="1000" spc="85" dirty="0">
-                <a:solidFill>
-                  <a:srgbClr val="020302"/>
-                </a:solidFill>
-                <a:latin typeface="AdobeClean-Light"/>
-                <a:cs typeface="AdobeClean-Light"/>
-              </a:rPr>
-              <a:t> </a:t>
-            </a:r>
-            <a:r>
-              <a:rPr lang="en-US" sz="1000" spc="-10" dirty="0">
-                <a:solidFill>
-                  <a:srgbClr val="020302"/>
-                </a:solidFill>
-                <a:latin typeface="AdobeClean-Light"/>
-                <a:cs typeface="AdobeClean-Light"/>
-              </a:rPr>
-              <a:t>case </a:t>
-            </a:r>
-            <a:r>
-              <a:rPr lang="en-US" sz="1000" spc="-20" dirty="0">
-                <a:solidFill>
-                  <a:srgbClr val="020302"/>
-                </a:solidFill>
-                <a:latin typeface="AdobeClean-Light"/>
-                <a:cs typeface="AdobeClean-Light"/>
-              </a:rPr>
-              <a:t>submission.</a:t>
+              <a:t>Los usuarios autorizados (administradores) pueden comenzar una sesión de chat con el Soporte de Adobe para obtener respuestas y ayuda con el envío de casos.</a:t>
             </a:r>
           </a:p>
           <a:p>
@@ -9085,19 +8411,15 @@
               </a:tabLst>
             </a:pPr>
             <a:r>
-              <a:rPr lang="en-US" sz="1000" i="1" spc="-10" dirty="0">
+              <a:rPr lang="es-ES" sz="1000" i="1">
                 <a:solidFill>
                   <a:srgbClr val="7A7A7A"/>
                 </a:solidFill>
                 <a:latin typeface="AdobeClean-LightIt"/>
                 <a:cs typeface="AdobeClean-LightIt"/>
               </a:rPr>
-              <a:t>Subject to local hours</a:t>
+              <a:t>Sujeto a horarios locales</a:t>
             </a:r>
-            <a:endParaRPr lang="en-US" sz="1000" dirty="0">
-              <a:latin typeface="AdobeClean-Light"/>
-              <a:cs typeface="AdobeClean-Light"/>
-            </a:endParaRPr>
           </a:p>
         </p:txBody>
       </p:sp>
@@ -9117,7 +8439,7 @@
         </p:nvSpPr>
         <p:spPr>
           <a:xfrm>
-            <a:off x="5940223" y="6534116"/>
+            <a:off x="5940223" y="6415452"/>
             <a:ext cx="841577" cy="184666"/>
           </a:xfrm>
           <a:prstGeom prst="rect">
@@ -9139,12 +8461,12 @@
               </a:spcAft>
             </a:pPr>
             <a:r>
-              <a:rPr lang="en-US" sz="1200" b="1" dirty="0">
+              <a:rPr lang="es-ES" sz="1200" b="1">
                 <a:latin typeface="Adobe Clean" panose="020B0503020404020204" pitchFamily="34" charset="0"/>
                 <a:ea typeface="Open Sans" pitchFamily="34" charset="0"/>
                 <a:cs typeface="Open Sans" pitchFamily="34" charset="0"/>
               </a:rPr>
-              <a:t>Chat Support</a:t>
+              <a:t>Asistencia mediante chat</a:t>
             </a:r>
           </a:p>
         </p:txBody>
@@ -9165,7 +8487,7 @@
         </p:nvSpPr>
         <p:spPr>
           <a:xfrm>
-            <a:off x="2253559" y="8275043"/>
+            <a:off x="1682339" y="8275043"/>
             <a:ext cx="963405" cy="184666"/>
           </a:xfrm>
           <a:prstGeom prst="rect">
@@ -9187,12 +8509,12 @@
               </a:spcAft>
             </a:pPr>
             <a:r>
-              <a:rPr lang="en-US" sz="1200" b="1" dirty="0">
+              <a:rPr lang="es-ES" sz="1200" b="1">
                 <a:latin typeface="Adobe Clean" panose="020B0503020404020204" pitchFamily="34" charset="0"/>
                 <a:ea typeface="Open Sans" pitchFamily="34" charset="0"/>
                 <a:cs typeface="Open Sans" pitchFamily="34" charset="0"/>
               </a:rPr>
-              <a:t>Phone Support</a:t>
+              <a:t>Asistencia telefónica</a:t>
             </a:r>
           </a:p>
         </p:txBody>
@@ -9211,8 +8533,8 @@
         </p:nvSpPr>
         <p:spPr>
           <a:xfrm>
-            <a:off x="1930373" y="8569418"/>
-            <a:ext cx="1955827" cy="651460"/>
+            <a:off x="1365235" y="8569418"/>
+            <a:ext cx="2139965" cy="805349"/>
           </a:xfrm>
           <a:prstGeom prst="rect">
             <a:avLst/>
@@ -9225,116 +8547,42 @@
           <a:lstStyle/>
           <a:p>
             <a:r>
-              <a:rPr lang="en-US" sz="1000" dirty="0">
+              <a:rPr lang="es-ES" sz="1000" dirty="0">
                 <a:solidFill>
                   <a:srgbClr val="020302"/>
                 </a:solidFill>
                 <a:latin typeface="AdobeClean-Light"/>
               </a:rPr>
-              <a:t>Authorized Users (Admins) </a:t>
+              <a:t>Los usuarios autorizados (administradores)</a:t>
             </a:r>
             <a:r>
-              <a:rPr lang="en-US" sz="1000" dirty="0">
+              <a:rPr lang="es-ES" sz="1000" dirty="0">
                 <a:latin typeface="Adobe Clean Light"/>
               </a:rPr>
-              <a:t>can call Adobe Support via phone </a:t>
+              <a:t> pueden llamar al Soporte de Adobe a través de teléfono para obtener respuesta</a:t>
             </a:r>
             <a:r>
-              <a:rPr lang="en-US" sz="1000" spc="-5" dirty="0">
+              <a:rPr lang="es-ES" sz="1000" dirty="0">
                 <a:solidFill>
                   <a:srgbClr val="020302"/>
                 </a:solidFill>
                 <a:latin typeface="AdobeClean-Light"/>
                 <a:cs typeface="AdobeClean-Light"/>
               </a:rPr>
-              <a:t>to </a:t>
-            </a:r>
-            <a:r>
-              <a:rPr lang="en-US" sz="1000" spc="-10" dirty="0">
-                <a:solidFill>
-                  <a:srgbClr val="020302"/>
-                </a:solidFill>
-                <a:latin typeface="AdobeClean-Light"/>
-                <a:cs typeface="AdobeClean-Light"/>
-              </a:rPr>
-              <a:t>get </a:t>
-            </a:r>
-            <a:r>
-              <a:rPr lang="en-US" sz="1000" spc="-20" dirty="0">
-                <a:solidFill>
-                  <a:srgbClr val="020302"/>
-                </a:solidFill>
-                <a:latin typeface="AdobeClean-Light"/>
-                <a:cs typeface="AdobeClean-Light"/>
-              </a:rPr>
-              <a:t>answers</a:t>
-            </a:r>
-            <a:r>
-              <a:rPr lang="en-US" sz="1000" spc="-45" dirty="0">
-                <a:solidFill>
-                  <a:srgbClr val="020302"/>
-                </a:solidFill>
-                <a:latin typeface="AdobeClean-Light"/>
-                <a:cs typeface="AdobeClean-Light"/>
-              </a:rPr>
-              <a:t> and</a:t>
-            </a:r>
-            <a:r>
-              <a:rPr lang="en-US" sz="1000" dirty="0">
-                <a:solidFill>
-                  <a:srgbClr val="020302"/>
-                </a:solidFill>
-                <a:latin typeface="AdobeClean-Light"/>
-                <a:cs typeface="AdobeClean-Light"/>
-              </a:rPr>
-              <a:t> </a:t>
-            </a:r>
-            <a:r>
-              <a:rPr lang="en-US" sz="1000" spc="-15" dirty="0">
-                <a:solidFill>
-                  <a:srgbClr val="020302"/>
-                </a:solidFill>
-                <a:latin typeface="AdobeClean-Light"/>
-                <a:cs typeface="AdobeClean-Light"/>
-              </a:rPr>
-              <a:t>help </a:t>
-            </a:r>
-            <a:r>
-              <a:rPr lang="en-US" sz="1000" spc="-10" dirty="0">
-                <a:solidFill>
-                  <a:srgbClr val="020302"/>
-                </a:solidFill>
-                <a:latin typeface="AdobeClean-Light"/>
-                <a:cs typeface="AdobeClean-Light"/>
-              </a:rPr>
-              <a:t>with case </a:t>
-            </a:r>
-            <a:r>
-              <a:rPr lang="en-US" sz="1000" spc="-20" dirty="0">
-                <a:solidFill>
-                  <a:srgbClr val="020302"/>
-                </a:solidFill>
-                <a:latin typeface="AdobeClean-Light"/>
-                <a:cs typeface="AdobeClean-Light"/>
-              </a:rPr>
-              <a:t>submission.</a:t>
+              <a:t>s y ayuda con el envío de casos.</a:t>
             </a:r>
           </a:p>
           <a:p>
             <a:r>
-              <a:rPr lang="en-US" sz="1000" i="1" spc="-10" dirty="0">
+              <a:rPr lang="es-ES" sz="1000" i="1" dirty="0">
                 <a:solidFill>
                   <a:srgbClr val="7A7A7A"/>
                 </a:solidFill>
                 <a:latin typeface="Adobe Clean Light" panose="020B0303020404020204" pitchFamily="34" charset="0"/>
                 <a:cs typeface="AdobeClean-LightIt"/>
               </a:rPr>
-              <a:t>Subject to local hours</a:t>
+              <a:t>Sujeto a horarios locales</a:t>
             </a:r>
-            <a:endParaRPr lang="en-US" sz="1000" i="1" dirty="0">
-              <a:latin typeface="Adobe Clean Light" panose="020B0303020404020204" pitchFamily="34" charset="0"/>
-              <a:cs typeface="AdobeClean-Light"/>
-            </a:endParaRPr>
           </a:p>
         </p:txBody>
       </p:sp>
@@ -9354,7 +8602,7 @@
         </p:nvSpPr>
         <p:spPr>
           <a:xfrm>
-            <a:off x="4704154" y="8269897"/>
+            <a:off x="4323154" y="8269897"/>
             <a:ext cx="1402628" cy="184666"/>
           </a:xfrm>
           <a:prstGeom prst="rect">
@@ -9376,12 +8624,12 @@
               </a:spcAft>
             </a:pPr>
             <a:r>
-              <a:rPr lang="en-US" sz="1200" b="1" dirty="0">
+              <a:rPr lang="es-ES" sz="1200" b="1">
                 <a:latin typeface="Adobe Clean" panose="020B0503020404020204" pitchFamily="34" charset="0"/>
                 <a:ea typeface="Open Sans" pitchFamily="34" charset="0"/>
                 <a:cs typeface="Open Sans" pitchFamily="34" charset="0"/>
               </a:rPr>
-              <a:t>Web Case Submission</a:t>
+              <a:t>Envío de casos a través de la web</a:t>
             </a:r>
           </a:p>
         </p:txBody>
@@ -9400,8 +8648,8 @@
         </p:nvSpPr>
         <p:spPr>
           <a:xfrm>
-            <a:off x="4206461" y="8522198"/>
-            <a:ext cx="2148840" cy="707886"/>
+            <a:off x="3825460" y="8522198"/>
+            <a:ext cx="2880139" cy="707886"/>
           </a:xfrm>
           <a:prstGeom prst="rect">
             <a:avLst/>
@@ -9414,26 +8662,20 @@
           <a:lstStyle/>
           <a:p>
             <a:r>
-              <a:rPr lang="en-US" sz="1000" dirty="0">
+              <a:rPr lang="es-ES" sz="1000" dirty="0">
                 <a:solidFill>
                   <a:srgbClr val="020302"/>
                 </a:solidFill>
                 <a:latin typeface="AdobeClean-Light"/>
               </a:rPr>
-              <a:t>Authorized Users (Admins) </a:t>
+              <a:t>Los usuarios autorizados (administradores) </a:t>
             </a:r>
             <a:r>
-              <a:rPr lang="en-US" sz="1000" dirty="0">
+              <a:rPr lang="es-ES" sz="1000" dirty="0">
                 <a:latin typeface="Adobe Clean Light"/>
               </a:rPr>
-              <a:t>can submit unlimited web cases at any time for support issues for review by our technical support team.</a:t>
+              <a:t>pueden enviar casos web ilimitados en cualquier momento en lo relacionado con problemas de soporte para que nuestro equipo de Soporte los revisen.</a:t>
             </a:r>
-            <a:endParaRPr lang="en-US" sz="1000" dirty="0">
-              <a:solidFill>
-                <a:srgbClr val="000000"/>
-              </a:solidFill>
-              <a:latin typeface="Adobe Clean Light"/>
-            </a:endParaRPr>
           </a:p>
         </p:txBody>
       </p:sp>
@@ -9468,7 +8710,7 @@
         </p:blipFill>
         <p:spPr>
           <a:xfrm>
-            <a:off x="4260614" y="8216462"/>
+            <a:off x="3879614" y="8216462"/>
             <a:ext cx="365760" cy="365760"/>
           </a:xfrm>
           <a:prstGeom prst="rect">
@@ -9507,7 +8749,7 @@
         </p:blipFill>
         <p:spPr>
           <a:xfrm>
-            <a:off x="1866620" y="8152943"/>
+            <a:off x="1295400" y="8152943"/>
             <a:ext cx="365760" cy="365760"/>
           </a:xfrm>
           <a:prstGeom prst="rect">
@@ -9546,7 +8788,7 @@
         </p:blipFill>
         <p:spPr>
           <a:xfrm>
-            <a:off x="5489424" y="6371978"/>
+            <a:off x="5489424" y="6253314"/>
             <a:ext cx="365760" cy="365760"/>
           </a:xfrm>
           <a:prstGeom prst="rect">
@@ -9585,7 +8827,7 @@
         </p:blipFill>
         <p:spPr>
           <a:xfrm>
-            <a:off x="438430" y="6427947"/>
+            <a:off x="438430" y="6309283"/>
             <a:ext cx="365760" cy="365760"/>
           </a:xfrm>
           <a:prstGeom prst="rect">
@@ -9624,7 +8866,7 @@
         </p:blipFill>
         <p:spPr>
           <a:xfrm>
-            <a:off x="2926191" y="6427947"/>
+            <a:off x="2926191" y="6309283"/>
             <a:ext cx="365760" cy="365760"/>
           </a:xfrm>
           <a:prstGeom prst="rect">
@@ -9828,8 +9070,8 @@
         </p:nvSpPr>
         <p:spPr>
           <a:xfrm>
-            <a:off x="97788" y="9888626"/>
-            <a:ext cx="2245360" cy="133370"/>
+            <a:off x="97788" y="9888625"/>
+            <a:ext cx="3278176" cy="133370"/>
           </a:xfrm>
           <a:prstGeom prst="rect">
             <a:avLst/>
@@ -9941,36 +9183,40 @@
               </a:spcBef>
             </a:pPr>
             <a:r>
-              <a:rPr lang="en-US" spc="-10" dirty="0"/>
-              <a:t>©202</a:t>
+              <a:rPr lang="es-ES" dirty="0"/>
+              <a:t>©2022 Adobe. </a:t>
             </a:r>
             <a:r>
-              <a:rPr lang="en-US" spc="-5" dirty="0"/>
-              <a:t>2 Adobe. All</a:t>
+              <a:rPr lang="es-ES" dirty="0" err="1"/>
+              <a:t>All</a:t>
             </a:r>
             <a:r>
-              <a:rPr lang="en-US" spc="-10" dirty="0"/>
-              <a:t> Rights</a:t>
-            </a:r>
-            <a:r>
-              <a:rPr lang="en-US" spc="-5" dirty="0"/>
+              <a:rPr lang="es-ES" dirty="0"/>
               <a:t> </a:t>
             </a:r>
             <a:r>
-              <a:rPr lang="en-US" spc="-10" dirty="0"/>
-              <a:t>Reserved.</a:t>
+              <a:rPr lang="es-ES" dirty="0" err="1"/>
+              <a:t>Rights</a:t>
             </a:r>
             <a:r>
-              <a:rPr lang="en-US" spc="-5" dirty="0"/>
-              <a:t> Adobe</a:t>
-            </a:r>
-            <a:r>
-              <a:rPr lang="en-US" spc="60" dirty="0"/>
+              <a:rPr lang="es-ES" dirty="0"/>
               <a:t> </a:t>
             </a:r>
             <a:r>
-              <a:rPr lang="en-US" spc="-10" dirty="0"/>
-              <a:t>Confidential.</a:t>
+              <a:rPr lang="es-ES" dirty="0" err="1"/>
+              <a:t>Reserved</a:t>
+            </a:r>
+            <a:r>
+              <a:rPr lang="es-ES" dirty="0"/>
+              <a:t>. Adobe </a:t>
+            </a:r>
+            <a:r>
+              <a:rPr lang="es-ES" dirty="0" err="1"/>
+              <a:t>Confidential</a:t>
+            </a:r>
+            <a:r>
+              <a:rPr lang="es-ES" dirty="0"/>
+              <a:t>.</a:t>
             </a:r>
           </a:p>
         </p:txBody>
@@ -10027,49 +9273,15 @@
               </a:lnSpc>
             </a:pPr>
             <a:r>
-              <a:rPr sz="500" spc="-5" dirty="0">
+              <a:rPr lang="es-ES" sz="500">
                 <a:solidFill>
                   <a:srgbClr val="6C6C6C"/>
                 </a:solidFill>
                 <a:latin typeface="Adobe Clean"/>
                 <a:cs typeface="Adobe Clean"/>
               </a:rPr>
-              <a:t>©2020 Adobe. All Rights Reserved. </a:t>
+              <a:t>©2020 Adobe. All Rights Reserved. Adobe Confidential.</a:t>
             </a:r>
-            <a:r>
-              <a:rPr sz="500" dirty="0">
-                <a:solidFill>
-                  <a:srgbClr val="6C6C6C"/>
-                </a:solidFill>
-                <a:latin typeface="Adobe Clean"/>
-                <a:cs typeface="Adobe Clean"/>
-              </a:rPr>
-              <a:t>Adobe</a:t>
-            </a:r>
-            <a:r>
-              <a:rPr sz="500" spc="5" dirty="0">
-                <a:solidFill>
-                  <a:srgbClr val="6C6C6C"/>
-                </a:solidFill>
-                <a:latin typeface="Adobe Clean"/>
-                <a:cs typeface="Adobe Clean"/>
-              </a:rPr>
-              <a:t> </a:t>
-            </a:r>
-            <a:r>
-              <a:rPr sz="500" spc="-5" dirty="0">
-                <a:solidFill>
-                  <a:srgbClr val="6C6C6C"/>
-                </a:solidFill>
-                <a:latin typeface="Adobe Clean"/>
-                <a:cs typeface="Adobe Clean"/>
-              </a:rPr>
-              <a:t>Confidential.</a:t>
-            </a:r>
-            <a:endParaRPr sz="500">
-              <a:latin typeface="Adobe Clean"/>
-              <a:cs typeface="Adobe Clean"/>
-            </a:endParaRPr>
           </a:p>
           <a:p>
             <a:pPr>
@@ -10095,39 +9307,15 @@
               </a:spcBef>
             </a:pPr>
             <a:r>
-              <a:rPr sz="800" spc="-5" dirty="0">
+              <a:rPr lang="es-ES" sz="800">
                 <a:solidFill>
                   <a:srgbClr val="6D6D6D"/>
                 </a:solidFill>
                 <a:latin typeface="Adobe Clean"/>
                 <a:cs typeface="Adobe Clean"/>
               </a:rPr>
-              <a:t>©2020 Adobe. All Rights Reserved. Adobe</a:t>
+              <a:t>©2020 Adobe. All Rights Reserved. Adobe Confidential.</a:t>
             </a:r>
-            <a:r>
-              <a:rPr sz="800" spc="75" dirty="0">
-                <a:solidFill>
-                  <a:srgbClr val="6D6D6D"/>
-                </a:solidFill>
-                <a:latin typeface="Adobe Clean"/>
-                <a:cs typeface="Adobe Clean"/>
-              </a:rPr>
-              <a:t> </a:t>
-            </a:r>
-            <a:r>
-              <a:rPr sz="800" spc="-5" dirty="0">
-                <a:solidFill>
-                  <a:srgbClr val="6D6D6D"/>
-                </a:solidFill>
-                <a:latin typeface="Adobe Clean"/>
-                <a:cs typeface="Adobe Clean"/>
-              </a:rPr>
-              <a:t>Confidential.</a:t>
-            </a:r>
-            <a:endParaRPr sz="800">
-              <a:latin typeface="Adobe Clean"/>
-              <a:cs typeface="Adobe Clean"/>
-            </a:endParaRPr>
           </a:p>
         </p:txBody>
       </p:sp>
@@ -10211,19 +9399,15 @@
               </a:spcBef>
             </a:pPr>
             <a:r>
-              <a:rPr lang="en-US" sz="1400" b="1" spc="-15" dirty="0">
+              <a:rPr lang="es-ES" sz="1400" b="1">
                 <a:solidFill>
                   <a:srgbClr val="020302"/>
                 </a:solidFill>
                 <a:latin typeface="Adobe Clean"/>
                 <a:cs typeface="Adobe Clean"/>
               </a:rPr>
-              <a:t>Resources</a:t>
+              <a:t>Recursos</a:t>
             </a:r>
-            <a:endParaRPr sz="1400" dirty="0">
-              <a:latin typeface="Adobe Clean"/>
-              <a:cs typeface="Adobe Clean"/>
-            </a:endParaRPr>
           </a:p>
         </p:txBody>
       </p:sp>
@@ -10257,7 +9441,7 @@
               </a:spcBef>
             </a:pPr>
             <a:r>
-              <a:rPr sz="800" spc="-15" dirty="0">
+              <a:rPr lang="es-ES" sz="800">
                 <a:solidFill>
                   <a:srgbClr val="777879"/>
                 </a:solidFill>
@@ -10266,10 +9450,6 @@
               </a:rPr>
               <a:t>Adobe</a:t>
             </a:r>
-            <a:endParaRPr sz="800">
-              <a:latin typeface="Adobe Clean"/>
-              <a:cs typeface="Adobe Clean"/>
-            </a:endParaRPr>
           </a:p>
           <a:p>
             <a:pPr marL="12700">
@@ -10278,39 +9458,15 @@
               </a:lnSpc>
             </a:pPr>
             <a:r>
-              <a:rPr sz="800" spc="-15" dirty="0">
+              <a:rPr lang="es-ES" sz="800">
                 <a:solidFill>
                   <a:srgbClr val="777879"/>
                 </a:solidFill>
                 <a:latin typeface="Adobe Clean"/>
                 <a:cs typeface="Adobe Clean"/>
               </a:rPr>
-              <a:t>345 Park</a:t>
+              <a:t>345 Park Avenue</a:t>
             </a:r>
-            <a:r>
-              <a:rPr sz="800" spc="-100" dirty="0">
-                <a:solidFill>
-                  <a:srgbClr val="777879"/>
-                </a:solidFill>
-                <a:latin typeface="Adobe Clean"/>
-                <a:cs typeface="Adobe Clean"/>
-              </a:rPr>
-              <a:t> </a:t>
-            </a:r>
-            <a:r>
-              <a:rPr sz="800" spc="-15" dirty="0">
-                <a:solidFill>
-                  <a:srgbClr val="777879"/>
-                </a:solidFill>
-                <a:latin typeface="Adobe Clean"/>
-                <a:cs typeface="Adobe Clean"/>
-              </a:rPr>
-              <a:t>Avenue</a:t>
-            </a:r>
-            <a:endParaRPr sz="800">
-              <a:latin typeface="Adobe Clean"/>
-              <a:cs typeface="Adobe Clean"/>
-            </a:endParaRPr>
           </a:p>
           <a:p>
             <a:pPr marL="12700">
@@ -10319,49 +9475,15 @@
               </a:lnSpc>
             </a:pPr>
             <a:r>
-              <a:rPr sz="800" spc="-10" dirty="0">
+              <a:rPr lang="es-ES" sz="800">
                 <a:solidFill>
                   <a:srgbClr val="777879"/>
                 </a:solidFill>
                 <a:latin typeface="Adobe Clean"/>
                 <a:cs typeface="Adobe Clean"/>
               </a:rPr>
-              <a:t>San </a:t>
+              <a:t>San José, CA95110-2704</a:t>
             </a:r>
-            <a:r>
-              <a:rPr sz="800" spc="-15" dirty="0">
-                <a:solidFill>
-                  <a:srgbClr val="777879"/>
-                </a:solidFill>
-                <a:latin typeface="Adobe Clean"/>
-                <a:cs typeface="Adobe Clean"/>
-              </a:rPr>
-              <a:t>Jose,</a:t>
-            </a:r>
-            <a:r>
-              <a:rPr sz="800" spc="-140" dirty="0">
-                <a:solidFill>
-                  <a:srgbClr val="777879"/>
-                </a:solidFill>
-                <a:latin typeface="Adobe Clean"/>
-                <a:cs typeface="Adobe Clean"/>
-              </a:rPr>
-              <a:t> </a:t>
-            </a:r>
-            <a:r>
-              <a:rPr sz="800" spc="-20" dirty="0">
-                <a:solidFill>
-                  <a:srgbClr val="777879"/>
-                </a:solidFill>
-                <a:latin typeface="Adobe Clean"/>
-                <a:cs typeface="Adobe Clean"/>
-              </a:rPr>
-              <a:t>CA95110-2704</a:t>
-            </a:r>
-            <a:endParaRPr sz="800">
-              <a:latin typeface="Adobe Clean"/>
-              <a:cs typeface="Adobe Clean"/>
-            </a:endParaRPr>
           </a:p>
           <a:p>
             <a:pPr marL="12700">
@@ -10373,19 +9495,15 @@
               </a:spcBef>
             </a:pPr>
             <a:r>
-              <a:rPr sz="800" spc="-10" dirty="0">
+              <a:rPr lang="es-ES" sz="800">
                 <a:solidFill>
                   <a:srgbClr val="777879"/>
                 </a:solidFill>
                 <a:latin typeface="Adobe Clean"/>
                 <a:cs typeface="Adobe Clean"/>
               </a:rPr>
-              <a:t>USA</a:t>
+              <a:t>EE. UU.</a:t>
             </a:r>
-            <a:endParaRPr sz="800">
-              <a:latin typeface="Adobe Clean"/>
-              <a:cs typeface="Adobe Clean"/>
-            </a:endParaRPr>
           </a:p>
           <a:p>
             <a:pPr marL="12700">
@@ -10397,7 +9515,7 @@
               </a:spcBef>
             </a:pPr>
             <a:r>
-              <a:rPr sz="800" u="sng" spc="-25" dirty="0">
+              <a:rPr lang="es-ES" sz="800" u="sng">
                 <a:solidFill>
                   <a:srgbClr val="5F5F5F"/>
                 </a:solidFill>
@@ -10408,14 +9526,10 @@
                 </a:uFill>
                 <a:latin typeface="Adobe Clean"/>
                 <a:cs typeface="Adobe Clean"/>
-                <a:hlinkClick r:id="rId4"/>
+                <a:hlinkClick r:id="rId3"/>
               </a:rPr>
               <a:t>www.adobe.com</a:t>
             </a:r>
-            <a:endParaRPr sz="800">
-              <a:latin typeface="Adobe Clean"/>
-              <a:cs typeface="Adobe Clean"/>
-            </a:endParaRPr>
           </a:p>
         </p:txBody>
       </p:sp>
@@ -10434,7 +9548,7 @@
             <a:avLst/>
           </a:prstGeom>
           <a:blipFill>
-            <a:blip r:embed="rId5" cstate="print"/>
+            <a:blip r:embed="rId4" cstate="print"/>
             <a:stretch>
               <a:fillRect/>
             </a:stretch>
@@ -10546,7 +9660,7 @@
             <a:avLst/>
           </a:prstGeom>
           <a:blipFill>
-            <a:blip r:embed="rId6" cstate="print"/>
+            <a:blip r:embed="rId5" cstate="print"/>
             <a:stretch>
               <a:fillRect/>
             </a:stretch>
@@ -10590,439 +9704,15 @@
               </a:spcBef>
             </a:pPr>
             <a:r>
-              <a:rPr sz="1100" i="1" spc="-10" dirty="0">
+              <a:rPr lang="es-ES" sz="1100" i="1">
                 <a:solidFill>
                   <a:srgbClr val="777879"/>
                 </a:solidFill>
                 <a:latin typeface="AdobeClean-LightIt"/>
                 <a:cs typeface="AdobeClean-LightIt"/>
               </a:rPr>
-              <a:t>To</a:t>
+              <a:t>Para saber más sobre las ofertas de asistencia de Adobe y el nivel adecuado para usted, póngase en contacto con su administrador de cuentas (NAM) o con su Customer Success Manager (CSM).</a:t>
             </a:r>
-            <a:r>
-              <a:rPr sz="1100" i="1" spc="-50" dirty="0">
-                <a:solidFill>
-                  <a:srgbClr val="777879"/>
-                </a:solidFill>
-                <a:latin typeface="AdobeClean-LightIt"/>
-                <a:cs typeface="AdobeClean-LightIt"/>
-              </a:rPr>
-              <a:t> </a:t>
-            </a:r>
-            <a:r>
-              <a:rPr sz="1100" i="1" spc="-15" dirty="0">
-                <a:solidFill>
-                  <a:srgbClr val="777879"/>
-                </a:solidFill>
-                <a:latin typeface="AdobeClean-LightIt"/>
-                <a:cs typeface="AdobeClean-LightIt"/>
-              </a:rPr>
-              <a:t>learn</a:t>
-            </a:r>
-            <a:r>
-              <a:rPr sz="1100" i="1" spc="-40" dirty="0">
-                <a:solidFill>
-                  <a:srgbClr val="777879"/>
-                </a:solidFill>
-                <a:latin typeface="AdobeClean-LightIt"/>
-                <a:cs typeface="AdobeClean-LightIt"/>
-              </a:rPr>
-              <a:t> </a:t>
-            </a:r>
-            <a:r>
-              <a:rPr sz="1100" i="1" spc="-15" dirty="0">
-                <a:solidFill>
-                  <a:srgbClr val="777879"/>
-                </a:solidFill>
-                <a:latin typeface="AdobeClean-LightIt"/>
-                <a:cs typeface="AdobeClean-LightIt"/>
-              </a:rPr>
-              <a:t>more</a:t>
-            </a:r>
-            <a:r>
-              <a:rPr sz="1100" i="1" spc="-45" dirty="0">
-                <a:solidFill>
-                  <a:srgbClr val="777879"/>
-                </a:solidFill>
-                <a:latin typeface="AdobeClean-LightIt"/>
-                <a:cs typeface="AdobeClean-LightIt"/>
-              </a:rPr>
-              <a:t> </a:t>
-            </a:r>
-            <a:r>
-              <a:rPr sz="1100" i="1" spc="-15" dirty="0">
-                <a:solidFill>
-                  <a:srgbClr val="777879"/>
-                </a:solidFill>
-                <a:latin typeface="AdobeClean-LightIt"/>
-                <a:cs typeface="AdobeClean-LightIt"/>
-              </a:rPr>
-              <a:t>about</a:t>
-            </a:r>
-            <a:r>
-              <a:rPr sz="1100" i="1" spc="-45" dirty="0">
-                <a:solidFill>
-                  <a:srgbClr val="777879"/>
-                </a:solidFill>
-                <a:latin typeface="AdobeClean-LightIt"/>
-                <a:cs typeface="AdobeClean-LightIt"/>
-              </a:rPr>
-              <a:t> </a:t>
-            </a:r>
-            <a:r>
-              <a:rPr sz="1100" i="1" spc="-15" dirty="0">
-                <a:solidFill>
-                  <a:srgbClr val="777879"/>
-                </a:solidFill>
-                <a:latin typeface="AdobeClean-LightIt"/>
-                <a:cs typeface="AdobeClean-LightIt"/>
-              </a:rPr>
-              <a:t>Adobe</a:t>
-            </a:r>
-            <a:r>
-              <a:rPr sz="1100" i="1" spc="-50" dirty="0">
-                <a:solidFill>
-                  <a:srgbClr val="777879"/>
-                </a:solidFill>
-                <a:latin typeface="AdobeClean-LightIt"/>
-                <a:cs typeface="AdobeClean-LightIt"/>
-              </a:rPr>
-              <a:t> </a:t>
-            </a:r>
-            <a:r>
-              <a:rPr sz="1100" i="1" spc="-15" dirty="0">
-                <a:solidFill>
-                  <a:srgbClr val="777879"/>
-                </a:solidFill>
-                <a:latin typeface="AdobeClean-LightIt"/>
-                <a:cs typeface="AdobeClean-LightIt"/>
-              </a:rPr>
-              <a:t>Support</a:t>
-            </a:r>
-            <a:r>
-              <a:rPr lang="en-US" sz="1100" i="1" spc="-15" dirty="0">
-                <a:solidFill>
-                  <a:srgbClr val="777879"/>
-                </a:solidFill>
-                <a:latin typeface="AdobeClean-LightIt"/>
-                <a:cs typeface="AdobeClean-LightIt"/>
-              </a:rPr>
-              <a:t> Offerings</a:t>
-            </a:r>
-            <a:r>
-              <a:rPr sz="1100" i="1" spc="-75" dirty="0">
-                <a:solidFill>
-                  <a:srgbClr val="777879"/>
-                </a:solidFill>
-                <a:latin typeface="AdobeClean-LightIt"/>
-                <a:cs typeface="AdobeClean-LightIt"/>
-              </a:rPr>
-              <a:t> </a:t>
-            </a:r>
-            <a:r>
-              <a:rPr sz="1100" i="1" spc="-15" dirty="0">
-                <a:solidFill>
-                  <a:srgbClr val="777879"/>
-                </a:solidFill>
-                <a:latin typeface="AdobeClean-LightIt"/>
-                <a:cs typeface="AdobeClean-LightIt"/>
-              </a:rPr>
-              <a:t>and</a:t>
-            </a:r>
-            <a:r>
-              <a:rPr sz="1100" i="1" spc="-50" dirty="0">
-                <a:solidFill>
-                  <a:srgbClr val="777879"/>
-                </a:solidFill>
-                <a:latin typeface="AdobeClean-LightIt"/>
-                <a:cs typeface="AdobeClean-LightIt"/>
-              </a:rPr>
-              <a:t> </a:t>
-            </a:r>
-            <a:r>
-              <a:rPr sz="1100" i="1" spc="-15" dirty="0">
-                <a:solidFill>
-                  <a:srgbClr val="777879"/>
-                </a:solidFill>
-                <a:latin typeface="AdobeClean-LightIt"/>
-                <a:cs typeface="AdobeClean-LightIt"/>
-              </a:rPr>
-              <a:t>the</a:t>
-            </a:r>
-            <a:r>
-              <a:rPr sz="1100" i="1" spc="-55" dirty="0">
-                <a:solidFill>
-                  <a:srgbClr val="777879"/>
-                </a:solidFill>
-                <a:latin typeface="AdobeClean-LightIt"/>
-                <a:cs typeface="AdobeClean-LightIt"/>
-              </a:rPr>
-              <a:t> </a:t>
-            </a:r>
-            <a:r>
-              <a:rPr sz="1100" i="1" spc="-15" dirty="0">
-                <a:solidFill>
-                  <a:srgbClr val="777879"/>
-                </a:solidFill>
-                <a:latin typeface="AdobeClean-LightIt"/>
-                <a:cs typeface="AdobeClean-LightIt"/>
-              </a:rPr>
-              <a:t>right</a:t>
-            </a:r>
-            <a:r>
-              <a:rPr sz="1100" i="1" spc="-95" dirty="0">
-                <a:solidFill>
-                  <a:srgbClr val="777879"/>
-                </a:solidFill>
-                <a:latin typeface="AdobeClean-LightIt"/>
-                <a:cs typeface="AdobeClean-LightIt"/>
-              </a:rPr>
-              <a:t> </a:t>
-            </a:r>
-            <a:r>
-              <a:rPr sz="1100" i="1" spc="-15" dirty="0">
-                <a:solidFill>
-                  <a:srgbClr val="777879"/>
-                </a:solidFill>
-                <a:latin typeface="AdobeClean-LightIt"/>
-                <a:cs typeface="AdobeClean-LightIt"/>
-              </a:rPr>
-              <a:t>level</a:t>
-            </a:r>
-            <a:r>
-              <a:rPr sz="1100" i="1" spc="-55" dirty="0">
-                <a:solidFill>
-                  <a:srgbClr val="777879"/>
-                </a:solidFill>
-                <a:latin typeface="AdobeClean-LightIt"/>
-                <a:cs typeface="AdobeClean-LightIt"/>
-              </a:rPr>
-              <a:t> </a:t>
-            </a:r>
-            <a:r>
-              <a:rPr sz="1100" i="1" spc="-15" dirty="0">
-                <a:solidFill>
-                  <a:srgbClr val="777879"/>
-                </a:solidFill>
-                <a:latin typeface="AdobeClean-LightIt"/>
-                <a:cs typeface="AdobeClean-LightIt"/>
-              </a:rPr>
-              <a:t>for</a:t>
-            </a:r>
-            <a:r>
-              <a:rPr sz="1100" i="1" spc="-85" dirty="0">
-                <a:solidFill>
-                  <a:srgbClr val="777879"/>
-                </a:solidFill>
-                <a:latin typeface="AdobeClean-LightIt"/>
-                <a:cs typeface="AdobeClean-LightIt"/>
-              </a:rPr>
-              <a:t> </a:t>
-            </a:r>
-            <a:r>
-              <a:rPr sz="1100" i="1" spc="-15" dirty="0">
-                <a:solidFill>
-                  <a:srgbClr val="777879"/>
-                </a:solidFill>
-                <a:latin typeface="AdobeClean-LightIt"/>
-                <a:cs typeface="AdobeClean-LightIt"/>
-              </a:rPr>
-              <a:t>you,</a:t>
-            </a:r>
-            <a:r>
-              <a:rPr sz="1100" i="1" spc="-65" dirty="0">
-                <a:solidFill>
-                  <a:srgbClr val="777879"/>
-                </a:solidFill>
-                <a:latin typeface="AdobeClean-LightIt"/>
-                <a:cs typeface="AdobeClean-LightIt"/>
-              </a:rPr>
-              <a:t> </a:t>
-            </a:r>
-            <a:r>
-              <a:rPr sz="1100" i="1" spc="-15" dirty="0">
-                <a:solidFill>
-                  <a:srgbClr val="777879"/>
-                </a:solidFill>
-                <a:latin typeface="AdobeClean-LightIt"/>
-                <a:cs typeface="AdobeClean-LightIt"/>
-              </a:rPr>
-              <a:t>contact</a:t>
-            </a:r>
-            <a:r>
-              <a:rPr sz="1100" i="1" spc="-85" dirty="0">
-                <a:solidFill>
-                  <a:srgbClr val="777879"/>
-                </a:solidFill>
-                <a:latin typeface="AdobeClean-LightIt"/>
-                <a:cs typeface="AdobeClean-LightIt"/>
-              </a:rPr>
-              <a:t> </a:t>
-            </a:r>
-            <a:r>
-              <a:rPr sz="1100" i="1" spc="-15" dirty="0">
-                <a:solidFill>
-                  <a:srgbClr val="777879"/>
-                </a:solidFill>
-                <a:latin typeface="AdobeClean-LightIt"/>
-                <a:cs typeface="AdobeClean-LightIt"/>
-              </a:rPr>
-              <a:t>your</a:t>
-            </a:r>
-            <a:r>
-              <a:rPr sz="1100" i="1" spc="-70" dirty="0">
-                <a:solidFill>
-                  <a:srgbClr val="777879"/>
-                </a:solidFill>
-                <a:latin typeface="AdobeClean-LightIt"/>
-                <a:cs typeface="AdobeClean-LightIt"/>
-              </a:rPr>
-              <a:t> </a:t>
-            </a:r>
-            <a:r>
-              <a:rPr sz="1100" i="1" spc="-15" dirty="0">
-                <a:solidFill>
-                  <a:srgbClr val="777879"/>
-                </a:solidFill>
-                <a:latin typeface="AdobeClean-LightIt"/>
-                <a:cs typeface="AdobeClean-LightIt"/>
-              </a:rPr>
-              <a:t>Named</a:t>
-            </a:r>
-            <a:r>
-              <a:rPr sz="1100" i="1" spc="-55" dirty="0">
-                <a:solidFill>
-                  <a:srgbClr val="777879"/>
-                </a:solidFill>
-                <a:latin typeface="AdobeClean-LightIt"/>
-                <a:cs typeface="AdobeClean-LightIt"/>
-              </a:rPr>
-              <a:t> </a:t>
-            </a:r>
-            <a:r>
-              <a:rPr sz="1100" i="1" spc="-25" dirty="0">
-                <a:solidFill>
-                  <a:srgbClr val="777879"/>
-                </a:solidFill>
-                <a:latin typeface="AdobeClean-LightIt"/>
-                <a:cs typeface="AdobeClean-LightIt"/>
-              </a:rPr>
-              <a:t>Account</a:t>
-            </a:r>
-            <a:r>
-              <a:rPr sz="1100" i="1" spc="-120" dirty="0">
-                <a:solidFill>
-                  <a:srgbClr val="777879"/>
-                </a:solidFill>
-                <a:latin typeface="AdobeClean-LightIt"/>
-                <a:cs typeface="AdobeClean-LightIt"/>
-              </a:rPr>
-              <a:t> </a:t>
-            </a:r>
-            <a:r>
-              <a:rPr sz="1100" i="1" spc="-20" dirty="0">
-                <a:solidFill>
-                  <a:srgbClr val="777879"/>
-                </a:solidFill>
-                <a:latin typeface="AdobeClean-LightIt"/>
-                <a:cs typeface="AdobeClean-LightIt"/>
-              </a:rPr>
-              <a:t>Manager </a:t>
-            </a:r>
-            <a:r>
-              <a:rPr sz="1100" i="1" spc="-15" dirty="0">
-                <a:solidFill>
-                  <a:srgbClr val="777879"/>
-                </a:solidFill>
-                <a:latin typeface="AdobeClean-LightIt"/>
-                <a:cs typeface="AdobeClean-LightIt"/>
-              </a:rPr>
-              <a:t>(NAM) </a:t>
-            </a:r>
-            <a:r>
-              <a:rPr sz="1100" i="1" spc="-10" dirty="0">
-                <a:solidFill>
-                  <a:srgbClr val="777879"/>
-                </a:solidFill>
-                <a:latin typeface="AdobeClean-LightIt"/>
-                <a:cs typeface="AdobeClean-LightIt"/>
-              </a:rPr>
-              <a:t>or </a:t>
-            </a:r>
-            <a:r>
-              <a:rPr sz="1100" i="1" spc="-15" dirty="0">
-                <a:solidFill>
-                  <a:srgbClr val="777879"/>
-                </a:solidFill>
-                <a:latin typeface="AdobeClean-LightIt"/>
-                <a:cs typeface="AdobeClean-LightIt"/>
-              </a:rPr>
-              <a:t>Customer </a:t>
-            </a:r>
-            <a:r>
-              <a:rPr sz="1100" i="1" spc="-20" dirty="0">
-                <a:solidFill>
-                  <a:srgbClr val="777879"/>
-                </a:solidFill>
-                <a:latin typeface="AdobeClean-LightIt"/>
-                <a:cs typeface="AdobeClean-LightIt"/>
-              </a:rPr>
-              <a:t>Success</a:t>
-            </a:r>
-            <a:r>
-              <a:rPr sz="1100" i="1" spc="-180" dirty="0">
-                <a:solidFill>
-                  <a:srgbClr val="777879"/>
-                </a:solidFill>
-                <a:latin typeface="AdobeClean-LightIt"/>
-                <a:cs typeface="AdobeClean-LightIt"/>
-              </a:rPr>
-              <a:t> </a:t>
-            </a:r>
-            <a:r>
-              <a:rPr sz="1100" i="1" spc="-15" dirty="0">
-                <a:solidFill>
-                  <a:srgbClr val="777879"/>
-                </a:solidFill>
-                <a:latin typeface="AdobeClean-LightIt"/>
-                <a:cs typeface="AdobeClean-LightIt"/>
-              </a:rPr>
-              <a:t>Manager</a:t>
-            </a:r>
-            <a:r>
-              <a:rPr lang="en-US" sz="1100" i="1" spc="-15" dirty="0">
-                <a:solidFill>
-                  <a:srgbClr val="777879"/>
-                </a:solidFill>
-                <a:latin typeface="AdobeClean-LightIt"/>
-                <a:cs typeface="AdobeClean-LightIt"/>
-              </a:rPr>
-              <a:t> </a:t>
-            </a:r>
-            <a:r>
-              <a:rPr sz="1100" i="1" spc="-15" dirty="0">
-                <a:solidFill>
-                  <a:srgbClr val="777879"/>
-                </a:solidFill>
-                <a:latin typeface="AdobeClean-LightIt"/>
-                <a:cs typeface="AdobeClean-LightIt"/>
-              </a:rPr>
-              <a:t>(CSM)</a:t>
-            </a:r>
-            <a:r>
-              <a:rPr lang="en-US" sz="1100" i="1" spc="-15" dirty="0">
-                <a:solidFill>
-                  <a:srgbClr val="777879"/>
-                </a:solidFill>
-                <a:latin typeface="AdobeClean-LightIt"/>
-                <a:cs typeface="AdobeClean-LightIt"/>
-              </a:rPr>
-              <a:t>.</a:t>
-            </a:r>
-            <a:endParaRPr sz="1100" dirty="0">
-              <a:latin typeface="AdobeClean-LightIt"/>
-              <a:cs typeface="AdobeClean-LightIt"/>
-            </a:endParaRPr>
           </a:p>
           <a:p>
             <a:pPr marL="34290">
@@ -11034,59 +9724,15 @@
               </a:spcBef>
             </a:pPr>
             <a:r>
-              <a:rPr sz="800" spc="-5" dirty="0">
+              <a:rPr lang="es-ES" sz="800">
                 <a:solidFill>
                   <a:srgbClr val="6D6D6D"/>
                 </a:solidFill>
                 <a:latin typeface="Adobe Clean"/>
                 <a:cs typeface="Adobe Clean"/>
               </a:rPr>
-              <a:t>©202</a:t>
+              <a:t>©2022 Adobe. All Rights Reserved. Adobe Confidential.</a:t>
             </a:r>
-            <a:r>
-              <a:rPr lang="en-US" sz="800" spc="-5" dirty="0">
-                <a:solidFill>
-                  <a:srgbClr val="6D6D6D"/>
-                </a:solidFill>
-                <a:latin typeface="Adobe Clean"/>
-                <a:cs typeface="Adobe Clean"/>
-              </a:rPr>
-              <a:t>2</a:t>
-            </a:r>
-            <a:r>
-              <a:rPr sz="800" spc="-5" dirty="0">
-                <a:solidFill>
-                  <a:srgbClr val="6D6D6D"/>
-                </a:solidFill>
-                <a:latin typeface="Adobe Clean"/>
-                <a:cs typeface="Adobe Clean"/>
-              </a:rPr>
-              <a:t> Adobe. All Rights Reserved. Adobe</a:t>
-            </a:r>
-            <a:r>
-              <a:rPr sz="800" spc="75" dirty="0">
-                <a:solidFill>
-                  <a:srgbClr val="6D6D6D"/>
-                </a:solidFill>
-                <a:latin typeface="Adobe Clean"/>
-                <a:cs typeface="Adobe Clean"/>
-              </a:rPr>
-              <a:t> </a:t>
-            </a:r>
-            <a:r>
-              <a:rPr sz="800" spc="-5" dirty="0">
-                <a:solidFill>
-                  <a:srgbClr val="6D6D6D"/>
-                </a:solidFill>
-                <a:latin typeface="Adobe Clean"/>
-                <a:cs typeface="Adobe Clean"/>
-              </a:rPr>
-              <a:t>Confidential.</a:t>
-            </a:r>
-            <a:endParaRPr sz="800" dirty="0">
-              <a:latin typeface="Adobe Clean"/>
-              <a:cs typeface="Adobe Clean"/>
-            </a:endParaRPr>
           </a:p>
         </p:txBody>
       </p:sp>
@@ -11123,14 +9769,14 @@
               </a:spcBef>
             </a:pPr>
             <a:r>
-              <a:rPr lang="en-US" sz="1400" b="1" spc="-15" dirty="0">
+              <a:rPr lang="es-ES" sz="1400" b="1">
                 <a:solidFill>
                   <a:srgbClr val="020302"/>
                 </a:solidFill>
                 <a:latin typeface="Adobe Clean"/>
                 <a:cs typeface="Adobe Clean"/>
               </a:rPr>
-              <a:t>Regional Hours Of Operation And Language Support</a:t>
+              <a:t>Horario regional y asistencia en otros idiomas</a:t>
             </a:r>
           </a:p>
           <a:p>
@@ -11140,13 +9786,13 @@
               </a:spcBef>
             </a:pPr>
             <a:r>
-              <a:rPr lang="en-US" sz="1000" spc="-15" dirty="0">
+              <a:rPr lang="es-ES" sz="1000">
                 <a:solidFill>
                   <a:srgbClr val="1F1F1F"/>
                 </a:solidFill>
                 <a:latin typeface="AdobeClean-Light"/>
               </a:rPr>
-              <a:t>Adobe’s local business hours align to the customer’s billing region.</a:t>
+              <a:t>El horario laboral local de Adobe está adaptado a la región de facturación del cliente.</a:t>
             </a:r>
           </a:p>
         </p:txBody>
@@ -11166,14 +9812,14 @@
           <p:nvPr>
             <p:extLst>
               <p:ext uri="{D42A27DB-BD31-4B8C-83A1-F6EECF244321}">
-                <p14:modId xmlns:p14="http://schemas.microsoft.com/office/powerpoint/2010/main" val="3670104941"/>
+                <p14:modId xmlns:p14="http://schemas.microsoft.com/office/powerpoint/2010/main" val="1897257450"/>
               </p:ext>
             </p:extLst>
           </p:nvPr>
         </p:nvGraphicFramePr>
         <p:xfrm>
           <a:off x="171128" y="5907213"/>
-          <a:ext cx="7391400" cy="1336040"/>
+          <a:ext cx="7391400" cy="1280160"/>
         </p:xfrm>
         <a:graphic>
           <a:graphicData uri="http://schemas.openxmlformats.org/drawingml/2006/table">
@@ -11182,21 +9828,21 @@
                 <a:tableStyleId>{5C22544A-7EE6-4342-B048-85BDC9FD1C3A}</a:tableStyleId>
               </a:tblPr>
               <a:tblGrid>
-                <a:gridCol w="1847850">
+                <a:gridCol w="1733872">
                   <a:extLst>
                     <a:ext uri="{9D8B030D-6E8A-4147-A177-3AD203B41FA5}">
                       <a16:colId xmlns:a16="http://schemas.microsoft.com/office/drawing/2014/main" val="2364693614"/>
                     </a:ext>
                   </a:extLst>
                 </a:gridCol>
-                <a:gridCol w="1847850">
+                <a:gridCol w="2133600">
                   <a:extLst>
                     <a:ext uri="{9D8B030D-6E8A-4147-A177-3AD203B41FA5}">
                       <a16:colId xmlns:a16="http://schemas.microsoft.com/office/drawing/2014/main" val="1545335406"/>
                     </a:ext>
                   </a:extLst>
                 </a:gridCol>
-                <a:gridCol w="1847850">
+                <a:gridCol w="1676078">
                   <a:extLst>
                     <a:ext uri="{9D8B030D-6E8A-4147-A177-3AD203B41FA5}">
                       <a16:colId xmlns:a16="http://schemas.microsoft.com/office/drawing/2014/main" val="4165218250"/>
@@ -11219,16 +9865,16 @@
                     <a:p>
                       <a:pPr algn="ctr"/>
                       <a:r>
-                        <a:rPr lang="en-US" sz="1100" dirty="0">
+                        <a:rPr lang="es-ES" sz="1100">
                           <a:solidFill>
                             <a:schemeClr val="tx1"/>
                           </a:solidFill>
                           <a:latin typeface="Adobe Clean" panose="020B0503020404020204" pitchFamily="34" charset="0"/>
                         </a:rPr>
-                        <a:t>Americas </a:t>
+                        <a:t>América</a:t>
                       </a:r>
                       <a:r>
-                        <a:rPr lang="en-US" sz="1100" baseline="30000" dirty="0">
+                        <a:rPr lang="es-ES" sz="1100" baseline="30000">
                           <a:solidFill>
                             <a:schemeClr val="tx1"/>
                           </a:solidFill>
@@ -11293,13 +9939,13 @@
                     <a:p>
                       <a:pPr algn="ctr"/>
                       <a:r>
-                        <a:rPr lang="en-US" sz="1100" dirty="0">
+                        <a:rPr lang="es-ES" sz="1100">
                           <a:solidFill>
                             <a:schemeClr val="tx1"/>
                           </a:solidFill>
                           <a:latin typeface="Adobe Clean" panose="020B0503020404020204" pitchFamily="34" charset="0"/>
                         </a:rPr>
-                        <a:t>Europe, Middle East &amp; Africa</a:t>
+                        <a:t>Europa, Oriente Medio y África</a:t>
                       </a:r>
                     </a:p>
                   </a:txBody>
@@ -11358,13 +10004,13 @@
                     <a:p>
                       <a:pPr algn="ctr"/>
                       <a:r>
-                        <a:rPr lang="en-US" sz="1100" dirty="0">
+                        <a:rPr lang="es-ES" sz="1100">
                           <a:solidFill>
                             <a:schemeClr val="tx1"/>
                           </a:solidFill>
                           <a:latin typeface="Adobe Clean" panose="020B0503020404020204" pitchFamily="34" charset="0"/>
                         </a:rPr>
-                        <a:t>Asia Pacific</a:t>
+                        <a:t>Asia-Pacífico</a:t>
                       </a:r>
                     </a:p>
                   </a:txBody>
@@ -11423,13 +10069,13 @@
                     <a:p>
                       <a:pPr algn="ctr"/>
                       <a:r>
-                        <a:rPr lang="en-US" sz="1100" dirty="0">
+                        <a:rPr lang="es-ES" sz="1100">
                           <a:solidFill>
                             <a:schemeClr val="tx1"/>
                           </a:solidFill>
                           <a:latin typeface="Adobe Clean" panose="020B0503020404020204" pitchFamily="34" charset="0"/>
                         </a:rPr>
-                        <a:t>Japan </a:t>
+                        <a:t>Japón </a:t>
                       </a:r>
                     </a:p>
                   </a:txBody>
@@ -11495,7 +10141,7 @@
                     <a:p>
                       <a:pPr algn="ctr"/>
                       <a:r>
-                        <a:rPr lang="en-US" sz="1100" dirty="0">
+                        <a:rPr lang="es-ES" sz="1100">
                           <a:solidFill>
                             <a:schemeClr val="tx1"/>
                           </a:solidFill>
@@ -11560,13 +10206,13 @@
                     <a:p>
                       <a:pPr algn="ctr"/>
                       <a:r>
-                        <a:rPr lang="en-US" sz="1100" dirty="0">
+                        <a:rPr lang="es-ES" sz="1100">
                           <a:solidFill>
                             <a:schemeClr val="tx1"/>
                           </a:solidFill>
                           <a:latin typeface="Adobe Clean" panose="020B0503020404020204" pitchFamily="34" charset="0"/>
                         </a:rPr>
-                        <a:t>9 am – 5 pm</a:t>
+                        <a:t>09:00 h - 17:00 h</a:t>
                       </a:r>
                     </a:p>
                   </a:txBody>
@@ -11625,13 +10271,13 @@
                     <a:p>
                       <a:pPr algn="ctr"/>
                       <a:r>
-                        <a:rPr lang="en-US" sz="1100" dirty="0">
+                        <a:rPr lang="es-ES" sz="1100">
                           <a:solidFill>
                             <a:schemeClr val="tx1"/>
                           </a:solidFill>
                           <a:latin typeface="Adobe Clean" panose="020B0503020404020204" pitchFamily="34" charset="0"/>
                         </a:rPr>
-                        <a:t>9 am – 5 pm</a:t>
+                        <a:t>09:00 h - 17:00 h</a:t>
                       </a:r>
                     </a:p>
                   </a:txBody>
@@ -11690,13 +10336,13 @@
                     <a:p>
                       <a:pPr algn="ctr"/>
                       <a:r>
-                        <a:rPr lang="en-US" sz="1100" dirty="0">
+                        <a:rPr lang="es-ES" sz="1100">
                           <a:solidFill>
                             <a:schemeClr val="tx1"/>
                           </a:solidFill>
                           <a:latin typeface="Adobe Clean" panose="020B0503020404020204" pitchFamily="34" charset="0"/>
                         </a:rPr>
-                        <a:t>9 am – 5:30 pm</a:t>
+                        <a:t>09:00 h - 17:30 h</a:t>
                       </a:r>
                     </a:p>
                   </a:txBody>
@@ -11760,7 +10406,7 @@
                     <a:bodyPr/>
                     <a:lstStyle/>
                     <a:p>
-                      <a:pPr marL="0" marR="0" lvl="0" indent="0" algn="ctr" defTabSz="914400" eaLnBrk="1" fontAlgn="auto" latinLnBrk="0" hangingPunct="1">
+                      <a:pPr marL="0" marR="0" lvl="0" indent="0" algn="l" defTabSz="914400" rtl="0" eaLnBrk="1" fontAlgn="auto" latinLnBrk="0" hangingPunct="1">
                         <a:lnSpc>
                           <a:spcPct val="100000"/>
                         </a:lnSpc>
@@ -11803,7 +10449,7 @@
                         <a:defRPr/>
                       </a:pPr>
                       <a:r>
-                        <a:rPr lang="en-US" sz="1100" baseline="30000" dirty="0">
+                        <a:rPr lang="es-ES" sz="1100" baseline="30000" dirty="0">
                           <a:solidFill>
                             <a:schemeClr val="tx1"/>
                           </a:solidFill>
@@ -11812,17 +10458,17 @@
                         <a:t>1</a:t>
                       </a:r>
                       <a:r>
-                        <a:rPr lang="en-US" sz="1100" dirty="0">
+                        <a:rPr lang="es-ES" sz="1100" dirty="0">
                           <a:solidFill>
                             <a:schemeClr val="tx1"/>
                           </a:solidFill>
                           <a:latin typeface="Adobe Clean" panose="020B0503020404020204" pitchFamily="34" charset="0"/>
                         </a:rPr>
-                        <a:t>Americas Language support available in English only.</a:t>
+                        <a:t>Soporte en América solo disponible en inglés.</a:t>
                       </a:r>
                     </a:p>
                     <a:p>
-                      <a:pPr marL="0" marR="0" lvl="0" indent="0" algn="ctr" defTabSz="914400" eaLnBrk="1" fontAlgn="auto" latinLnBrk="0" hangingPunct="1">
+                      <a:pPr marL="0" marR="0" lvl="0" indent="0" algn="l" defTabSz="914400" rtl="0" eaLnBrk="1" fontAlgn="auto" latinLnBrk="0" hangingPunct="1">
                         <a:lnSpc>
                           <a:spcPct val="100000"/>
                         </a:lnSpc>
@@ -12165,7 +10811,7 @@
           <p:nvPr/>
         </p:nvPicPr>
         <p:blipFill>
-          <a:blip r:embed="rId7" cstate="print"/>
+          <a:blip r:embed="rId6" cstate="print"/>
           <a:stretch>
             <a:fillRect/>
           </a:stretch>
@@ -12216,129 +10862,15 @@
               </a:spcBef>
             </a:pPr>
             <a:r>
-              <a:rPr sz="1200" b="1" spc="-15" dirty="0">
+              <a:rPr lang="es-ES" sz="1200" b="1" dirty="0">
                 <a:solidFill>
                   <a:srgbClr val="FFFFFF"/>
                 </a:solidFill>
                 <a:latin typeface="Adobe Clean"/>
                 <a:cs typeface="Adobe Clean"/>
               </a:rPr>
-              <a:t>U</a:t>
+              <a:t>Experiencia sin igual</a:t>
             </a:r>
-            <a:r>
-              <a:rPr sz="1200" b="1" spc="-20" dirty="0">
-                <a:solidFill>
-                  <a:srgbClr val="FFFFFF"/>
-                </a:solidFill>
-                <a:latin typeface="Adobe Clean"/>
-                <a:cs typeface="Adobe Clean"/>
-              </a:rPr>
-              <a:t>n</a:t>
-            </a:r>
-            <a:r>
-              <a:rPr sz="1200" b="1" spc="-25" dirty="0">
-                <a:solidFill>
-                  <a:srgbClr val="FFFFFF"/>
-                </a:solidFill>
-                <a:latin typeface="Adobe Clean"/>
-                <a:cs typeface="Adobe Clean"/>
-              </a:rPr>
-              <a:t>p</a:t>
-            </a:r>
-            <a:r>
-              <a:rPr sz="1200" b="1" spc="-15" dirty="0">
-                <a:solidFill>
-                  <a:srgbClr val="FFFFFF"/>
-                </a:solidFill>
-                <a:latin typeface="Adobe Clean"/>
-                <a:cs typeface="Adobe Clean"/>
-              </a:rPr>
-              <a:t>a</a:t>
-            </a:r>
-            <a:r>
-              <a:rPr sz="1200" b="1" spc="-25" dirty="0">
-                <a:solidFill>
-                  <a:srgbClr val="FFFFFF"/>
-                </a:solidFill>
-                <a:latin typeface="Adobe Clean"/>
-                <a:cs typeface="Adobe Clean"/>
-              </a:rPr>
-              <a:t>r</a:t>
-            </a:r>
-            <a:r>
-              <a:rPr sz="1200" b="1" spc="-15" dirty="0">
-                <a:solidFill>
-                  <a:srgbClr val="FFFFFF"/>
-                </a:solidFill>
-                <a:latin typeface="Adobe Clean"/>
-                <a:cs typeface="Adobe Clean"/>
-              </a:rPr>
-              <a:t>a</a:t>
-            </a:r>
-            <a:r>
-              <a:rPr sz="1200" b="1" spc="-30" dirty="0">
-                <a:solidFill>
-                  <a:srgbClr val="FFFFFF"/>
-                </a:solidFill>
-                <a:latin typeface="Adobe Clean"/>
-                <a:cs typeface="Adobe Clean"/>
-              </a:rPr>
-              <a:t>ll</a:t>
-            </a:r>
-            <a:r>
-              <a:rPr sz="1200" b="1" spc="-25" dirty="0">
-                <a:solidFill>
-                  <a:srgbClr val="FFFFFF"/>
-                </a:solidFill>
-                <a:latin typeface="Adobe Clean"/>
-                <a:cs typeface="Adobe Clean"/>
-              </a:rPr>
-              <a:t>e</a:t>
-            </a:r>
-            <a:r>
-              <a:rPr sz="1200" b="1" spc="-30" dirty="0">
-                <a:solidFill>
-                  <a:srgbClr val="FFFFFF"/>
-                </a:solidFill>
-                <a:latin typeface="Adobe Clean"/>
-                <a:cs typeface="Adobe Clean"/>
-              </a:rPr>
-              <a:t>l</a:t>
-            </a:r>
-            <a:r>
-              <a:rPr sz="1200" b="1" spc="-25" dirty="0">
-                <a:solidFill>
-                  <a:srgbClr val="FFFFFF"/>
-                </a:solidFill>
-                <a:latin typeface="Adobe Clean"/>
-                <a:cs typeface="Adobe Clean"/>
-              </a:rPr>
-              <a:t>e</a:t>
-            </a:r>
-            <a:r>
-              <a:rPr sz="1200" b="1" dirty="0">
-                <a:solidFill>
-                  <a:srgbClr val="FFFFFF"/>
-                </a:solidFill>
-                <a:latin typeface="Adobe Clean"/>
-                <a:cs typeface="Adobe Clean"/>
-              </a:rPr>
-              <a:t>d  </a:t>
-            </a:r>
-            <a:r>
-              <a:rPr sz="1200" b="1" spc="-25" dirty="0">
-                <a:solidFill>
-                  <a:srgbClr val="FFFFFF"/>
-                </a:solidFill>
-                <a:latin typeface="Adobe Clean"/>
-                <a:cs typeface="Adobe Clean"/>
-              </a:rPr>
-              <a:t>Expertise</a:t>
-            </a:r>
-            <a:endParaRPr sz="1200" dirty="0">
-              <a:latin typeface="Adobe Clean"/>
-              <a:cs typeface="Adobe Clean"/>
-            </a:endParaRPr>
           </a:p>
         </p:txBody>
       </p:sp>
@@ -12356,8 +10888,8 @@
         </p:nvSpPr>
         <p:spPr>
           <a:xfrm>
-            <a:off x="4732495" y="8541244"/>
-            <a:ext cx="810895" cy="382797"/>
+            <a:off x="4495801" y="8541244"/>
+            <a:ext cx="1047590" cy="203261"/>
           </a:xfrm>
           <a:prstGeom prst="rect">
             <a:avLst/>
@@ -12369,7 +10901,7 @@
           </a:bodyPr>
           <a:lstStyle/>
           <a:p>
-            <a:pPr marL="139065" marR="5080" indent="-139065">
+            <a:pPr marL="139065" marR="5080" indent="-139065" algn="ctr">
               <a:lnSpc>
                 <a:spcPts val="1390"/>
               </a:lnSpc>
@@ -12378,19 +10910,15 @@
               </a:spcBef>
             </a:pPr>
             <a:r>
-              <a:rPr lang="en-US" sz="1200" b="1" spc="-15" dirty="0">
+              <a:rPr lang="es-ES" sz="1200" b="1" dirty="0">
                 <a:solidFill>
                   <a:srgbClr val="FFFFFF"/>
                 </a:solidFill>
                 <a:latin typeface="Adobe Clean"/>
                 <a:cs typeface="Adobe Clean"/>
               </a:rPr>
-              <a:t>Accelerated Support</a:t>
+              <a:t>Asistencia ágil</a:t>
             </a:r>
-            <a:endParaRPr sz="1200" dirty="0">
-              <a:latin typeface="Adobe Clean"/>
-              <a:cs typeface="Adobe Clean"/>
-            </a:endParaRPr>
           </a:p>
         </p:txBody>
       </p:sp>
@@ -12408,8 +10936,8 @@
         </p:nvSpPr>
         <p:spPr>
           <a:xfrm>
-            <a:off x="6624119" y="8543943"/>
-            <a:ext cx="510540" cy="385445"/>
+            <a:off x="6477000" y="8543943"/>
+            <a:ext cx="810895" cy="385445"/>
           </a:xfrm>
           <a:prstGeom prst="rect">
             <a:avLst/>
@@ -12421,7 +10949,7 @@
           </a:bodyPr>
           <a:lstStyle/>
           <a:p>
-            <a:pPr marL="50800" marR="5080" indent="-51435">
+            <a:pPr marL="50800" marR="5080" indent="-51435" algn="ctr">
               <a:lnSpc>
                 <a:spcPts val="1390"/>
               </a:lnSpc>
@@ -12430,109 +10958,15 @@
               </a:spcBef>
             </a:pPr>
             <a:r>
-              <a:rPr sz="1200" b="1" spc="-50" dirty="0">
+              <a:rPr lang="es-ES" sz="1200" b="1" dirty="0">
                 <a:solidFill>
                   <a:srgbClr val="FFFFFF"/>
                 </a:solidFill>
                 <a:latin typeface="Adobe Clean"/>
                 <a:cs typeface="Adobe Clean"/>
               </a:rPr>
-              <a:t>S</a:t>
+              <a:t>Asesoría estratégica</a:t>
             </a:r>
-            <a:r>
-              <a:rPr sz="1200" b="1" spc="-20" dirty="0">
-                <a:solidFill>
-                  <a:srgbClr val="FFFFFF"/>
-                </a:solidFill>
-                <a:latin typeface="Adobe Clean"/>
-                <a:cs typeface="Adobe Clean"/>
-              </a:rPr>
-              <a:t>t</a:t>
-            </a:r>
-            <a:r>
-              <a:rPr sz="1200" b="1" spc="-75" dirty="0">
-                <a:solidFill>
-                  <a:srgbClr val="FFFFFF"/>
-                </a:solidFill>
-                <a:latin typeface="Adobe Clean"/>
-                <a:cs typeface="Adobe Clean"/>
-              </a:rPr>
-              <a:t>r</a:t>
-            </a:r>
-            <a:r>
-              <a:rPr sz="1200" b="1" spc="-90" dirty="0">
-                <a:solidFill>
-                  <a:srgbClr val="FFFFFF"/>
-                </a:solidFill>
-                <a:latin typeface="Adobe Clean"/>
-                <a:cs typeface="Adobe Clean"/>
-              </a:rPr>
-              <a:t>a</a:t>
-            </a:r>
-            <a:r>
-              <a:rPr sz="1200" b="1" spc="-55" dirty="0">
-                <a:solidFill>
-                  <a:srgbClr val="FFFFFF"/>
-                </a:solidFill>
-                <a:latin typeface="Adobe Clean"/>
-                <a:cs typeface="Adobe Clean"/>
-              </a:rPr>
-              <a:t>t</a:t>
-            </a:r>
-            <a:r>
-              <a:rPr sz="1200" b="1" spc="-100" dirty="0">
-                <a:solidFill>
-                  <a:srgbClr val="FFFFFF"/>
-                </a:solidFill>
-                <a:latin typeface="Adobe Clean"/>
-                <a:cs typeface="Adobe Clean"/>
-              </a:rPr>
-              <a:t>e</a:t>
-            </a:r>
-            <a:r>
-              <a:rPr sz="1200" b="1" spc="-80" dirty="0">
-                <a:solidFill>
-                  <a:srgbClr val="FFFFFF"/>
-                </a:solidFill>
-                <a:latin typeface="Adobe Clean"/>
-                <a:cs typeface="Adobe Clean"/>
-              </a:rPr>
-              <a:t>g</a:t>
-            </a:r>
-            <a:r>
-              <a:rPr sz="1200" b="1" spc="-35" dirty="0">
-                <a:solidFill>
-                  <a:srgbClr val="FFFFFF"/>
-                </a:solidFill>
-                <a:latin typeface="Adobe Clean"/>
-                <a:cs typeface="Adobe Clean"/>
-              </a:rPr>
-              <a:t>i</a:t>
-            </a:r>
-            <a:r>
-              <a:rPr sz="1200" b="1" dirty="0">
-                <a:solidFill>
-                  <a:srgbClr val="FFFFFF"/>
-                </a:solidFill>
-                <a:latin typeface="Adobe Clean"/>
-                <a:cs typeface="Adobe Clean"/>
-              </a:rPr>
-              <a:t>c  </a:t>
-            </a:r>
-            <a:r>
-              <a:rPr sz="1200" b="1" spc="-45" dirty="0">
-                <a:solidFill>
-                  <a:srgbClr val="FFFFFF"/>
-                </a:solidFill>
-                <a:latin typeface="Adobe Clean"/>
-                <a:cs typeface="Adobe Clean"/>
-              </a:rPr>
-              <a:t>Advice</a:t>
-            </a:r>
-            <a:endParaRPr sz="1200" dirty="0">
-              <a:latin typeface="Adobe Clean"/>
-              <a:cs typeface="Adobe Clean"/>
-            </a:endParaRPr>
           </a:p>
         </p:txBody>
       </p:sp>
@@ -12551,13 +10985,13 @@
           <p:nvPr/>
         </p:nvPicPr>
         <p:blipFill>
-          <a:blip r:embed="rId8">
+          <a:blip r:embed="rId7">
             <a:extLst>
               <a:ext uri="{28A0092B-C50C-407E-A947-70E740481C1C}">
                 <a14:useLocalDpi xmlns:a14="http://schemas.microsoft.com/office/drawing/2010/main" val="0"/>
               </a:ext>
               <a:ext uri="{96DAC541-7B7A-43D3-8B79-37D633B846F1}">
-                <asvg:svgBlip xmlns:asvg="http://schemas.microsoft.com/office/drawing/2016/SVG/main" r:embed="rId9"/>
+                <asvg:svgBlip xmlns:asvg="http://schemas.microsoft.com/office/drawing/2016/SVG/main" r:embed="rId8"/>
               </a:ext>
             </a:extLst>
           </a:blip>
@@ -12590,13 +11024,13 @@
           <p:nvPr/>
         </p:nvPicPr>
         <p:blipFill>
-          <a:blip r:embed="rId10">
+          <a:blip r:embed="rId9">
             <a:extLst>
               <a:ext uri="{28A0092B-C50C-407E-A947-70E740481C1C}">
                 <a14:useLocalDpi xmlns:a14="http://schemas.microsoft.com/office/drawing/2010/main" val="0"/>
               </a:ext>
               <a:ext uri="{96DAC541-7B7A-43D3-8B79-37D633B846F1}">
-                <asvg:svgBlip xmlns:asvg="http://schemas.microsoft.com/office/drawing/2016/SVG/main" r:embed="rId11"/>
+                <asvg:svgBlip xmlns:asvg="http://schemas.microsoft.com/office/drawing/2016/SVG/main" r:embed="rId10"/>
               </a:ext>
             </a:extLst>
           </a:blip>
@@ -12629,13 +11063,13 @@
           <p:nvPr/>
         </p:nvPicPr>
         <p:blipFill>
-          <a:blip r:embed="rId12">
+          <a:blip r:embed="rId11">
             <a:extLst>
               <a:ext uri="{28A0092B-C50C-407E-A947-70E740481C1C}">
                 <a14:useLocalDpi xmlns:a14="http://schemas.microsoft.com/office/drawing/2010/main" val="0"/>
               </a:ext>
               <a:ext uri="{96DAC541-7B7A-43D3-8B79-37D633B846F1}">
-                <asvg:svgBlip xmlns:asvg="http://schemas.microsoft.com/office/drawing/2016/SVG/main" r:embed="rId13"/>
+                <asvg:svgBlip xmlns:asvg="http://schemas.microsoft.com/office/drawing/2016/SVG/main" r:embed="rId12"/>
               </a:ext>
             </a:extLst>
           </a:blip>
@@ -12675,7 +11109,7 @@
         </p:nvGraphicFramePr>
         <p:xfrm>
           <a:off x="194237" y="1272353"/>
-          <a:ext cx="7368291" cy="2473960"/>
+          <a:ext cx="7368291" cy="2931160"/>
         </p:xfrm>
         <a:graphic>
           <a:graphicData uri="http://schemas.openxmlformats.org/drawingml/2006/table">
@@ -12709,18 +11143,17 @@
                         <a:buNone/>
                       </a:pPr>
                       <a:r>
-                        <a:rPr lang="en-US" sz="1200" b="0" strike="noStrike" dirty="0">
+                        <a:rPr lang="es-ES" sz="1200" b="0" strike="noStrike">
                           <a:solidFill>
                             <a:srgbClr val="5F5F5F"/>
                           </a:solidFill>
                           <a:latin typeface="Adobe Clean"/>
                           <a:ea typeface="+mn-ea"/>
                           <a:cs typeface="+mn-cs"/>
-                          <a:hlinkClick r:id="rId14"/>
+                          <a:hlinkClick r:id="rId13"/>
                         </a:rPr>
-                        <a:t>Enterprise Learn &amp; Support</a:t>
+                        <a:t>Aprendizaje y asistencia de Enterprise</a:t>
                       </a:r>
-                      <a:endParaRPr lang="en-US"/>
                     </a:p>
                   </a:txBody>
                   <a:tcPr marL="47625" marR="47625" marT="0" marB="0" anchor="ctr">
@@ -12792,7 +11225,7 @@
                         <a:buNone/>
                       </a:pPr>
                       <a:r>
-                        <a:rPr lang="en-US" sz="1000" b="0" strike="noStrike" kern="1200" dirty="0">
+                        <a:rPr lang="es-ES" sz="1000" b="0" strike="noStrike">
                           <a:solidFill>
                             <a:schemeClr val="tx1"/>
                           </a:solidFill>
@@ -12800,7 +11233,7 @@
                           <a:ea typeface="+mn-ea"/>
                           <a:cs typeface="+mn-cs"/>
                         </a:rPr>
-                        <a:t>Enterprise Learn &amp; Support is a place where Adobe customers can find self-help tutorials, product documentation, instructor-led training, community and support for select Adobe Creative Cloud and Document products.</a:t>
+                        <a:t>Aprendizaje y asistencia de Enterprise es el lugar donde los clientes de Adobe pueden encontrar tutoriales de autoayuda, documentación de productos, formación impartida por monitores, comunidad y soporte para ciertos productos de Adobe Creative Cloud y Document.</a:t>
                       </a:r>
                     </a:p>
                   </a:txBody>
@@ -12882,15 +11315,14 @@
                         <a:defRPr/>
                       </a:pPr>
                       <a:r>
-                        <a:rPr lang="en-US" sz="1200" strike="noStrike" dirty="0">
+                        <a:rPr lang="es-ES" sz="1200" strike="noStrike">
                           <a:solidFill>
                             <a:srgbClr val="5F5F5F"/>
                           </a:solidFill>
-                          <a:effectLst/>
                           <a:latin typeface="Adobe Clean" panose="020B0503020404020204" pitchFamily="34" charset="0"/>
                           <a:ea typeface="+mn-ea"/>
                           <a:cs typeface="+mn-cs"/>
-                          <a:hlinkClick r:id="rId15">
+                          <a:hlinkClick r:id="rId14">
                             <a:extLst>
                               <a:ext uri="{A12FA001-AC4F-418D-AE19-62706E023703}">
                                 <ahyp:hlinkClr xmlns:ahyp="http://schemas.microsoft.com/office/drawing/2018/hyperlinkcolor" val="tx"/>
@@ -12898,17 +11330,8 @@
                             </a:extLst>
                           </a:hlinkClick>
                         </a:rPr>
-                        <a:t>Adobe Support Community </a:t>
+                        <a:t>Comunidad de soporte de Adobe </a:t>
                       </a:r>
-                      <a:endParaRPr lang="en-US" sz="1200" strike="noStrike" dirty="0">
-                        <a:solidFill>
-                          <a:srgbClr val="5F5F5F"/>
-                        </a:solidFill>
-                        <a:effectLst/>
-                        <a:latin typeface="Adobe Clean" panose="020B0503020404020204" pitchFamily="34" charset="0"/>
-                        <a:ea typeface="+mn-ea"/>
-                        <a:cs typeface="+mn-cs"/>
-                      </a:endParaRPr>
                     </a:p>
                   </a:txBody>
                   <a:tcPr anchor="ctr">
@@ -12982,7 +11405,7 @@
                         <a:defRPr/>
                       </a:pPr>
                       <a:r>
-                        <a:rPr lang="en-US" sz="1000" strike="noStrike" kern="1200" dirty="0">
+                        <a:rPr lang="es-ES" sz="1000" strike="noStrike">
                           <a:solidFill>
                             <a:schemeClr val="tx1"/>
                           </a:solidFill>
@@ -12990,19 +11413,8 @@
                           <a:ea typeface="+mn-ea"/>
                           <a:cs typeface="+mn-cs"/>
                         </a:rPr>
-                        <a:t>The Adobe Support Community is the place to ask questions, find answers, learn from experts and share your knowledge.</a:t>
+                        <a:t>La comunidad de soporte de Adobe es el lugar adecuado para realizar preguntas, encontrar respuestas, aprender de expertos y compartir información.</a:t>
                       </a:r>
-                      <a:endParaRPr lang="en-US" sz="1000" strike="noStrike" kern="1200" dirty="0">
-                        <a:solidFill>
-                          <a:schemeClr val="tx1"/>
-                        </a:solidFill>
-                        <a:highlight>
-                          <a:srgbClr val="FFFF00"/>
-                        </a:highlight>
-                        <a:latin typeface="Adobe Clean Light" panose="020B0303020404020204" pitchFamily="34" charset="0"/>
-                        <a:ea typeface="+mn-ea"/>
-                        <a:cs typeface="+mn-cs"/>
-                      </a:endParaRPr>
                     </a:p>
                   </a:txBody>
                   <a:tcPr anchor="ctr">
@@ -13083,15 +11495,14 @@
                         <a:defRPr/>
                       </a:pPr>
                       <a:r>
-                        <a:rPr lang="en-US" sz="1200" dirty="0">
+                        <a:rPr lang="es-ES" sz="1200">
                           <a:solidFill>
                             <a:srgbClr val="5F5F5F"/>
                           </a:solidFill>
-                          <a:effectLst/>
                           <a:latin typeface="Adobe Clean" panose="020B0503020404020204" pitchFamily="34" charset="0"/>
                           <a:ea typeface="+mn-ea"/>
                           <a:cs typeface="+mn-cs"/>
-                          <a:hlinkClick r:id="rId16">
+                          <a:hlinkClick r:id="rId15">
                             <a:extLst>
                               <a:ext uri="{A12FA001-AC4F-418D-AE19-62706E023703}">
                                 <ahyp:hlinkClr xmlns:ahyp="http://schemas.microsoft.com/office/drawing/2018/hyperlinkcolor" val="tx"/>
@@ -13099,17 +11510,8 @@
                             </a:extLst>
                           </a:hlinkClick>
                         </a:rPr>
-                        <a:t>Production Issues &amp; System Outages</a:t>
+                        <a:t>Problemas de producción e interrupciones del sistema</a:t>
                       </a:r>
-                      <a:endParaRPr lang="en-US" sz="1200" dirty="0">
-                        <a:solidFill>
-                          <a:srgbClr val="5F5F5F"/>
-                        </a:solidFill>
-                        <a:effectLst/>
-                        <a:latin typeface="Adobe Clean" panose="020B0503020404020204" pitchFamily="34" charset="0"/>
-                        <a:ea typeface="+mn-ea"/>
-                        <a:cs typeface="+mn-cs"/>
-                      </a:endParaRPr>
                     </a:p>
                   </a:txBody>
                   <a:tcPr anchor="ctr">
@@ -13183,7 +11585,7 @@
                         <a:defRPr/>
                       </a:pPr>
                       <a:r>
-                        <a:rPr lang="en-US" sz="1000" kern="1200" dirty="0">
+                        <a:rPr lang="es-ES" sz="1000">
                           <a:solidFill>
                             <a:schemeClr val="tx1"/>
                           </a:solidFill>
@@ -13191,7 +11593,7 @@
                           <a:ea typeface="+mn-ea"/>
                           <a:cs typeface="+mn-cs"/>
                         </a:rPr>
-                        <a:t>Status.adobe.com conveys the health information of all Adobe products and services that are deployed in multi-tenant environments. Customers can choose their subscription preferences to get email notifications whenever Adobe creates, updates or resolves a product event. This can include scheduled maintenance or service issues of varying levels of severity. </a:t>
+                        <a:t>Status.adobe.com transmite la información de estado de todos los productos y servicios de Adobe implementados en entornos de varios inquilinos. Los clientes pueden elegir sus preferencias de suscripción para recibir notificaciones por correo electrónico cada vez que Adobe cree, actualice o resuelva un evento de producto. Esto puede incluir problemas de mantenimiento o servicio programados de diversos niveles de gravedad. </a:t>
                       </a:r>
                     </a:p>
                   </a:txBody>
@@ -13273,15 +11675,14 @@
                         <a:defRPr/>
                       </a:pPr>
                       <a:r>
-                        <a:rPr lang="en-US" sz="1200" dirty="0">
+                        <a:rPr lang="es-ES" sz="1200">
                           <a:solidFill>
                             <a:srgbClr val="5F5F5F"/>
                           </a:solidFill>
-                          <a:effectLst/>
                           <a:latin typeface="Adobe Clean" panose="020B0503020404020204" pitchFamily="34" charset="0"/>
                           <a:ea typeface="+mn-ea"/>
                           <a:cs typeface="+mn-cs"/>
-                          <a:hlinkClick r:id="rId17">
+                          <a:hlinkClick r:id="rId16">
                             <a:extLst>
                               <a:ext uri="{A12FA001-AC4F-418D-AE19-62706E023703}">
                                 <ahyp:hlinkClr xmlns:ahyp="http://schemas.microsoft.com/office/drawing/2018/hyperlinkcolor" val="tx"/>
@@ -13289,17 +11690,8 @@
                             </a:extLst>
                           </a:hlinkClick>
                         </a:rPr>
-                        <a:t>Terms and Conditions</a:t>
+                        <a:t>Términos y condiciones</a:t>
                       </a:r>
-                      <a:endParaRPr lang="en-US" sz="1200" dirty="0">
-                        <a:solidFill>
-                          <a:srgbClr val="5F5F5F"/>
-                        </a:solidFill>
-                        <a:effectLst/>
-                        <a:latin typeface="Adobe Clean" panose="020B0503020404020204" pitchFamily="34" charset="0"/>
-                        <a:ea typeface="+mn-ea"/>
-                        <a:cs typeface="+mn-cs"/>
-                      </a:endParaRPr>
                     </a:p>
                   </a:txBody>
                   <a:tcPr anchor="ctr">
@@ -13356,7 +11748,7 @@
                     <a:lstStyle/>
                     <a:p>
                       <a:r>
-                        <a:rPr lang="en-US" sz="1000" kern="1200" dirty="0">
+                        <a:rPr lang="es-ES" sz="1000">
                           <a:solidFill>
                             <a:schemeClr val="tx1"/>
                           </a:solidFill>
@@ -13364,7 +11756,7 @@
                           <a:ea typeface="+mn-ea"/>
                           <a:cs typeface="+mn-cs"/>
                         </a:rPr>
-                        <a:t>Terms and conditions detailing Support Services offerings.</a:t>
+                        <a:t>Términos y condiciones de las ofertas de los servicios de soporte.</a:t>
                       </a:r>
                     </a:p>
                   </a:txBody>
@@ -13440,8 +11832,8 @@
         </p:nvSpPr>
         <p:spPr>
           <a:xfrm flipV="1">
-            <a:off x="197403" y="859202"/>
-            <a:ext cx="777240" cy="45719"/>
+            <a:off x="197403" y="859199"/>
+            <a:ext cx="716997" cy="45719"/>
           </a:xfrm>
           <a:custGeom>
             <a:avLst/>
@@ -13484,11 +11876,6 @@
   <p:clrMapOvr>
     <a:masterClrMapping/>
   </p:clrMapOvr>
-  <p:extLst>
-    <p:ext uri="{6950BFC3-D8DA-4A85-94F7-54DA5524770B}">
-      <p188:commentRel xmlns:p188="http://schemas.microsoft.com/office/powerpoint/2018/8/main" r:id="rId3"/>
-    </p:ext>
-  </p:extLst>
 </p:sld>
 </file>
 
@@ -14071,21 +12458,6 @@
 </file>
 
 <file path=customXml/item1.xml><?xml version="1.0" encoding="utf-8"?>
-<?mso-contentType ?>
-<FormTemplates xmlns="http://schemas.microsoft.com/sharepoint/v3/contenttype/forms">
-  <Display>DocumentLibraryForm</Display>
-  <Edit>DocumentLibraryForm</Edit>
-  <New>DocumentLibraryForm</New>
-</FormTemplates>
-</file>
-
-<file path=customXml/item2.xml><?xml version="1.0" encoding="utf-8"?>
-<p:properties xmlns:p="http://schemas.microsoft.com/office/2006/metadata/properties" xmlns:xsi="http://www.w3.org/2001/XMLSchema-instance" xmlns:pc="http://schemas.microsoft.com/office/infopath/2007/PartnerControls">
-  <documentManagement/>
-</p:properties>
-</file>
-
-<file path=customXml/item3.xml><?xml version="1.0" encoding="utf-8"?>
 <ct:contentTypeSchema xmlns:ct="http://schemas.microsoft.com/office/2006/metadata/contentType" xmlns:ma="http://schemas.microsoft.com/office/2006/metadata/properties/metaAttributes" ct:_="" ma:_="" ma:contentTypeName="Document" ma:contentTypeID="0x0101009423269C2B3A1A408FE719AA0C68584E" ma:contentTypeVersion="12" ma:contentTypeDescription="Create a new document." ma:contentTypeScope="" ma:versionID="bb0e62b6784238cdabe687d3bb80e52e">
   <xsd:schema xmlns:xsd="http://www.w3.org/2001/XMLSchema" xmlns:xs="http://www.w3.org/2001/XMLSchema" xmlns:p="http://schemas.microsoft.com/office/2006/metadata/properties" xmlns:ns2="01e63850-2818-4a9f-a0cd-2d4201ad5cd5" xmlns:ns3="281057cd-4f7e-4aa3-94a7-05201549cd15" targetNamespace="http://schemas.microsoft.com/office/2006/metadata/properties" ma:root="true" ma:fieldsID="8056aed6c30138b1a2c5f47f967a193a" ns2:_="" ns3:_="">
     <xsd:import namespace="01e63850-2818-4a9f-a0cd-2d4201ad5cd5"/>
@@ -14302,10 +12674,36 @@
 </ct:contentTypeSchema>
 </file>
 
+<file path=customXml/item2.xml><?xml version="1.0" encoding="utf-8"?>
+<p:properties xmlns:p="http://schemas.microsoft.com/office/2006/metadata/properties" xmlns:xsi="http://www.w3.org/2001/XMLSchema-instance" xmlns:pc="http://schemas.microsoft.com/office/infopath/2007/PartnerControls">
+  <documentManagement/>
+</p:properties>
+</file>
+
+<file path=customXml/item3.xml><?xml version="1.0" encoding="utf-8"?>
+<?mso-contentType ?>
+<FormTemplates xmlns="http://schemas.microsoft.com/sharepoint/v3/contenttype/forms">
+  <Display>DocumentLibraryForm</Display>
+  <Edit>DocumentLibraryForm</Edit>
+  <New>DocumentLibraryForm</New>
+</FormTemplates>
+</file>
+
 <file path=customXml/itemProps1.xml><?xml version="1.0" encoding="utf-8"?>
-<ds:datastoreItem xmlns:ds="http://schemas.openxmlformats.org/officeDocument/2006/customXml" ds:itemID="{95AE3B0B-E909-400C-B0B3-909FB50E07DE}">
+<ds:datastoreItem xmlns:ds="http://schemas.openxmlformats.org/officeDocument/2006/customXml" ds:itemID="{34D96EB5-5D0B-4E9E-8068-E6D7C70133E7}">
   <ds:schemaRefs>
-    <ds:schemaRef ds:uri="http://schemas.microsoft.com/sharepoint/v3/contenttype/forms"/>
+    <ds:schemaRef ds:uri="http://schemas.microsoft.com/office/2006/metadata/contentType"/>
+    <ds:schemaRef ds:uri="http://schemas.microsoft.com/office/2006/metadata/properties/metaAttributes"/>
+    <ds:schemaRef ds:uri="http://www.w3.org/2001/XMLSchema"/>
+    <ds:schemaRef ds:uri="http://schemas.microsoft.com/office/2006/metadata/properties"/>
+    <ds:schemaRef ds:uri="01e63850-2818-4a9f-a0cd-2d4201ad5cd5"/>
+    <ds:schemaRef ds:uri="281057cd-4f7e-4aa3-94a7-05201549cd15"/>
+    <ds:schemaRef ds:uri="http://schemas.microsoft.com/office/2006/documentManagement/types"/>
+    <ds:schemaRef ds:uri="http://schemas.microsoft.com/office/infopath/2007/PartnerControls"/>
+    <ds:schemaRef ds:uri="http://schemas.openxmlformats.org/package/2006/metadata/core-properties"/>
+    <ds:schemaRef ds:uri="http://purl.org/dc/elements/1.1/"/>
+    <ds:schemaRef ds:uri="http://purl.org/dc/terms/"/>
+    <ds:schemaRef ds:uri="http://schemas.microsoft.com/internal/obd"/>
   </ds:schemaRefs>
 </ds:datastoreItem>
 </file>
@@ -14328,20 +12726,9 @@
 </file>
 
 <file path=customXml/itemProps3.xml><?xml version="1.0" encoding="utf-8"?>
-<ds:datastoreItem xmlns:ds="http://schemas.openxmlformats.org/officeDocument/2006/customXml" ds:itemID="{34D96EB5-5D0B-4E9E-8068-E6D7C70133E7}">
+<ds:datastoreItem xmlns:ds="http://schemas.openxmlformats.org/officeDocument/2006/customXml" ds:itemID="{95AE3B0B-E909-400C-B0B3-909FB50E07DE}">
   <ds:schemaRefs>
-    <ds:schemaRef ds:uri="http://schemas.microsoft.com/office/2006/metadata/contentType"/>
-    <ds:schemaRef ds:uri="http://schemas.microsoft.com/office/2006/metadata/properties/metaAttributes"/>
-    <ds:schemaRef ds:uri="http://www.w3.org/2001/XMLSchema"/>
-    <ds:schemaRef ds:uri="http://schemas.microsoft.com/office/2006/metadata/properties"/>
-    <ds:schemaRef ds:uri="01e63850-2818-4a9f-a0cd-2d4201ad5cd5"/>
-    <ds:schemaRef ds:uri="281057cd-4f7e-4aa3-94a7-05201549cd15"/>
-    <ds:schemaRef ds:uri="http://schemas.microsoft.com/office/2006/documentManagement/types"/>
-    <ds:schemaRef ds:uri="http://schemas.microsoft.com/office/infopath/2007/PartnerControls"/>
-    <ds:schemaRef ds:uri="http://schemas.openxmlformats.org/package/2006/metadata/core-properties"/>
-    <ds:schemaRef ds:uri="http://purl.org/dc/elements/1.1/"/>
-    <ds:schemaRef ds:uri="http://purl.org/dc/terms/"/>
-    <ds:schemaRef ds:uri="http://schemas.microsoft.com/internal/obd"/>
+    <ds:schemaRef ds:uri="http://schemas.microsoft.com/sharepoint/v3/contenttype/forms"/>
   </ds:schemaRefs>
 </ds:datastoreItem>
 </file>